--- a/Doc/End-Term Presentation.pptx
+++ b/Doc/End-Term Presentation.pptx
@@ -1,34 +1,129 @@
 
 <file path=ppt/presentation.xml><?xml version="1.0" encoding="utf-8"?>
-<p:presentation xmlns:a="http://schemas.openxmlformats.org/drawingml/2006/main" xmlns:p="http://schemas.openxmlformats.org/presentationml/2006/main" xmlns:r="http://schemas.openxmlformats.org/officeDocument/2006/relationships" xmlns:p14="http://schemas.microsoft.com/office/powerpoint/2010/main" xmlns:p15="http://schemas.microsoft.com/office/powerpoint/2012/main" xmlns:mc="http://schemas.openxmlformats.org/markup-compatibility/2006">
+<p:presentation xmlns:a="http://schemas.openxmlformats.org/drawingml/2006/main" xmlns:r="http://schemas.openxmlformats.org/officeDocument/2006/relationships" xmlns:p="http://schemas.openxmlformats.org/presentationml/2006/main">
   <p:sldMasterIdLst>
-    <p:sldMasterId id="2147483648" r:id="rId2"/>
-    <p:sldMasterId id="2147483661" r:id="rId3"/>
+    <p:sldMasterId id="2147483648" r:id="rId1"/>
+    <p:sldMasterId id="2147483661" r:id="rId2"/>
   </p:sldMasterIdLst>
   <p:sldIdLst>
-    <p:sldId id="256" r:id="rId4"/>
-    <p:sldId id="257" r:id="rId5"/>
-    <p:sldId id="258" r:id="rId6"/>
-    <p:sldId id="259" r:id="rId7"/>
-    <p:sldId id="260" r:id="rId8"/>
-    <p:sldId id="261" r:id="rId9"/>
-    <p:sldId id="262" r:id="rId10"/>
-    <p:sldId id="263" r:id="rId11"/>
-    <p:sldId id="264" r:id="rId12"/>
-    <p:sldId id="265" r:id="rId13"/>
-    <p:sldId id="266" r:id="rId14"/>
-    <p:sldId id="267" r:id="rId15"/>
-    <p:sldId id="268" r:id="rId16"/>
-    <p:sldId id="269" r:id="rId17"/>
-    <p:sldId id="270" r:id="rId18"/>
+    <p:sldId id="256" r:id="rId3"/>
+    <p:sldId id="257" r:id="rId4"/>
+    <p:sldId id="258" r:id="rId5"/>
+    <p:sldId id="259" r:id="rId6"/>
+    <p:sldId id="260" r:id="rId7"/>
+    <p:sldId id="261" r:id="rId8"/>
+    <p:sldId id="262" r:id="rId9"/>
+    <p:sldId id="263" r:id="rId10"/>
+    <p:sldId id="264" r:id="rId11"/>
+    <p:sldId id="265" r:id="rId12"/>
+    <p:sldId id="266" r:id="rId13"/>
+    <p:sldId id="267" r:id="rId14"/>
+    <p:sldId id="268" r:id="rId15"/>
+    <p:sldId id="269" r:id="rId16"/>
+    <p:sldId id="270" r:id="rId17"/>
   </p:sldIdLst>
   <p:sldSz cx="10080625" cy="7559675"/>
-  <p:notesSz cx="7559675" cy="10691812"/>
+  <p:notesSz cx="7559675" cy="10691813"/>
+  <p:defaultTextStyle>
+    <a:defPPr>
+      <a:defRPr lang="en-US"/>
+    </a:defPPr>
+    <a:lvl1pPr marL="0" algn="l" defTabSz="914400" rtl="0" eaLnBrk="1" latinLnBrk="0" hangingPunct="1">
+      <a:defRPr sz="1800" kern="1200">
+        <a:solidFill>
+          <a:schemeClr val="tx1"/>
+        </a:solidFill>
+        <a:latin typeface="+mn-lt"/>
+        <a:ea typeface="+mn-ea"/>
+        <a:cs typeface="+mn-cs"/>
+      </a:defRPr>
+    </a:lvl1pPr>
+    <a:lvl2pPr marL="457200" algn="l" defTabSz="914400" rtl="0" eaLnBrk="1" latinLnBrk="0" hangingPunct="1">
+      <a:defRPr sz="1800" kern="1200">
+        <a:solidFill>
+          <a:schemeClr val="tx1"/>
+        </a:solidFill>
+        <a:latin typeface="+mn-lt"/>
+        <a:ea typeface="+mn-ea"/>
+        <a:cs typeface="+mn-cs"/>
+      </a:defRPr>
+    </a:lvl2pPr>
+    <a:lvl3pPr marL="914400" algn="l" defTabSz="914400" rtl="0" eaLnBrk="1" latinLnBrk="0" hangingPunct="1">
+      <a:defRPr sz="1800" kern="1200">
+        <a:solidFill>
+          <a:schemeClr val="tx1"/>
+        </a:solidFill>
+        <a:latin typeface="+mn-lt"/>
+        <a:ea typeface="+mn-ea"/>
+        <a:cs typeface="+mn-cs"/>
+      </a:defRPr>
+    </a:lvl3pPr>
+    <a:lvl4pPr marL="1371600" algn="l" defTabSz="914400" rtl="0" eaLnBrk="1" latinLnBrk="0" hangingPunct="1">
+      <a:defRPr sz="1800" kern="1200">
+        <a:solidFill>
+          <a:schemeClr val="tx1"/>
+        </a:solidFill>
+        <a:latin typeface="+mn-lt"/>
+        <a:ea typeface="+mn-ea"/>
+        <a:cs typeface="+mn-cs"/>
+      </a:defRPr>
+    </a:lvl4pPr>
+    <a:lvl5pPr marL="1828800" algn="l" defTabSz="914400" rtl="0" eaLnBrk="1" latinLnBrk="0" hangingPunct="1">
+      <a:defRPr sz="1800" kern="1200">
+        <a:solidFill>
+          <a:schemeClr val="tx1"/>
+        </a:solidFill>
+        <a:latin typeface="+mn-lt"/>
+        <a:ea typeface="+mn-ea"/>
+        <a:cs typeface="+mn-cs"/>
+      </a:defRPr>
+    </a:lvl5pPr>
+    <a:lvl6pPr marL="2286000" algn="l" defTabSz="914400" rtl="0" eaLnBrk="1" latinLnBrk="0" hangingPunct="1">
+      <a:defRPr sz="1800" kern="1200">
+        <a:solidFill>
+          <a:schemeClr val="tx1"/>
+        </a:solidFill>
+        <a:latin typeface="+mn-lt"/>
+        <a:ea typeface="+mn-ea"/>
+        <a:cs typeface="+mn-cs"/>
+      </a:defRPr>
+    </a:lvl6pPr>
+    <a:lvl7pPr marL="2743200" algn="l" defTabSz="914400" rtl="0" eaLnBrk="1" latinLnBrk="0" hangingPunct="1">
+      <a:defRPr sz="1800" kern="1200">
+        <a:solidFill>
+          <a:schemeClr val="tx1"/>
+        </a:solidFill>
+        <a:latin typeface="+mn-lt"/>
+        <a:ea typeface="+mn-ea"/>
+        <a:cs typeface="+mn-cs"/>
+      </a:defRPr>
+    </a:lvl7pPr>
+    <a:lvl8pPr marL="3200400" algn="l" defTabSz="914400" rtl="0" eaLnBrk="1" latinLnBrk="0" hangingPunct="1">
+      <a:defRPr sz="1800" kern="1200">
+        <a:solidFill>
+          <a:schemeClr val="tx1"/>
+        </a:solidFill>
+        <a:latin typeface="+mn-lt"/>
+        <a:ea typeface="+mn-ea"/>
+        <a:cs typeface="+mn-cs"/>
+      </a:defRPr>
+    </a:lvl8pPr>
+    <a:lvl9pPr marL="3657600" algn="l" defTabSz="914400" rtl="0" eaLnBrk="1" latinLnBrk="0" hangingPunct="1">
+      <a:defRPr sz="1800" kern="1200">
+        <a:solidFill>
+          <a:schemeClr val="tx1"/>
+        </a:solidFill>
+        <a:latin typeface="+mn-lt"/>
+        <a:ea typeface="+mn-ea"/>
+        <a:cs typeface="+mn-cs"/>
+      </a:defRPr>
+    </a:lvl9pPr>
+  </p:defaultTextStyle>
 </p:presentation>
 </file>
 
 <file path=ppt/slideLayouts/slideLayout1.xml><?xml version="1.0" encoding="utf-8"?>
-<p:sldLayout xmlns:a="http://schemas.openxmlformats.org/drawingml/2006/main" xmlns:p="http://schemas.openxmlformats.org/presentationml/2006/main" xmlns:r="http://schemas.openxmlformats.org/officeDocument/2006/relationships" xmlns:p14="http://schemas.microsoft.com/office/powerpoint/2010/main" xmlns:p15="http://schemas.microsoft.com/office/powerpoint/2012/main" xmlns:mc="http://schemas.openxmlformats.org/markup-compatibility/2006" type="blank" preserve="1">
+<p:sldLayout xmlns:a="http://schemas.openxmlformats.org/drawingml/2006/main" xmlns:r="http://schemas.openxmlformats.org/officeDocument/2006/relationships" xmlns:p="http://schemas.openxmlformats.org/presentationml/2006/main" type="blank" preserve="1">
   <p:cSld name="Blank Slide">
     <p:spTree>
       <p:nvGrpSpPr>
@@ -46,11 +141,14 @@
       </p:grpSpPr>
     </p:spTree>
   </p:cSld>
+  <p:clrMapOvr>
+    <a:masterClrMapping/>
+  </p:clrMapOvr>
 </p:sldLayout>
 </file>
 
 <file path=ppt/slideLayouts/slideLayout10.xml><?xml version="1.0" encoding="utf-8"?>
-<p:sldLayout xmlns:a="http://schemas.openxmlformats.org/drawingml/2006/main" xmlns:p="http://schemas.openxmlformats.org/presentationml/2006/main" xmlns:r="http://schemas.openxmlformats.org/officeDocument/2006/relationships" xmlns:p14="http://schemas.microsoft.com/office/powerpoint/2010/main" xmlns:p15="http://schemas.microsoft.com/office/powerpoint/2012/main" xmlns:mc="http://schemas.openxmlformats.org/markup-compatibility/2006" type="objOverTx" preserve="1">
+<p:sldLayout xmlns:a="http://schemas.openxmlformats.org/drawingml/2006/main" xmlns:r="http://schemas.openxmlformats.org/officeDocument/2006/relationships" xmlns:p="http://schemas.openxmlformats.org/presentationml/2006/main" type="objOverTx" preserve="1">
   <p:cSld name="Title, Content over Content">
     <p:spTree>
       <p:nvGrpSpPr>
@@ -86,14 +184,15 @@
           </a:prstGeom>
         </p:spPr>
         <p:txBody>
-          <a:bodyPr lIns="0" rIns="0" tIns="0" bIns="0" anchor="ctr">
-            <a:noAutofit/>
-          </a:bodyPr>
+          <a:bodyPr lIns="0" tIns="0" rIns="0" bIns="0" anchor="ctr">
+            <a:noAutofit/>
+          </a:bodyPr>
+          <a:lstStyle/>
           <a:p>
             <a:pPr algn="ctr"/>
-            <a:endParaRPr b="0" lang="hu-HU" sz="4400" spc="-1" strike="noStrike">
+            <a:endParaRPr lang="hu-HU" sz="4400" b="0" strike="noStrike" spc="-1">
               <a:solidFill>
-                <a:srgbClr val="ffffff"/>
+                <a:srgbClr val="FFFFFF"/>
               </a:solidFill>
               <a:latin typeface="Arial"/>
             </a:endParaRPr>
@@ -120,13 +219,14 @@
           </a:prstGeom>
         </p:spPr>
         <p:txBody>
-          <a:bodyPr lIns="0" rIns="0" tIns="0" bIns="0">
-            <a:noAutofit/>
-          </a:bodyPr>
-          <a:p>
-            <a:endParaRPr b="0" lang="hu-HU" sz="3200" spc="-1" strike="noStrike">
+          <a:bodyPr lIns="0" tIns="0" rIns="0" bIns="0">
+            <a:noAutofit/>
+          </a:bodyPr>
+          <a:lstStyle/>
+          <a:p>
+            <a:endParaRPr lang="hu-HU" sz="3200" b="0" strike="noStrike" spc="-1">
               <a:solidFill>
-                <a:srgbClr val="0066cc"/>
+                <a:srgbClr val="0066CC"/>
               </a:solidFill>
               <a:latin typeface="Arial"/>
             </a:endParaRPr>
@@ -153,13 +253,14 @@
           </a:prstGeom>
         </p:spPr>
         <p:txBody>
-          <a:bodyPr lIns="0" rIns="0" tIns="0" bIns="0">
-            <a:noAutofit/>
-          </a:bodyPr>
-          <a:p>
-            <a:endParaRPr b="0" lang="hu-HU" sz="3200" spc="-1" strike="noStrike">
+          <a:bodyPr lIns="0" tIns="0" rIns="0" bIns="0">
+            <a:noAutofit/>
+          </a:bodyPr>
+          <a:lstStyle/>
+          <a:p>
+            <a:endParaRPr lang="hu-HU" sz="3200" b="0" strike="noStrike" spc="-1">
               <a:solidFill>
-                <a:srgbClr val="0066cc"/>
+                <a:srgbClr val="0066CC"/>
               </a:solidFill>
               <a:latin typeface="Arial"/>
             </a:endParaRPr>
@@ -168,11 +269,14 @@
       </p:sp>
     </p:spTree>
   </p:cSld>
+  <p:clrMapOvr>
+    <a:masterClrMapping/>
+  </p:clrMapOvr>
 </p:sldLayout>
 </file>
 
 <file path=ppt/slideLayouts/slideLayout11.xml><?xml version="1.0" encoding="utf-8"?>
-<p:sldLayout xmlns:a="http://schemas.openxmlformats.org/drawingml/2006/main" xmlns:p="http://schemas.openxmlformats.org/presentationml/2006/main" xmlns:r="http://schemas.openxmlformats.org/officeDocument/2006/relationships" xmlns:p14="http://schemas.microsoft.com/office/powerpoint/2010/main" xmlns:p15="http://schemas.microsoft.com/office/powerpoint/2012/main" xmlns:mc="http://schemas.openxmlformats.org/markup-compatibility/2006" type="fourObj" preserve="1">
+<p:sldLayout xmlns:a="http://schemas.openxmlformats.org/drawingml/2006/main" xmlns:r="http://schemas.openxmlformats.org/officeDocument/2006/relationships" xmlns:p="http://schemas.openxmlformats.org/presentationml/2006/main" type="fourObj" preserve="1">
   <p:cSld name="Title, 4 Content">
     <p:spTree>
       <p:nvGrpSpPr>
@@ -208,14 +312,15 @@
           </a:prstGeom>
         </p:spPr>
         <p:txBody>
-          <a:bodyPr lIns="0" rIns="0" tIns="0" bIns="0" anchor="ctr">
-            <a:noAutofit/>
-          </a:bodyPr>
+          <a:bodyPr lIns="0" tIns="0" rIns="0" bIns="0" anchor="ctr">
+            <a:noAutofit/>
+          </a:bodyPr>
+          <a:lstStyle/>
           <a:p>
             <a:pPr algn="ctr"/>
-            <a:endParaRPr b="0" lang="hu-HU" sz="4400" spc="-1" strike="noStrike">
+            <a:endParaRPr lang="hu-HU" sz="4400" b="0" strike="noStrike" spc="-1">
               <a:solidFill>
-                <a:srgbClr val="ffffff"/>
+                <a:srgbClr val="FFFFFF"/>
               </a:solidFill>
               <a:latin typeface="Arial"/>
             </a:endParaRPr>
@@ -242,13 +347,14 @@
           </a:prstGeom>
         </p:spPr>
         <p:txBody>
-          <a:bodyPr lIns="0" rIns="0" tIns="0" bIns="0">
-            <a:noAutofit/>
-          </a:bodyPr>
-          <a:p>
-            <a:endParaRPr b="0" lang="hu-HU" sz="3200" spc="-1" strike="noStrike">
+          <a:bodyPr lIns="0" tIns="0" rIns="0" bIns="0">
+            <a:noAutofit/>
+          </a:bodyPr>
+          <a:lstStyle/>
+          <a:p>
+            <a:endParaRPr lang="hu-HU" sz="3200" b="0" strike="noStrike" spc="-1">
               <a:solidFill>
-                <a:srgbClr val="0066cc"/>
+                <a:srgbClr val="0066CC"/>
               </a:solidFill>
               <a:latin typeface="Arial"/>
             </a:endParaRPr>
@@ -275,13 +381,14 @@
           </a:prstGeom>
         </p:spPr>
         <p:txBody>
-          <a:bodyPr lIns="0" rIns="0" tIns="0" bIns="0">
-            <a:noAutofit/>
-          </a:bodyPr>
-          <a:p>
-            <a:endParaRPr b="0" lang="hu-HU" sz="3200" spc="-1" strike="noStrike">
+          <a:bodyPr lIns="0" tIns="0" rIns="0" bIns="0">
+            <a:noAutofit/>
+          </a:bodyPr>
+          <a:lstStyle/>
+          <a:p>
+            <a:endParaRPr lang="hu-HU" sz="3200" b="0" strike="noStrike" spc="-1">
               <a:solidFill>
-                <a:srgbClr val="0066cc"/>
+                <a:srgbClr val="0066CC"/>
               </a:solidFill>
               <a:latin typeface="Arial"/>
             </a:endParaRPr>
@@ -308,13 +415,14 @@
           </a:prstGeom>
         </p:spPr>
         <p:txBody>
-          <a:bodyPr lIns="0" rIns="0" tIns="0" bIns="0">
-            <a:noAutofit/>
-          </a:bodyPr>
-          <a:p>
-            <a:endParaRPr b="0" lang="hu-HU" sz="3200" spc="-1" strike="noStrike">
+          <a:bodyPr lIns="0" tIns="0" rIns="0" bIns="0">
+            <a:noAutofit/>
+          </a:bodyPr>
+          <a:lstStyle/>
+          <a:p>
+            <a:endParaRPr lang="hu-HU" sz="3200" b="0" strike="noStrike" spc="-1">
               <a:solidFill>
-                <a:srgbClr val="0066cc"/>
+                <a:srgbClr val="0066CC"/>
               </a:solidFill>
               <a:latin typeface="Arial"/>
             </a:endParaRPr>
@@ -341,13 +449,14 @@
           </a:prstGeom>
         </p:spPr>
         <p:txBody>
-          <a:bodyPr lIns="0" rIns="0" tIns="0" bIns="0">
-            <a:noAutofit/>
-          </a:bodyPr>
-          <a:p>
-            <a:endParaRPr b="0" lang="hu-HU" sz="3200" spc="-1" strike="noStrike">
+          <a:bodyPr lIns="0" tIns="0" rIns="0" bIns="0">
+            <a:noAutofit/>
+          </a:bodyPr>
+          <a:lstStyle/>
+          <a:p>
+            <a:endParaRPr lang="hu-HU" sz="3200" b="0" strike="noStrike" spc="-1">
               <a:solidFill>
-                <a:srgbClr val="0066cc"/>
+                <a:srgbClr val="0066CC"/>
               </a:solidFill>
               <a:latin typeface="Arial"/>
             </a:endParaRPr>
@@ -356,11 +465,14 @@
       </p:sp>
     </p:spTree>
   </p:cSld>
+  <p:clrMapOvr>
+    <a:masterClrMapping/>
+  </p:clrMapOvr>
 </p:sldLayout>
 </file>
 
 <file path=ppt/slideLayouts/slideLayout12.xml><?xml version="1.0" encoding="utf-8"?>
-<p:sldLayout xmlns:a="http://schemas.openxmlformats.org/drawingml/2006/main" xmlns:p="http://schemas.openxmlformats.org/presentationml/2006/main" xmlns:r="http://schemas.openxmlformats.org/officeDocument/2006/relationships" xmlns:p14="http://schemas.microsoft.com/office/powerpoint/2010/main" xmlns:p15="http://schemas.microsoft.com/office/powerpoint/2012/main" xmlns:mc="http://schemas.openxmlformats.org/markup-compatibility/2006" type="blank" preserve="1">
+<p:sldLayout xmlns:a="http://schemas.openxmlformats.org/drawingml/2006/main" xmlns:r="http://schemas.openxmlformats.org/officeDocument/2006/relationships" xmlns:p="http://schemas.openxmlformats.org/presentationml/2006/main" type="blank" preserve="1">
   <p:cSld name="Title, 6 Content">
     <p:spTree>
       <p:nvGrpSpPr>
@@ -396,14 +508,15 @@
           </a:prstGeom>
         </p:spPr>
         <p:txBody>
-          <a:bodyPr lIns="0" rIns="0" tIns="0" bIns="0" anchor="ctr">
-            <a:noAutofit/>
-          </a:bodyPr>
+          <a:bodyPr lIns="0" tIns="0" rIns="0" bIns="0" anchor="ctr">
+            <a:noAutofit/>
+          </a:bodyPr>
+          <a:lstStyle/>
           <a:p>
             <a:pPr algn="ctr"/>
-            <a:endParaRPr b="0" lang="hu-HU" sz="4400" spc="-1" strike="noStrike">
+            <a:endParaRPr lang="hu-HU" sz="4400" b="0" strike="noStrike" spc="-1">
               <a:solidFill>
-                <a:srgbClr val="ffffff"/>
+                <a:srgbClr val="FFFFFF"/>
               </a:solidFill>
               <a:latin typeface="Arial"/>
             </a:endParaRPr>
@@ -430,13 +543,14 @@
           </a:prstGeom>
         </p:spPr>
         <p:txBody>
-          <a:bodyPr lIns="0" rIns="0" tIns="0" bIns="0">
-            <a:noAutofit/>
-          </a:bodyPr>
-          <a:p>
-            <a:endParaRPr b="0" lang="hu-HU" sz="3200" spc="-1" strike="noStrike">
+          <a:bodyPr lIns="0" tIns="0" rIns="0" bIns="0">
+            <a:noAutofit/>
+          </a:bodyPr>
+          <a:lstStyle/>
+          <a:p>
+            <a:endParaRPr lang="hu-HU" sz="3200" b="0" strike="noStrike" spc="-1">
               <a:solidFill>
-                <a:srgbClr val="0066cc"/>
+                <a:srgbClr val="0066CC"/>
               </a:solidFill>
               <a:latin typeface="Arial"/>
             </a:endParaRPr>
@@ -463,13 +577,14 @@
           </a:prstGeom>
         </p:spPr>
         <p:txBody>
-          <a:bodyPr lIns="0" rIns="0" tIns="0" bIns="0">
-            <a:noAutofit/>
-          </a:bodyPr>
-          <a:p>
-            <a:endParaRPr b="0" lang="hu-HU" sz="3200" spc="-1" strike="noStrike">
+          <a:bodyPr lIns="0" tIns="0" rIns="0" bIns="0">
+            <a:noAutofit/>
+          </a:bodyPr>
+          <a:lstStyle/>
+          <a:p>
+            <a:endParaRPr lang="hu-HU" sz="3200" b="0" strike="noStrike" spc="-1">
               <a:solidFill>
-                <a:srgbClr val="0066cc"/>
+                <a:srgbClr val="0066CC"/>
               </a:solidFill>
               <a:latin typeface="Arial"/>
             </a:endParaRPr>
@@ -496,13 +611,14 @@
           </a:prstGeom>
         </p:spPr>
         <p:txBody>
-          <a:bodyPr lIns="0" rIns="0" tIns="0" bIns="0">
-            <a:noAutofit/>
-          </a:bodyPr>
-          <a:p>
-            <a:endParaRPr b="0" lang="hu-HU" sz="3200" spc="-1" strike="noStrike">
+          <a:bodyPr lIns="0" tIns="0" rIns="0" bIns="0">
+            <a:noAutofit/>
+          </a:bodyPr>
+          <a:lstStyle/>
+          <a:p>
+            <a:endParaRPr lang="hu-HU" sz="3200" b="0" strike="noStrike" spc="-1">
               <a:solidFill>
-                <a:srgbClr val="0066cc"/>
+                <a:srgbClr val="0066CC"/>
               </a:solidFill>
               <a:latin typeface="Arial"/>
             </a:endParaRPr>
@@ -529,13 +645,14 @@
           </a:prstGeom>
         </p:spPr>
         <p:txBody>
-          <a:bodyPr lIns="0" rIns="0" tIns="0" bIns="0">
-            <a:noAutofit/>
-          </a:bodyPr>
-          <a:p>
-            <a:endParaRPr b="0" lang="hu-HU" sz="3200" spc="-1" strike="noStrike">
+          <a:bodyPr lIns="0" tIns="0" rIns="0" bIns="0">
+            <a:noAutofit/>
+          </a:bodyPr>
+          <a:lstStyle/>
+          <a:p>
+            <a:endParaRPr lang="hu-HU" sz="3200" b="0" strike="noStrike" spc="-1">
               <a:solidFill>
-                <a:srgbClr val="0066cc"/>
+                <a:srgbClr val="0066CC"/>
               </a:solidFill>
               <a:latin typeface="Arial"/>
             </a:endParaRPr>
@@ -562,13 +679,14 @@
           </a:prstGeom>
         </p:spPr>
         <p:txBody>
-          <a:bodyPr lIns="0" rIns="0" tIns="0" bIns="0">
-            <a:noAutofit/>
-          </a:bodyPr>
-          <a:p>
-            <a:endParaRPr b="0" lang="hu-HU" sz="3200" spc="-1" strike="noStrike">
+          <a:bodyPr lIns="0" tIns="0" rIns="0" bIns="0">
+            <a:noAutofit/>
+          </a:bodyPr>
+          <a:lstStyle/>
+          <a:p>
+            <a:endParaRPr lang="hu-HU" sz="3200" b="0" strike="noStrike" spc="-1">
               <a:solidFill>
-                <a:srgbClr val="0066cc"/>
+                <a:srgbClr val="0066CC"/>
               </a:solidFill>
               <a:latin typeface="Arial"/>
             </a:endParaRPr>
@@ -595,13 +713,14 @@
           </a:prstGeom>
         </p:spPr>
         <p:txBody>
-          <a:bodyPr lIns="0" rIns="0" tIns="0" bIns="0">
-            <a:noAutofit/>
-          </a:bodyPr>
-          <a:p>
-            <a:endParaRPr b="0" lang="hu-HU" sz="3200" spc="-1" strike="noStrike">
+          <a:bodyPr lIns="0" tIns="0" rIns="0" bIns="0">
+            <a:noAutofit/>
+          </a:bodyPr>
+          <a:lstStyle/>
+          <a:p>
+            <a:endParaRPr lang="hu-HU" sz="3200" b="0" strike="noStrike" spc="-1">
               <a:solidFill>
-                <a:srgbClr val="0066cc"/>
+                <a:srgbClr val="0066CC"/>
               </a:solidFill>
               <a:latin typeface="Arial"/>
             </a:endParaRPr>
@@ -610,11 +729,14 @@
       </p:sp>
     </p:spTree>
   </p:cSld>
+  <p:clrMapOvr>
+    <a:masterClrMapping/>
+  </p:clrMapOvr>
 </p:sldLayout>
 </file>
 
 <file path=ppt/slideLayouts/slideLayout13.xml><?xml version="1.0" encoding="utf-8"?>
-<p:sldLayout xmlns:a="http://schemas.openxmlformats.org/drawingml/2006/main" xmlns:p="http://schemas.openxmlformats.org/presentationml/2006/main" xmlns:r="http://schemas.openxmlformats.org/officeDocument/2006/relationships" xmlns:p14="http://schemas.microsoft.com/office/powerpoint/2010/main" xmlns:p15="http://schemas.microsoft.com/office/powerpoint/2012/main" xmlns:mc="http://schemas.openxmlformats.org/markup-compatibility/2006" type="blank" preserve="1">
+<p:sldLayout xmlns:a="http://schemas.openxmlformats.org/drawingml/2006/main" xmlns:r="http://schemas.openxmlformats.org/officeDocument/2006/relationships" xmlns:p="http://schemas.openxmlformats.org/presentationml/2006/main" type="blank" preserve="1">
   <p:cSld name="Blank Slide">
     <p:spTree>
       <p:nvGrpSpPr>
@@ -632,11 +754,14 @@
       </p:grpSpPr>
     </p:spTree>
   </p:cSld>
+  <p:clrMapOvr>
+    <a:masterClrMapping/>
+  </p:clrMapOvr>
 </p:sldLayout>
 </file>
 
 <file path=ppt/slideLayouts/slideLayout14.xml><?xml version="1.0" encoding="utf-8"?>
-<p:sldLayout xmlns:a="http://schemas.openxmlformats.org/drawingml/2006/main" xmlns:p="http://schemas.openxmlformats.org/presentationml/2006/main" xmlns:r="http://schemas.openxmlformats.org/officeDocument/2006/relationships" xmlns:p14="http://schemas.microsoft.com/office/powerpoint/2010/main" xmlns:p15="http://schemas.microsoft.com/office/powerpoint/2012/main" xmlns:mc="http://schemas.openxmlformats.org/markup-compatibility/2006" type="tx" preserve="1">
+<p:sldLayout xmlns:a="http://schemas.openxmlformats.org/drawingml/2006/main" xmlns:r="http://schemas.openxmlformats.org/officeDocument/2006/relationships" xmlns:p="http://schemas.openxmlformats.org/presentationml/2006/main" type="tx" preserve="1">
   <p:cSld name="Title Slide">
     <p:spTree>
       <p:nvGrpSpPr>
@@ -672,14 +797,15 @@
           </a:prstGeom>
         </p:spPr>
         <p:txBody>
-          <a:bodyPr lIns="0" rIns="0" tIns="0" bIns="0" anchor="ctr">
-            <a:noAutofit/>
-          </a:bodyPr>
+          <a:bodyPr lIns="0" tIns="0" rIns="0" bIns="0" anchor="ctr">
+            <a:noAutofit/>
+          </a:bodyPr>
+          <a:lstStyle/>
           <a:p>
             <a:pPr algn="ctr"/>
-            <a:endParaRPr b="0" lang="hu-HU" sz="4400" spc="-1" strike="noStrike">
+            <a:endParaRPr lang="hu-HU" sz="4400" b="0" strike="noStrike" spc="-1">
               <a:solidFill>
-                <a:srgbClr val="ffffff"/>
+                <a:srgbClr val="FFFFFF"/>
               </a:solidFill>
               <a:latin typeface="Arial"/>
             </a:endParaRPr>
@@ -706,12 +832,13 @@
           </a:prstGeom>
         </p:spPr>
         <p:txBody>
-          <a:bodyPr lIns="0" rIns="0" tIns="0" bIns="0" anchor="ctr">
-            <a:noAutofit/>
-          </a:bodyPr>
+          <a:bodyPr lIns="0" tIns="0" rIns="0" bIns="0" anchor="ctr">
+            <a:noAutofit/>
+          </a:bodyPr>
+          <a:lstStyle/>
           <a:p>
             <a:pPr algn="ctr"/>
-            <a:endParaRPr b="0" lang="hu-HU" sz="3200" spc="-1" strike="noStrike">
+            <a:endParaRPr lang="hu-HU" sz="3200" b="0" strike="noStrike" spc="-1">
               <a:latin typeface="Arial"/>
             </a:endParaRPr>
           </a:p>
@@ -719,11 +846,14 @@
       </p:sp>
     </p:spTree>
   </p:cSld>
+  <p:clrMapOvr>
+    <a:masterClrMapping/>
+  </p:clrMapOvr>
 </p:sldLayout>
 </file>
 
 <file path=ppt/slideLayouts/slideLayout15.xml><?xml version="1.0" encoding="utf-8"?>
-<p:sldLayout xmlns:a="http://schemas.openxmlformats.org/drawingml/2006/main" xmlns:p="http://schemas.openxmlformats.org/presentationml/2006/main" xmlns:r="http://schemas.openxmlformats.org/officeDocument/2006/relationships" xmlns:p14="http://schemas.microsoft.com/office/powerpoint/2010/main" xmlns:p15="http://schemas.microsoft.com/office/powerpoint/2012/main" xmlns:mc="http://schemas.openxmlformats.org/markup-compatibility/2006" type="obj" preserve="1">
+<p:sldLayout xmlns:a="http://schemas.openxmlformats.org/drawingml/2006/main" xmlns:r="http://schemas.openxmlformats.org/officeDocument/2006/relationships" xmlns:p="http://schemas.openxmlformats.org/presentationml/2006/main" type="obj" preserve="1">
   <p:cSld name="Title, Content">
     <p:spTree>
       <p:nvGrpSpPr>
@@ -759,14 +889,15 @@
           </a:prstGeom>
         </p:spPr>
         <p:txBody>
-          <a:bodyPr lIns="0" rIns="0" tIns="0" bIns="0" anchor="ctr">
-            <a:noAutofit/>
-          </a:bodyPr>
+          <a:bodyPr lIns="0" tIns="0" rIns="0" bIns="0" anchor="ctr">
+            <a:noAutofit/>
+          </a:bodyPr>
+          <a:lstStyle/>
           <a:p>
             <a:pPr algn="ctr"/>
-            <a:endParaRPr b="0" lang="hu-HU" sz="4400" spc="-1" strike="noStrike">
+            <a:endParaRPr lang="hu-HU" sz="4400" b="0" strike="noStrike" spc="-1">
               <a:solidFill>
-                <a:srgbClr val="ffffff"/>
+                <a:srgbClr val="FFFFFF"/>
               </a:solidFill>
               <a:latin typeface="Arial"/>
             </a:endParaRPr>
@@ -793,13 +924,14 @@
           </a:prstGeom>
         </p:spPr>
         <p:txBody>
-          <a:bodyPr lIns="0" rIns="0" tIns="0" bIns="0">
-            <a:noAutofit/>
-          </a:bodyPr>
-          <a:p>
-            <a:endParaRPr b="0" lang="hu-HU" sz="3200" spc="-1" strike="noStrike">
+          <a:bodyPr lIns="0" tIns="0" rIns="0" bIns="0">
+            <a:noAutofit/>
+          </a:bodyPr>
+          <a:lstStyle/>
+          <a:p>
+            <a:endParaRPr lang="hu-HU" sz="3200" b="0" strike="noStrike" spc="-1">
               <a:solidFill>
-                <a:srgbClr val="0066cc"/>
+                <a:srgbClr val="0066CC"/>
               </a:solidFill>
               <a:latin typeface="Arial"/>
             </a:endParaRPr>
@@ -808,11 +940,14 @@
       </p:sp>
     </p:spTree>
   </p:cSld>
+  <p:clrMapOvr>
+    <a:masterClrMapping/>
+  </p:clrMapOvr>
 </p:sldLayout>
 </file>
 
 <file path=ppt/slideLayouts/slideLayout16.xml><?xml version="1.0" encoding="utf-8"?>
-<p:sldLayout xmlns:a="http://schemas.openxmlformats.org/drawingml/2006/main" xmlns:p="http://schemas.openxmlformats.org/presentationml/2006/main" xmlns:r="http://schemas.openxmlformats.org/officeDocument/2006/relationships" xmlns:p14="http://schemas.microsoft.com/office/powerpoint/2010/main" xmlns:p15="http://schemas.microsoft.com/office/powerpoint/2012/main" xmlns:mc="http://schemas.openxmlformats.org/markup-compatibility/2006" type="twoObj" preserve="1">
+<p:sldLayout xmlns:a="http://schemas.openxmlformats.org/drawingml/2006/main" xmlns:r="http://schemas.openxmlformats.org/officeDocument/2006/relationships" xmlns:p="http://schemas.openxmlformats.org/presentationml/2006/main" type="twoObj" preserve="1">
   <p:cSld name="Title, 2 Content">
     <p:spTree>
       <p:nvGrpSpPr>
@@ -848,14 +983,15 @@
           </a:prstGeom>
         </p:spPr>
         <p:txBody>
-          <a:bodyPr lIns="0" rIns="0" tIns="0" bIns="0" anchor="ctr">
-            <a:noAutofit/>
-          </a:bodyPr>
+          <a:bodyPr lIns="0" tIns="0" rIns="0" bIns="0" anchor="ctr">
+            <a:noAutofit/>
+          </a:bodyPr>
+          <a:lstStyle/>
           <a:p>
             <a:pPr algn="ctr"/>
-            <a:endParaRPr b="0" lang="hu-HU" sz="4400" spc="-1" strike="noStrike">
+            <a:endParaRPr lang="hu-HU" sz="4400" b="0" strike="noStrike" spc="-1">
               <a:solidFill>
-                <a:srgbClr val="ffffff"/>
+                <a:srgbClr val="FFFFFF"/>
               </a:solidFill>
               <a:latin typeface="Arial"/>
             </a:endParaRPr>
@@ -882,13 +1018,14 @@
           </a:prstGeom>
         </p:spPr>
         <p:txBody>
-          <a:bodyPr lIns="0" rIns="0" tIns="0" bIns="0">
-            <a:noAutofit/>
-          </a:bodyPr>
-          <a:p>
-            <a:endParaRPr b="0" lang="hu-HU" sz="3200" spc="-1" strike="noStrike">
+          <a:bodyPr lIns="0" tIns="0" rIns="0" bIns="0">
+            <a:noAutofit/>
+          </a:bodyPr>
+          <a:lstStyle/>
+          <a:p>
+            <a:endParaRPr lang="hu-HU" sz="3200" b="0" strike="noStrike" spc="-1">
               <a:solidFill>
-                <a:srgbClr val="0066cc"/>
+                <a:srgbClr val="0066CC"/>
               </a:solidFill>
               <a:latin typeface="Arial"/>
             </a:endParaRPr>
@@ -915,13 +1052,14 @@
           </a:prstGeom>
         </p:spPr>
         <p:txBody>
-          <a:bodyPr lIns="0" rIns="0" tIns="0" bIns="0">
-            <a:noAutofit/>
-          </a:bodyPr>
-          <a:p>
-            <a:endParaRPr b="0" lang="hu-HU" sz="3200" spc="-1" strike="noStrike">
+          <a:bodyPr lIns="0" tIns="0" rIns="0" bIns="0">
+            <a:noAutofit/>
+          </a:bodyPr>
+          <a:lstStyle/>
+          <a:p>
+            <a:endParaRPr lang="hu-HU" sz="3200" b="0" strike="noStrike" spc="-1">
               <a:solidFill>
-                <a:srgbClr val="0066cc"/>
+                <a:srgbClr val="0066CC"/>
               </a:solidFill>
               <a:latin typeface="Arial"/>
             </a:endParaRPr>
@@ -930,11 +1068,14 @@
       </p:sp>
     </p:spTree>
   </p:cSld>
+  <p:clrMapOvr>
+    <a:masterClrMapping/>
+  </p:clrMapOvr>
 </p:sldLayout>
 </file>
 
 <file path=ppt/slideLayouts/slideLayout17.xml><?xml version="1.0" encoding="utf-8"?>
-<p:sldLayout xmlns:a="http://schemas.openxmlformats.org/drawingml/2006/main" xmlns:p="http://schemas.openxmlformats.org/presentationml/2006/main" xmlns:r="http://schemas.openxmlformats.org/officeDocument/2006/relationships" xmlns:p14="http://schemas.microsoft.com/office/powerpoint/2010/main" xmlns:p15="http://schemas.microsoft.com/office/powerpoint/2012/main" xmlns:mc="http://schemas.openxmlformats.org/markup-compatibility/2006" type="titleOnly" preserve="1">
+<p:sldLayout xmlns:a="http://schemas.openxmlformats.org/drawingml/2006/main" xmlns:r="http://schemas.openxmlformats.org/officeDocument/2006/relationships" xmlns:p="http://schemas.openxmlformats.org/presentationml/2006/main" type="titleOnly" preserve="1">
   <p:cSld name="Title Only">
     <p:spTree>
       <p:nvGrpSpPr>
@@ -970,14 +1111,15 @@
           </a:prstGeom>
         </p:spPr>
         <p:txBody>
-          <a:bodyPr lIns="0" rIns="0" tIns="0" bIns="0" anchor="ctr">
-            <a:noAutofit/>
-          </a:bodyPr>
+          <a:bodyPr lIns="0" tIns="0" rIns="0" bIns="0" anchor="ctr">
+            <a:noAutofit/>
+          </a:bodyPr>
+          <a:lstStyle/>
           <a:p>
             <a:pPr algn="ctr"/>
-            <a:endParaRPr b="0" lang="hu-HU" sz="4400" spc="-1" strike="noStrike">
+            <a:endParaRPr lang="hu-HU" sz="4400" b="0" strike="noStrike" spc="-1">
               <a:solidFill>
-                <a:srgbClr val="ffffff"/>
+                <a:srgbClr val="FFFFFF"/>
               </a:solidFill>
               <a:latin typeface="Arial"/>
             </a:endParaRPr>
@@ -986,11 +1128,14 @@
       </p:sp>
     </p:spTree>
   </p:cSld>
+  <p:clrMapOvr>
+    <a:masterClrMapping/>
+  </p:clrMapOvr>
 </p:sldLayout>
 </file>
 
 <file path=ppt/slideLayouts/slideLayout18.xml><?xml version="1.0" encoding="utf-8"?>
-<p:sldLayout xmlns:a="http://schemas.openxmlformats.org/drawingml/2006/main" xmlns:p="http://schemas.openxmlformats.org/presentationml/2006/main" xmlns:r="http://schemas.openxmlformats.org/officeDocument/2006/relationships" xmlns:p14="http://schemas.microsoft.com/office/powerpoint/2010/main" xmlns:p15="http://schemas.microsoft.com/office/powerpoint/2012/main" xmlns:mc="http://schemas.openxmlformats.org/markup-compatibility/2006" type="objOnly" preserve="1">
+<p:sldLayout xmlns:a="http://schemas.openxmlformats.org/drawingml/2006/main" xmlns:r="http://schemas.openxmlformats.org/officeDocument/2006/relationships" xmlns:p="http://schemas.openxmlformats.org/presentationml/2006/main" type="objOnly" preserve="1">
   <p:cSld name="Centered Text">
     <p:spTree>
       <p:nvGrpSpPr>
@@ -1026,12 +1171,13 @@
           </a:prstGeom>
         </p:spPr>
         <p:txBody>
-          <a:bodyPr lIns="0" rIns="0" tIns="0" bIns="0" anchor="ctr">
-            <a:noAutofit/>
-          </a:bodyPr>
+          <a:bodyPr lIns="0" tIns="0" rIns="0" bIns="0" anchor="ctr">
+            <a:noAutofit/>
+          </a:bodyPr>
+          <a:lstStyle/>
           <a:p>
             <a:pPr algn="ctr"/>
-            <a:endParaRPr b="0" lang="hu-HU" sz="3200" spc="-1" strike="noStrike">
+            <a:endParaRPr lang="hu-HU" sz="3200" b="0" strike="noStrike" spc="-1">
               <a:latin typeface="Arial"/>
             </a:endParaRPr>
           </a:p>
@@ -1039,11 +1185,14 @@
       </p:sp>
     </p:spTree>
   </p:cSld>
+  <p:clrMapOvr>
+    <a:masterClrMapping/>
+  </p:clrMapOvr>
 </p:sldLayout>
 </file>
 
 <file path=ppt/slideLayouts/slideLayout19.xml><?xml version="1.0" encoding="utf-8"?>
-<p:sldLayout xmlns:a="http://schemas.openxmlformats.org/drawingml/2006/main" xmlns:p="http://schemas.openxmlformats.org/presentationml/2006/main" xmlns:r="http://schemas.openxmlformats.org/officeDocument/2006/relationships" xmlns:p14="http://schemas.microsoft.com/office/powerpoint/2010/main" xmlns:p15="http://schemas.microsoft.com/office/powerpoint/2012/main" xmlns:mc="http://schemas.openxmlformats.org/markup-compatibility/2006" type="twoObjAndObj" preserve="1">
+<p:sldLayout xmlns:a="http://schemas.openxmlformats.org/drawingml/2006/main" xmlns:r="http://schemas.openxmlformats.org/officeDocument/2006/relationships" xmlns:p="http://schemas.openxmlformats.org/presentationml/2006/main" type="twoObjAndObj" preserve="1">
   <p:cSld name="Title, 2 Content and Content">
     <p:spTree>
       <p:nvGrpSpPr>
@@ -1079,14 +1228,15 @@
           </a:prstGeom>
         </p:spPr>
         <p:txBody>
-          <a:bodyPr lIns="0" rIns="0" tIns="0" bIns="0" anchor="ctr">
-            <a:noAutofit/>
-          </a:bodyPr>
+          <a:bodyPr lIns="0" tIns="0" rIns="0" bIns="0" anchor="ctr">
+            <a:noAutofit/>
+          </a:bodyPr>
+          <a:lstStyle/>
           <a:p>
             <a:pPr algn="ctr"/>
-            <a:endParaRPr b="0" lang="hu-HU" sz="4400" spc="-1" strike="noStrike">
+            <a:endParaRPr lang="hu-HU" sz="4400" b="0" strike="noStrike" spc="-1">
               <a:solidFill>
-                <a:srgbClr val="ffffff"/>
+                <a:srgbClr val="FFFFFF"/>
               </a:solidFill>
               <a:latin typeface="Arial"/>
             </a:endParaRPr>
@@ -1113,13 +1263,14 @@
           </a:prstGeom>
         </p:spPr>
         <p:txBody>
-          <a:bodyPr lIns="0" rIns="0" tIns="0" bIns="0">
-            <a:noAutofit/>
-          </a:bodyPr>
-          <a:p>
-            <a:endParaRPr b="0" lang="hu-HU" sz="3200" spc="-1" strike="noStrike">
+          <a:bodyPr lIns="0" tIns="0" rIns="0" bIns="0">
+            <a:noAutofit/>
+          </a:bodyPr>
+          <a:lstStyle/>
+          <a:p>
+            <a:endParaRPr lang="hu-HU" sz="3200" b="0" strike="noStrike" spc="-1">
               <a:solidFill>
-                <a:srgbClr val="0066cc"/>
+                <a:srgbClr val="0066CC"/>
               </a:solidFill>
               <a:latin typeface="Arial"/>
             </a:endParaRPr>
@@ -1146,13 +1297,14 @@
           </a:prstGeom>
         </p:spPr>
         <p:txBody>
-          <a:bodyPr lIns="0" rIns="0" tIns="0" bIns="0">
-            <a:noAutofit/>
-          </a:bodyPr>
-          <a:p>
-            <a:endParaRPr b="0" lang="hu-HU" sz="3200" spc="-1" strike="noStrike">
+          <a:bodyPr lIns="0" tIns="0" rIns="0" bIns="0">
+            <a:noAutofit/>
+          </a:bodyPr>
+          <a:lstStyle/>
+          <a:p>
+            <a:endParaRPr lang="hu-HU" sz="3200" b="0" strike="noStrike" spc="-1">
               <a:solidFill>
-                <a:srgbClr val="0066cc"/>
+                <a:srgbClr val="0066CC"/>
               </a:solidFill>
               <a:latin typeface="Arial"/>
             </a:endParaRPr>
@@ -1179,13 +1331,14 @@
           </a:prstGeom>
         </p:spPr>
         <p:txBody>
-          <a:bodyPr lIns="0" rIns="0" tIns="0" bIns="0">
-            <a:noAutofit/>
-          </a:bodyPr>
-          <a:p>
-            <a:endParaRPr b="0" lang="hu-HU" sz="3200" spc="-1" strike="noStrike">
+          <a:bodyPr lIns="0" tIns="0" rIns="0" bIns="0">
+            <a:noAutofit/>
+          </a:bodyPr>
+          <a:lstStyle/>
+          <a:p>
+            <a:endParaRPr lang="hu-HU" sz="3200" b="0" strike="noStrike" spc="-1">
               <a:solidFill>
-                <a:srgbClr val="0066cc"/>
+                <a:srgbClr val="0066CC"/>
               </a:solidFill>
               <a:latin typeface="Arial"/>
             </a:endParaRPr>
@@ -1194,11 +1347,14 @@
       </p:sp>
     </p:spTree>
   </p:cSld>
+  <p:clrMapOvr>
+    <a:masterClrMapping/>
+  </p:clrMapOvr>
 </p:sldLayout>
 </file>
 
 <file path=ppt/slideLayouts/slideLayout2.xml><?xml version="1.0" encoding="utf-8"?>
-<p:sldLayout xmlns:a="http://schemas.openxmlformats.org/drawingml/2006/main" xmlns:p="http://schemas.openxmlformats.org/presentationml/2006/main" xmlns:r="http://schemas.openxmlformats.org/officeDocument/2006/relationships" xmlns:p14="http://schemas.microsoft.com/office/powerpoint/2010/main" xmlns:p15="http://schemas.microsoft.com/office/powerpoint/2012/main" xmlns:mc="http://schemas.openxmlformats.org/markup-compatibility/2006" type="tx" preserve="1">
+<p:sldLayout xmlns:a="http://schemas.openxmlformats.org/drawingml/2006/main" xmlns:r="http://schemas.openxmlformats.org/officeDocument/2006/relationships" xmlns:p="http://schemas.openxmlformats.org/presentationml/2006/main" type="tx" preserve="1">
   <p:cSld name="Title Slide">
     <p:spTree>
       <p:nvGrpSpPr>
@@ -1234,14 +1390,15 @@
           </a:prstGeom>
         </p:spPr>
         <p:txBody>
-          <a:bodyPr lIns="0" rIns="0" tIns="0" bIns="0" anchor="ctr">
-            <a:noAutofit/>
-          </a:bodyPr>
+          <a:bodyPr lIns="0" tIns="0" rIns="0" bIns="0" anchor="ctr">
+            <a:noAutofit/>
+          </a:bodyPr>
+          <a:lstStyle/>
           <a:p>
             <a:pPr algn="ctr"/>
-            <a:endParaRPr b="0" lang="hu-HU" sz="4400" spc="-1" strike="noStrike">
+            <a:endParaRPr lang="hu-HU" sz="4400" b="0" strike="noStrike" spc="-1">
               <a:solidFill>
-                <a:srgbClr val="ffffff"/>
+                <a:srgbClr val="FFFFFF"/>
               </a:solidFill>
               <a:latin typeface="Arial"/>
             </a:endParaRPr>
@@ -1268,12 +1425,13 @@
           </a:prstGeom>
         </p:spPr>
         <p:txBody>
-          <a:bodyPr lIns="0" rIns="0" tIns="0" bIns="0" anchor="ctr">
-            <a:noAutofit/>
-          </a:bodyPr>
+          <a:bodyPr lIns="0" tIns="0" rIns="0" bIns="0" anchor="ctr">
+            <a:noAutofit/>
+          </a:bodyPr>
+          <a:lstStyle/>
           <a:p>
             <a:pPr algn="ctr"/>
-            <a:endParaRPr b="0" lang="hu-HU" sz="3200" spc="-1" strike="noStrike">
+            <a:endParaRPr lang="hu-HU" sz="3200" b="0" strike="noStrike" spc="-1">
               <a:latin typeface="Arial"/>
             </a:endParaRPr>
           </a:p>
@@ -1281,11 +1439,14 @@
       </p:sp>
     </p:spTree>
   </p:cSld>
+  <p:clrMapOvr>
+    <a:masterClrMapping/>
+  </p:clrMapOvr>
 </p:sldLayout>
 </file>
 
 <file path=ppt/slideLayouts/slideLayout20.xml><?xml version="1.0" encoding="utf-8"?>
-<p:sldLayout xmlns:a="http://schemas.openxmlformats.org/drawingml/2006/main" xmlns:p="http://schemas.openxmlformats.org/presentationml/2006/main" xmlns:r="http://schemas.openxmlformats.org/officeDocument/2006/relationships" xmlns:p14="http://schemas.microsoft.com/office/powerpoint/2010/main" xmlns:p15="http://schemas.microsoft.com/office/powerpoint/2012/main" xmlns:mc="http://schemas.openxmlformats.org/markup-compatibility/2006" type="objAndTwoObj" preserve="1">
+<p:sldLayout xmlns:a="http://schemas.openxmlformats.org/drawingml/2006/main" xmlns:r="http://schemas.openxmlformats.org/officeDocument/2006/relationships" xmlns:p="http://schemas.openxmlformats.org/presentationml/2006/main" type="objAndTwoObj" preserve="1">
   <p:cSld name="Title Content and 2 Content">
     <p:spTree>
       <p:nvGrpSpPr>
@@ -1321,14 +1482,15 @@
           </a:prstGeom>
         </p:spPr>
         <p:txBody>
-          <a:bodyPr lIns="0" rIns="0" tIns="0" bIns="0" anchor="ctr">
-            <a:noAutofit/>
-          </a:bodyPr>
+          <a:bodyPr lIns="0" tIns="0" rIns="0" bIns="0" anchor="ctr">
+            <a:noAutofit/>
+          </a:bodyPr>
+          <a:lstStyle/>
           <a:p>
             <a:pPr algn="ctr"/>
-            <a:endParaRPr b="0" lang="hu-HU" sz="4400" spc="-1" strike="noStrike">
+            <a:endParaRPr lang="hu-HU" sz="4400" b="0" strike="noStrike" spc="-1">
               <a:solidFill>
-                <a:srgbClr val="ffffff"/>
+                <a:srgbClr val="FFFFFF"/>
               </a:solidFill>
               <a:latin typeface="Arial"/>
             </a:endParaRPr>
@@ -1355,13 +1517,14 @@
           </a:prstGeom>
         </p:spPr>
         <p:txBody>
-          <a:bodyPr lIns="0" rIns="0" tIns="0" bIns="0">
-            <a:noAutofit/>
-          </a:bodyPr>
-          <a:p>
-            <a:endParaRPr b="0" lang="hu-HU" sz="3200" spc="-1" strike="noStrike">
+          <a:bodyPr lIns="0" tIns="0" rIns="0" bIns="0">
+            <a:noAutofit/>
+          </a:bodyPr>
+          <a:lstStyle/>
+          <a:p>
+            <a:endParaRPr lang="hu-HU" sz="3200" b="0" strike="noStrike" spc="-1">
               <a:solidFill>
-                <a:srgbClr val="0066cc"/>
+                <a:srgbClr val="0066CC"/>
               </a:solidFill>
               <a:latin typeface="Arial"/>
             </a:endParaRPr>
@@ -1388,13 +1551,14 @@
           </a:prstGeom>
         </p:spPr>
         <p:txBody>
-          <a:bodyPr lIns="0" rIns="0" tIns="0" bIns="0">
-            <a:noAutofit/>
-          </a:bodyPr>
-          <a:p>
-            <a:endParaRPr b="0" lang="hu-HU" sz="3200" spc="-1" strike="noStrike">
+          <a:bodyPr lIns="0" tIns="0" rIns="0" bIns="0">
+            <a:noAutofit/>
+          </a:bodyPr>
+          <a:lstStyle/>
+          <a:p>
+            <a:endParaRPr lang="hu-HU" sz="3200" b="0" strike="noStrike" spc="-1">
               <a:solidFill>
-                <a:srgbClr val="0066cc"/>
+                <a:srgbClr val="0066CC"/>
               </a:solidFill>
               <a:latin typeface="Arial"/>
             </a:endParaRPr>
@@ -1421,13 +1585,14 @@
           </a:prstGeom>
         </p:spPr>
         <p:txBody>
-          <a:bodyPr lIns="0" rIns="0" tIns="0" bIns="0">
-            <a:noAutofit/>
-          </a:bodyPr>
-          <a:p>
-            <a:endParaRPr b="0" lang="hu-HU" sz="3200" spc="-1" strike="noStrike">
+          <a:bodyPr lIns="0" tIns="0" rIns="0" bIns="0">
+            <a:noAutofit/>
+          </a:bodyPr>
+          <a:lstStyle/>
+          <a:p>
+            <a:endParaRPr lang="hu-HU" sz="3200" b="0" strike="noStrike" spc="-1">
               <a:solidFill>
-                <a:srgbClr val="0066cc"/>
+                <a:srgbClr val="0066CC"/>
               </a:solidFill>
               <a:latin typeface="Arial"/>
             </a:endParaRPr>
@@ -1436,11 +1601,14 @@
       </p:sp>
     </p:spTree>
   </p:cSld>
+  <p:clrMapOvr>
+    <a:masterClrMapping/>
+  </p:clrMapOvr>
 </p:sldLayout>
 </file>
 
 <file path=ppt/slideLayouts/slideLayout21.xml><?xml version="1.0" encoding="utf-8"?>
-<p:sldLayout xmlns:a="http://schemas.openxmlformats.org/drawingml/2006/main" xmlns:p="http://schemas.openxmlformats.org/presentationml/2006/main" xmlns:r="http://schemas.openxmlformats.org/officeDocument/2006/relationships" xmlns:p14="http://schemas.microsoft.com/office/powerpoint/2010/main" xmlns:p15="http://schemas.microsoft.com/office/powerpoint/2012/main" xmlns:mc="http://schemas.openxmlformats.org/markup-compatibility/2006" type="twoObjOverTx" preserve="1">
+<p:sldLayout xmlns:a="http://schemas.openxmlformats.org/drawingml/2006/main" xmlns:r="http://schemas.openxmlformats.org/officeDocument/2006/relationships" xmlns:p="http://schemas.openxmlformats.org/presentationml/2006/main" type="twoObjOverTx" preserve="1">
   <p:cSld name="Title, 2 Content over Content">
     <p:spTree>
       <p:nvGrpSpPr>
@@ -1476,14 +1644,15 @@
           </a:prstGeom>
         </p:spPr>
         <p:txBody>
-          <a:bodyPr lIns="0" rIns="0" tIns="0" bIns="0" anchor="ctr">
-            <a:noAutofit/>
-          </a:bodyPr>
+          <a:bodyPr lIns="0" tIns="0" rIns="0" bIns="0" anchor="ctr">
+            <a:noAutofit/>
+          </a:bodyPr>
+          <a:lstStyle/>
           <a:p>
             <a:pPr algn="ctr"/>
-            <a:endParaRPr b="0" lang="hu-HU" sz="4400" spc="-1" strike="noStrike">
+            <a:endParaRPr lang="hu-HU" sz="4400" b="0" strike="noStrike" spc="-1">
               <a:solidFill>
-                <a:srgbClr val="ffffff"/>
+                <a:srgbClr val="FFFFFF"/>
               </a:solidFill>
               <a:latin typeface="Arial"/>
             </a:endParaRPr>
@@ -1510,13 +1679,14 @@
           </a:prstGeom>
         </p:spPr>
         <p:txBody>
-          <a:bodyPr lIns="0" rIns="0" tIns="0" bIns="0">
-            <a:noAutofit/>
-          </a:bodyPr>
-          <a:p>
-            <a:endParaRPr b="0" lang="hu-HU" sz="3200" spc="-1" strike="noStrike">
+          <a:bodyPr lIns="0" tIns="0" rIns="0" bIns="0">
+            <a:noAutofit/>
+          </a:bodyPr>
+          <a:lstStyle/>
+          <a:p>
+            <a:endParaRPr lang="hu-HU" sz="3200" b="0" strike="noStrike" spc="-1">
               <a:solidFill>
-                <a:srgbClr val="0066cc"/>
+                <a:srgbClr val="0066CC"/>
               </a:solidFill>
               <a:latin typeface="Arial"/>
             </a:endParaRPr>
@@ -1543,13 +1713,14 @@
           </a:prstGeom>
         </p:spPr>
         <p:txBody>
-          <a:bodyPr lIns="0" rIns="0" tIns="0" bIns="0">
-            <a:noAutofit/>
-          </a:bodyPr>
-          <a:p>
-            <a:endParaRPr b="0" lang="hu-HU" sz="3200" spc="-1" strike="noStrike">
+          <a:bodyPr lIns="0" tIns="0" rIns="0" bIns="0">
+            <a:noAutofit/>
+          </a:bodyPr>
+          <a:lstStyle/>
+          <a:p>
+            <a:endParaRPr lang="hu-HU" sz="3200" b="0" strike="noStrike" spc="-1">
               <a:solidFill>
-                <a:srgbClr val="0066cc"/>
+                <a:srgbClr val="0066CC"/>
               </a:solidFill>
               <a:latin typeface="Arial"/>
             </a:endParaRPr>
@@ -1576,13 +1747,14 @@
           </a:prstGeom>
         </p:spPr>
         <p:txBody>
-          <a:bodyPr lIns="0" rIns="0" tIns="0" bIns="0">
-            <a:noAutofit/>
-          </a:bodyPr>
-          <a:p>
-            <a:endParaRPr b="0" lang="hu-HU" sz="3200" spc="-1" strike="noStrike">
+          <a:bodyPr lIns="0" tIns="0" rIns="0" bIns="0">
+            <a:noAutofit/>
+          </a:bodyPr>
+          <a:lstStyle/>
+          <a:p>
+            <a:endParaRPr lang="hu-HU" sz="3200" b="0" strike="noStrike" spc="-1">
               <a:solidFill>
-                <a:srgbClr val="0066cc"/>
+                <a:srgbClr val="0066CC"/>
               </a:solidFill>
               <a:latin typeface="Arial"/>
             </a:endParaRPr>
@@ -1591,11 +1763,14 @@
       </p:sp>
     </p:spTree>
   </p:cSld>
+  <p:clrMapOvr>
+    <a:masterClrMapping/>
+  </p:clrMapOvr>
 </p:sldLayout>
 </file>
 
 <file path=ppt/slideLayouts/slideLayout22.xml><?xml version="1.0" encoding="utf-8"?>
-<p:sldLayout xmlns:a="http://schemas.openxmlformats.org/drawingml/2006/main" xmlns:p="http://schemas.openxmlformats.org/presentationml/2006/main" xmlns:r="http://schemas.openxmlformats.org/officeDocument/2006/relationships" xmlns:p14="http://schemas.microsoft.com/office/powerpoint/2010/main" xmlns:p15="http://schemas.microsoft.com/office/powerpoint/2012/main" xmlns:mc="http://schemas.openxmlformats.org/markup-compatibility/2006" type="objOverTx" preserve="1">
+<p:sldLayout xmlns:a="http://schemas.openxmlformats.org/drawingml/2006/main" xmlns:r="http://schemas.openxmlformats.org/officeDocument/2006/relationships" xmlns:p="http://schemas.openxmlformats.org/presentationml/2006/main" type="objOverTx" preserve="1">
   <p:cSld name="Title, Content over Content">
     <p:spTree>
       <p:nvGrpSpPr>
@@ -1631,14 +1806,15 @@
           </a:prstGeom>
         </p:spPr>
         <p:txBody>
-          <a:bodyPr lIns="0" rIns="0" tIns="0" bIns="0" anchor="ctr">
-            <a:noAutofit/>
-          </a:bodyPr>
+          <a:bodyPr lIns="0" tIns="0" rIns="0" bIns="0" anchor="ctr">
+            <a:noAutofit/>
+          </a:bodyPr>
+          <a:lstStyle/>
           <a:p>
             <a:pPr algn="ctr"/>
-            <a:endParaRPr b="0" lang="hu-HU" sz="4400" spc="-1" strike="noStrike">
+            <a:endParaRPr lang="hu-HU" sz="4400" b="0" strike="noStrike" spc="-1">
               <a:solidFill>
-                <a:srgbClr val="ffffff"/>
+                <a:srgbClr val="FFFFFF"/>
               </a:solidFill>
               <a:latin typeface="Arial"/>
             </a:endParaRPr>
@@ -1665,13 +1841,14 @@
           </a:prstGeom>
         </p:spPr>
         <p:txBody>
-          <a:bodyPr lIns="0" rIns="0" tIns="0" bIns="0">
-            <a:noAutofit/>
-          </a:bodyPr>
-          <a:p>
-            <a:endParaRPr b="0" lang="hu-HU" sz="3200" spc="-1" strike="noStrike">
+          <a:bodyPr lIns="0" tIns="0" rIns="0" bIns="0">
+            <a:noAutofit/>
+          </a:bodyPr>
+          <a:lstStyle/>
+          <a:p>
+            <a:endParaRPr lang="hu-HU" sz="3200" b="0" strike="noStrike" spc="-1">
               <a:solidFill>
-                <a:srgbClr val="0066cc"/>
+                <a:srgbClr val="0066CC"/>
               </a:solidFill>
               <a:latin typeface="Arial"/>
             </a:endParaRPr>
@@ -1698,13 +1875,14 @@
           </a:prstGeom>
         </p:spPr>
         <p:txBody>
-          <a:bodyPr lIns="0" rIns="0" tIns="0" bIns="0">
-            <a:noAutofit/>
-          </a:bodyPr>
-          <a:p>
-            <a:endParaRPr b="0" lang="hu-HU" sz="3200" spc="-1" strike="noStrike">
+          <a:bodyPr lIns="0" tIns="0" rIns="0" bIns="0">
+            <a:noAutofit/>
+          </a:bodyPr>
+          <a:lstStyle/>
+          <a:p>
+            <a:endParaRPr lang="hu-HU" sz="3200" b="0" strike="noStrike" spc="-1">
               <a:solidFill>
-                <a:srgbClr val="0066cc"/>
+                <a:srgbClr val="0066CC"/>
               </a:solidFill>
               <a:latin typeface="Arial"/>
             </a:endParaRPr>
@@ -1713,11 +1891,14 @@
       </p:sp>
     </p:spTree>
   </p:cSld>
+  <p:clrMapOvr>
+    <a:masterClrMapping/>
+  </p:clrMapOvr>
 </p:sldLayout>
 </file>
 
 <file path=ppt/slideLayouts/slideLayout23.xml><?xml version="1.0" encoding="utf-8"?>
-<p:sldLayout xmlns:a="http://schemas.openxmlformats.org/drawingml/2006/main" xmlns:p="http://schemas.openxmlformats.org/presentationml/2006/main" xmlns:r="http://schemas.openxmlformats.org/officeDocument/2006/relationships" xmlns:p14="http://schemas.microsoft.com/office/powerpoint/2010/main" xmlns:p15="http://schemas.microsoft.com/office/powerpoint/2012/main" xmlns:mc="http://schemas.openxmlformats.org/markup-compatibility/2006" type="fourObj" preserve="1">
+<p:sldLayout xmlns:a="http://schemas.openxmlformats.org/drawingml/2006/main" xmlns:r="http://schemas.openxmlformats.org/officeDocument/2006/relationships" xmlns:p="http://schemas.openxmlformats.org/presentationml/2006/main" type="fourObj" preserve="1">
   <p:cSld name="Title, 4 Content">
     <p:spTree>
       <p:nvGrpSpPr>
@@ -1753,14 +1934,15 @@
           </a:prstGeom>
         </p:spPr>
         <p:txBody>
-          <a:bodyPr lIns="0" rIns="0" tIns="0" bIns="0" anchor="ctr">
-            <a:noAutofit/>
-          </a:bodyPr>
+          <a:bodyPr lIns="0" tIns="0" rIns="0" bIns="0" anchor="ctr">
+            <a:noAutofit/>
+          </a:bodyPr>
+          <a:lstStyle/>
           <a:p>
             <a:pPr algn="ctr"/>
-            <a:endParaRPr b="0" lang="hu-HU" sz="4400" spc="-1" strike="noStrike">
+            <a:endParaRPr lang="hu-HU" sz="4400" b="0" strike="noStrike" spc="-1">
               <a:solidFill>
-                <a:srgbClr val="ffffff"/>
+                <a:srgbClr val="FFFFFF"/>
               </a:solidFill>
               <a:latin typeface="Arial"/>
             </a:endParaRPr>
@@ -1787,13 +1969,14 @@
           </a:prstGeom>
         </p:spPr>
         <p:txBody>
-          <a:bodyPr lIns="0" rIns="0" tIns="0" bIns="0">
-            <a:noAutofit/>
-          </a:bodyPr>
-          <a:p>
-            <a:endParaRPr b="0" lang="hu-HU" sz="3200" spc="-1" strike="noStrike">
+          <a:bodyPr lIns="0" tIns="0" rIns="0" bIns="0">
+            <a:noAutofit/>
+          </a:bodyPr>
+          <a:lstStyle/>
+          <a:p>
+            <a:endParaRPr lang="hu-HU" sz="3200" b="0" strike="noStrike" spc="-1">
               <a:solidFill>
-                <a:srgbClr val="0066cc"/>
+                <a:srgbClr val="0066CC"/>
               </a:solidFill>
               <a:latin typeface="Arial"/>
             </a:endParaRPr>
@@ -1820,13 +2003,14 @@
           </a:prstGeom>
         </p:spPr>
         <p:txBody>
-          <a:bodyPr lIns="0" rIns="0" tIns="0" bIns="0">
-            <a:noAutofit/>
-          </a:bodyPr>
-          <a:p>
-            <a:endParaRPr b="0" lang="hu-HU" sz="3200" spc="-1" strike="noStrike">
+          <a:bodyPr lIns="0" tIns="0" rIns="0" bIns="0">
+            <a:noAutofit/>
+          </a:bodyPr>
+          <a:lstStyle/>
+          <a:p>
+            <a:endParaRPr lang="hu-HU" sz="3200" b="0" strike="noStrike" spc="-1">
               <a:solidFill>
-                <a:srgbClr val="0066cc"/>
+                <a:srgbClr val="0066CC"/>
               </a:solidFill>
               <a:latin typeface="Arial"/>
             </a:endParaRPr>
@@ -1853,13 +2037,14 @@
           </a:prstGeom>
         </p:spPr>
         <p:txBody>
-          <a:bodyPr lIns="0" rIns="0" tIns="0" bIns="0">
-            <a:noAutofit/>
-          </a:bodyPr>
-          <a:p>
-            <a:endParaRPr b="0" lang="hu-HU" sz="3200" spc="-1" strike="noStrike">
+          <a:bodyPr lIns="0" tIns="0" rIns="0" bIns="0">
+            <a:noAutofit/>
+          </a:bodyPr>
+          <a:lstStyle/>
+          <a:p>
+            <a:endParaRPr lang="hu-HU" sz="3200" b="0" strike="noStrike" spc="-1">
               <a:solidFill>
-                <a:srgbClr val="0066cc"/>
+                <a:srgbClr val="0066CC"/>
               </a:solidFill>
               <a:latin typeface="Arial"/>
             </a:endParaRPr>
@@ -1886,13 +2071,14 @@
           </a:prstGeom>
         </p:spPr>
         <p:txBody>
-          <a:bodyPr lIns="0" rIns="0" tIns="0" bIns="0">
-            <a:noAutofit/>
-          </a:bodyPr>
-          <a:p>
-            <a:endParaRPr b="0" lang="hu-HU" sz="3200" spc="-1" strike="noStrike">
+          <a:bodyPr lIns="0" tIns="0" rIns="0" bIns="0">
+            <a:noAutofit/>
+          </a:bodyPr>
+          <a:lstStyle/>
+          <a:p>
+            <a:endParaRPr lang="hu-HU" sz="3200" b="0" strike="noStrike" spc="-1">
               <a:solidFill>
-                <a:srgbClr val="0066cc"/>
+                <a:srgbClr val="0066CC"/>
               </a:solidFill>
               <a:latin typeface="Arial"/>
             </a:endParaRPr>
@@ -1901,11 +2087,14 @@
       </p:sp>
     </p:spTree>
   </p:cSld>
+  <p:clrMapOvr>
+    <a:masterClrMapping/>
+  </p:clrMapOvr>
 </p:sldLayout>
 </file>
 
 <file path=ppt/slideLayouts/slideLayout24.xml><?xml version="1.0" encoding="utf-8"?>
-<p:sldLayout xmlns:a="http://schemas.openxmlformats.org/drawingml/2006/main" xmlns:p="http://schemas.openxmlformats.org/presentationml/2006/main" xmlns:r="http://schemas.openxmlformats.org/officeDocument/2006/relationships" xmlns:p14="http://schemas.microsoft.com/office/powerpoint/2010/main" xmlns:p15="http://schemas.microsoft.com/office/powerpoint/2012/main" xmlns:mc="http://schemas.openxmlformats.org/markup-compatibility/2006" type="blank" preserve="1">
+<p:sldLayout xmlns:a="http://schemas.openxmlformats.org/drawingml/2006/main" xmlns:r="http://schemas.openxmlformats.org/officeDocument/2006/relationships" xmlns:p="http://schemas.openxmlformats.org/presentationml/2006/main" type="blank" preserve="1">
   <p:cSld name="Title, 6 Content">
     <p:spTree>
       <p:nvGrpSpPr>
@@ -1941,14 +2130,15 @@
           </a:prstGeom>
         </p:spPr>
         <p:txBody>
-          <a:bodyPr lIns="0" rIns="0" tIns="0" bIns="0" anchor="ctr">
-            <a:noAutofit/>
-          </a:bodyPr>
+          <a:bodyPr lIns="0" tIns="0" rIns="0" bIns="0" anchor="ctr">
+            <a:noAutofit/>
+          </a:bodyPr>
+          <a:lstStyle/>
           <a:p>
             <a:pPr algn="ctr"/>
-            <a:endParaRPr b="0" lang="hu-HU" sz="4400" spc="-1" strike="noStrike">
+            <a:endParaRPr lang="hu-HU" sz="4400" b="0" strike="noStrike" spc="-1">
               <a:solidFill>
-                <a:srgbClr val="ffffff"/>
+                <a:srgbClr val="FFFFFF"/>
               </a:solidFill>
               <a:latin typeface="Arial"/>
             </a:endParaRPr>
@@ -1975,13 +2165,14 @@
           </a:prstGeom>
         </p:spPr>
         <p:txBody>
-          <a:bodyPr lIns="0" rIns="0" tIns="0" bIns="0">
-            <a:noAutofit/>
-          </a:bodyPr>
-          <a:p>
-            <a:endParaRPr b="0" lang="hu-HU" sz="3200" spc="-1" strike="noStrike">
+          <a:bodyPr lIns="0" tIns="0" rIns="0" bIns="0">
+            <a:noAutofit/>
+          </a:bodyPr>
+          <a:lstStyle/>
+          <a:p>
+            <a:endParaRPr lang="hu-HU" sz="3200" b="0" strike="noStrike" spc="-1">
               <a:solidFill>
-                <a:srgbClr val="0066cc"/>
+                <a:srgbClr val="0066CC"/>
               </a:solidFill>
               <a:latin typeface="Arial"/>
             </a:endParaRPr>
@@ -2008,13 +2199,14 @@
           </a:prstGeom>
         </p:spPr>
         <p:txBody>
-          <a:bodyPr lIns="0" rIns="0" tIns="0" bIns="0">
-            <a:noAutofit/>
-          </a:bodyPr>
-          <a:p>
-            <a:endParaRPr b="0" lang="hu-HU" sz="3200" spc="-1" strike="noStrike">
+          <a:bodyPr lIns="0" tIns="0" rIns="0" bIns="0">
+            <a:noAutofit/>
+          </a:bodyPr>
+          <a:lstStyle/>
+          <a:p>
+            <a:endParaRPr lang="hu-HU" sz="3200" b="0" strike="noStrike" spc="-1">
               <a:solidFill>
-                <a:srgbClr val="0066cc"/>
+                <a:srgbClr val="0066CC"/>
               </a:solidFill>
               <a:latin typeface="Arial"/>
             </a:endParaRPr>
@@ -2041,13 +2233,14 @@
           </a:prstGeom>
         </p:spPr>
         <p:txBody>
-          <a:bodyPr lIns="0" rIns="0" tIns="0" bIns="0">
-            <a:noAutofit/>
-          </a:bodyPr>
-          <a:p>
-            <a:endParaRPr b="0" lang="hu-HU" sz="3200" spc="-1" strike="noStrike">
+          <a:bodyPr lIns="0" tIns="0" rIns="0" bIns="0">
+            <a:noAutofit/>
+          </a:bodyPr>
+          <a:lstStyle/>
+          <a:p>
+            <a:endParaRPr lang="hu-HU" sz="3200" b="0" strike="noStrike" spc="-1">
               <a:solidFill>
-                <a:srgbClr val="0066cc"/>
+                <a:srgbClr val="0066CC"/>
               </a:solidFill>
               <a:latin typeface="Arial"/>
             </a:endParaRPr>
@@ -2074,13 +2267,14 @@
           </a:prstGeom>
         </p:spPr>
         <p:txBody>
-          <a:bodyPr lIns="0" rIns="0" tIns="0" bIns="0">
-            <a:noAutofit/>
-          </a:bodyPr>
-          <a:p>
-            <a:endParaRPr b="0" lang="hu-HU" sz="3200" spc="-1" strike="noStrike">
+          <a:bodyPr lIns="0" tIns="0" rIns="0" bIns="0">
+            <a:noAutofit/>
+          </a:bodyPr>
+          <a:lstStyle/>
+          <a:p>
+            <a:endParaRPr lang="hu-HU" sz="3200" b="0" strike="noStrike" spc="-1">
               <a:solidFill>
-                <a:srgbClr val="0066cc"/>
+                <a:srgbClr val="0066CC"/>
               </a:solidFill>
               <a:latin typeface="Arial"/>
             </a:endParaRPr>
@@ -2107,13 +2301,14 @@
           </a:prstGeom>
         </p:spPr>
         <p:txBody>
-          <a:bodyPr lIns="0" rIns="0" tIns="0" bIns="0">
-            <a:noAutofit/>
-          </a:bodyPr>
-          <a:p>
-            <a:endParaRPr b="0" lang="hu-HU" sz="3200" spc="-1" strike="noStrike">
+          <a:bodyPr lIns="0" tIns="0" rIns="0" bIns="0">
+            <a:noAutofit/>
+          </a:bodyPr>
+          <a:lstStyle/>
+          <a:p>
+            <a:endParaRPr lang="hu-HU" sz="3200" b="0" strike="noStrike" spc="-1">
               <a:solidFill>
-                <a:srgbClr val="0066cc"/>
+                <a:srgbClr val="0066CC"/>
               </a:solidFill>
               <a:latin typeface="Arial"/>
             </a:endParaRPr>
@@ -2140,13 +2335,14 @@
           </a:prstGeom>
         </p:spPr>
         <p:txBody>
-          <a:bodyPr lIns="0" rIns="0" tIns="0" bIns="0">
-            <a:noAutofit/>
-          </a:bodyPr>
-          <a:p>
-            <a:endParaRPr b="0" lang="hu-HU" sz="3200" spc="-1" strike="noStrike">
+          <a:bodyPr lIns="0" tIns="0" rIns="0" bIns="0">
+            <a:noAutofit/>
+          </a:bodyPr>
+          <a:lstStyle/>
+          <a:p>
+            <a:endParaRPr lang="hu-HU" sz="3200" b="0" strike="noStrike" spc="-1">
               <a:solidFill>
-                <a:srgbClr val="0066cc"/>
+                <a:srgbClr val="0066CC"/>
               </a:solidFill>
               <a:latin typeface="Arial"/>
             </a:endParaRPr>
@@ -2155,11 +2351,14 @@
       </p:sp>
     </p:spTree>
   </p:cSld>
+  <p:clrMapOvr>
+    <a:masterClrMapping/>
+  </p:clrMapOvr>
 </p:sldLayout>
 </file>
 
 <file path=ppt/slideLayouts/slideLayout3.xml><?xml version="1.0" encoding="utf-8"?>
-<p:sldLayout xmlns:a="http://schemas.openxmlformats.org/drawingml/2006/main" xmlns:p="http://schemas.openxmlformats.org/presentationml/2006/main" xmlns:r="http://schemas.openxmlformats.org/officeDocument/2006/relationships" xmlns:p14="http://schemas.microsoft.com/office/powerpoint/2010/main" xmlns:p15="http://schemas.microsoft.com/office/powerpoint/2012/main" xmlns:mc="http://schemas.openxmlformats.org/markup-compatibility/2006" type="obj" preserve="1">
+<p:sldLayout xmlns:a="http://schemas.openxmlformats.org/drawingml/2006/main" xmlns:r="http://schemas.openxmlformats.org/officeDocument/2006/relationships" xmlns:p="http://schemas.openxmlformats.org/presentationml/2006/main" type="obj" preserve="1">
   <p:cSld name="Title, Content">
     <p:spTree>
       <p:nvGrpSpPr>
@@ -2195,14 +2394,15 @@
           </a:prstGeom>
         </p:spPr>
         <p:txBody>
-          <a:bodyPr lIns="0" rIns="0" tIns="0" bIns="0" anchor="ctr">
-            <a:noAutofit/>
-          </a:bodyPr>
+          <a:bodyPr lIns="0" tIns="0" rIns="0" bIns="0" anchor="ctr">
+            <a:noAutofit/>
+          </a:bodyPr>
+          <a:lstStyle/>
           <a:p>
             <a:pPr algn="ctr"/>
-            <a:endParaRPr b="0" lang="hu-HU" sz="4400" spc="-1" strike="noStrike">
+            <a:endParaRPr lang="hu-HU" sz="4400" b="0" strike="noStrike" spc="-1">
               <a:solidFill>
-                <a:srgbClr val="ffffff"/>
+                <a:srgbClr val="FFFFFF"/>
               </a:solidFill>
               <a:latin typeface="Arial"/>
             </a:endParaRPr>
@@ -2229,13 +2429,14 @@
           </a:prstGeom>
         </p:spPr>
         <p:txBody>
-          <a:bodyPr lIns="0" rIns="0" tIns="0" bIns="0">
-            <a:noAutofit/>
-          </a:bodyPr>
-          <a:p>
-            <a:endParaRPr b="0" lang="hu-HU" sz="3200" spc="-1" strike="noStrike">
+          <a:bodyPr lIns="0" tIns="0" rIns="0" bIns="0">
+            <a:noAutofit/>
+          </a:bodyPr>
+          <a:lstStyle/>
+          <a:p>
+            <a:endParaRPr lang="hu-HU" sz="3200" b="0" strike="noStrike" spc="-1">
               <a:solidFill>
-                <a:srgbClr val="0066cc"/>
+                <a:srgbClr val="0066CC"/>
               </a:solidFill>
               <a:latin typeface="Arial"/>
             </a:endParaRPr>
@@ -2244,11 +2445,14 @@
       </p:sp>
     </p:spTree>
   </p:cSld>
+  <p:clrMapOvr>
+    <a:masterClrMapping/>
+  </p:clrMapOvr>
 </p:sldLayout>
 </file>
 
 <file path=ppt/slideLayouts/slideLayout4.xml><?xml version="1.0" encoding="utf-8"?>
-<p:sldLayout xmlns:a="http://schemas.openxmlformats.org/drawingml/2006/main" xmlns:p="http://schemas.openxmlformats.org/presentationml/2006/main" xmlns:r="http://schemas.openxmlformats.org/officeDocument/2006/relationships" xmlns:p14="http://schemas.microsoft.com/office/powerpoint/2010/main" xmlns:p15="http://schemas.microsoft.com/office/powerpoint/2012/main" xmlns:mc="http://schemas.openxmlformats.org/markup-compatibility/2006" type="twoObj" preserve="1">
+<p:sldLayout xmlns:a="http://schemas.openxmlformats.org/drawingml/2006/main" xmlns:r="http://schemas.openxmlformats.org/officeDocument/2006/relationships" xmlns:p="http://schemas.openxmlformats.org/presentationml/2006/main" type="twoObj" preserve="1">
   <p:cSld name="Title, 2 Content">
     <p:spTree>
       <p:nvGrpSpPr>
@@ -2284,14 +2488,15 @@
           </a:prstGeom>
         </p:spPr>
         <p:txBody>
-          <a:bodyPr lIns="0" rIns="0" tIns="0" bIns="0" anchor="ctr">
-            <a:noAutofit/>
-          </a:bodyPr>
+          <a:bodyPr lIns="0" tIns="0" rIns="0" bIns="0" anchor="ctr">
+            <a:noAutofit/>
+          </a:bodyPr>
+          <a:lstStyle/>
           <a:p>
             <a:pPr algn="ctr"/>
-            <a:endParaRPr b="0" lang="hu-HU" sz="4400" spc="-1" strike="noStrike">
+            <a:endParaRPr lang="hu-HU" sz="4400" b="0" strike="noStrike" spc="-1">
               <a:solidFill>
-                <a:srgbClr val="ffffff"/>
+                <a:srgbClr val="FFFFFF"/>
               </a:solidFill>
               <a:latin typeface="Arial"/>
             </a:endParaRPr>
@@ -2318,13 +2523,14 @@
           </a:prstGeom>
         </p:spPr>
         <p:txBody>
-          <a:bodyPr lIns="0" rIns="0" tIns="0" bIns="0">
-            <a:noAutofit/>
-          </a:bodyPr>
-          <a:p>
-            <a:endParaRPr b="0" lang="hu-HU" sz="3200" spc="-1" strike="noStrike">
+          <a:bodyPr lIns="0" tIns="0" rIns="0" bIns="0">
+            <a:noAutofit/>
+          </a:bodyPr>
+          <a:lstStyle/>
+          <a:p>
+            <a:endParaRPr lang="hu-HU" sz="3200" b="0" strike="noStrike" spc="-1">
               <a:solidFill>
-                <a:srgbClr val="0066cc"/>
+                <a:srgbClr val="0066CC"/>
               </a:solidFill>
               <a:latin typeface="Arial"/>
             </a:endParaRPr>
@@ -2351,13 +2557,14 @@
           </a:prstGeom>
         </p:spPr>
         <p:txBody>
-          <a:bodyPr lIns="0" rIns="0" tIns="0" bIns="0">
-            <a:noAutofit/>
-          </a:bodyPr>
-          <a:p>
-            <a:endParaRPr b="0" lang="hu-HU" sz="3200" spc="-1" strike="noStrike">
+          <a:bodyPr lIns="0" tIns="0" rIns="0" bIns="0">
+            <a:noAutofit/>
+          </a:bodyPr>
+          <a:lstStyle/>
+          <a:p>
+            <a:endParaRPr lang="hu-HU" sz="3200" b="0" strike="noStrike" spc="-1">
               <a:solidFill>
-                <a:srgbClr val="0066cc"/>
+                <a:srgbClr val="0066CC"/>
               </a:solidFill>
               <a:latin typeface="Arial"/>
             </a:endParaRPr>
@@ -2366,11 +2573,14 @@
       </p:sp>
     </p:spTree>
   </p:cSld>
+  <p:clrMapOvr>
+    <a:masterClrMapping/>
+  </p:clrMapOvr>
 </p:sldLayout>
 </file>
 
 <file path=ppt/slideLayouts/slideLayout5.xml><?xml version="1.0" encoding="utf-8"?>
-<p:sldLayout xmlns:a="http://schemas.openxmlformats.org/drawingml/2006/main" xmlns:p="http://schemas.openxmlformats.org/presentationml/2006/main" xmlns:r="http://schemas.openxmlformats.org/officeDocument/2006/relationships" xmlns:p14="http://schemas.microsoft.com/office/powerpoint/2010/main" xmlns:p15="http://schemas.microsoft.com/office/powerpoint/2012/main" xmlns:mc="http://schemas.openxmlformats.org/markup-compatibility/2006" type="titleOnly" preserve="1">
+<p:sldLayout xmlns:a="http://schemas.openxmlformats.org/drawingml/2006/main" xmlns:r="http://schemas.openxmlformats.org/officeDocument/2006/relationships" xmlns:p="http://schemas.openxmlformats.org/presentationml/2006/main" type="titleOnly" preserve="1">
   <p:cSld name="Title Only">
     <p:spTree>
       <p:nvGrpSpPr>
@@ -2406,14 +2616,15 @@
           </a:prstGeom>
         </p:spPr>
         <p:txBody>
-          <a:bodyPr lIns="0" rIns="0" tIns="0" bIns="0" anchor="ctr">
-            <a:noAutofit/>
-          </a:bodyPr>
+          <a:bodyPr lIns="0" tIns="0" rIns="0" bIns="0" anchor="ctr">
+            <a:noAutofit/>
+          </a:bodyPr>
+          <a:lstStyle/>
           <a:p>
             <a:pPr algn="ctr"/>
-            <a:endParaRPr b="0" lang="hu-HU" sz="4400" spc="-1" strike="noStrike">
+            <a:endParaRPr lang="hu-HU" sz="4400" b="0" strike="noStrike" spc="-1">
               <a:solidFill>
-                <a:srgbClr val="ffffff"/>
+                <a:srgbClr val="FFFFFF"/>
               </a:solidFill>
               <a:latin typeface="Arial"/>
             </a:endParaRPr>
@@ -2422,11 +2633,14 @@
       </p:sp>
     </p:spTree>
   </p:cSld>
+  <p:clrMapOvr>
+    <a:masterClrMapping/>
+  </p:clrMapOvr>
 </p:sldLayout>
 </file>
 
 <file path=ppt/slideLayouts/slideLayout6.xml><?xml version="1.0" encoding="utf-8"?>
-<p:sldLayout xmlns:a="http://schemas.openxmlformats.org/drawingml/2006/main" xmlns:p="http://schemas.openxmlformats.org/presentationml/2006/main" xmlns:r="http://schemas.openxmlformats.org/officeDocument/2006/relationships" xmlns:p14="http://schemas.microsoft.com/office/powerpoint/2010/main" xmlns:p15="http://schemas.microsoft.com/office/powerpoint/2012/main" xmlns:mc="http://schemas.openxmlformats.org/markup-compatibility/2006" type="objOnly" preserve="1">
+<p:sldLayout xmlns:a="http://schemas.openxmlformats.org/drawingml/2006/main" xmlns:r="http://schemas.openxmlformats.org/officeDocument/2006/relationships" xmlns:p="http://schemas.openxmlformats.org/presentationml/2006/main" type="objOnly" preserve="1">
   <p:cSld name="Centered Text">
     <p:spTree>
       <p:nvGrpSpPr>
@@ -2462,12 +2676,13 @@
           </a:prstGeom>
         </p:spPr>
         <p:txBody>
-          <a:bodyPr lIns="0" rIns="0" tIns="0" bIns="0" anchor="ctr">
-            <a:noAutofit/>
-          </a:bodyPr>
+          <a:bodyPr lIns="0" tIns="0" rIns="0" bIns="0" anchor="ctr">
+            <a:noAutofit/>
+          </a:bodyPr>
+          <a:lstStyle/>
           <a:p>
             <a:pPr algn="ctr"/>
-            <a:endParaRPr b="0" lang="hu-HU" sz="3200" spc="-1" strike="noStrike">
+            <a:endParaRPr lang="hu-HU" sz="3200" b="0" strike="noStrike" spc="-1">
               <a:latin typeface="Arial"/>
             </a:endParaRPr>
           </a:p>
@@ -2475,11 +2690,14 @@
       </p:sp>
     </p:spTree>
   </p:cSld>
+  <p:clrMapOvr>
+    <a:masterClrMapping/>
+  </p:clrMapOvr>
 </p:sldLayout>
 </file>
 
 <file path=ppt/slideLayouts/slideLayout7.xml><?xml version="1.0" encoding="utf-8"?>
-<p:sldLayout xmlns:a="http://schemas.openxmlformats.org/drawingml/2006/main" xmlns:p="http://schemas.openxmlformats.org/presentationml/2006/main" xmlns:r="http://schemas.openxmlformats.org/officeDocument/2006/relationships" xmlns:p14="http://schemas.microsoft.com/office/powerpoint/2010/main" xmlns:p15="http://schemas.microsoft.com/office/powerpoint/2012/main" xmlns:mc="http://schemas.openxmlformats.org/markup-compatibility/2006" type="twoObjAndObj" preserve="1">
+<p:sldLayout xmlns:a="http://schemas.openxmlformats.org/drawingml/2006/main" xmlns:r="http://schemas.openxmlformats.org/officeDocument/2006/relationships" xmlns:p="http://schemas.openxmlformats.org/presentationml/2006/main" type="twoObjAndObj" preserve="1">
   <p:cSld name="Title, 2 Content and Content">
     <p:spTree>
       <p:nvGrpSpPr>
@@ -2515,14 +2733,15 @@
           </a:prstGeom>
         </p:spPr>
         <p:txBody>
-          <a:bodyPr lIns="0" rIns="0" tIns="0" bIns="0" anchor="ctr">
-            <a:noAutofit/>
-          </a:bodyPr>
+          <a:bodyPr lIns="0" tIns="0" rIns="0" bIns="0" anchor="ctr">
+            <a:noAutofit/>
+          </a:bodyPr>
+          <a:lstStyle/>
           <a:p>
             <a:pPr algn="ctr"/>
-            <a:endParaRPr b="0" lang="hu-HU" sz="4400" spc="-1" strike="noStrike">
+            <a:endParaRPr lang="hu-HU" sz="4400" b="0" strike="noStrike" spc="-1">
               <a:solidFill>
-                <a:srgbClr val="ffffff"/>
+                <a:srgbClr val="FFFFFF"/>
               </a:solidFill>
               <a:latin typeface="Arial"/>
             </a:endParaRPr>
@@ -2549,13 +2768,14 @@
           </a:prstGeom>
         </p:spPr>
         <p:txBody>
-          <a:bodyPr lIns="0" rIns="0" tIns="0" bIns="0">
-            <a:noAutofit/>
-          </a:bodyPr>
-          <a:p>
-            <a:endParaRPr b="0" lang="hu-HU" sz="3200" spc="-1" strike="noStrike">
+          <a:bodyPr lIns="0" tIns="0" rIns="0" bIns="0">
+            <a:noAutofit/>
+          </a:bodyPr>
+          <a:lstStyle/>
+          <a:p>
+            <a:endParaRPr lang="hu-HU" sz="3200" b="0" strike="noStrike" spc="-1">
               <a:solidFill>
-                <a:srgbClr val="0066cc"/>
+                <a:srgbClr val="0066CC"/>
               </a:solidFill>
               <a:latin typeface="Arial"/>
             </a:endParaRPr>
@@ -2582,13 +2802,14 @@
           </a:prstGeom>
         </p:spPr>
         <p:txBody>
-          <a:bodyPr lIns="0" rIns="0" tIns="0" bIns="0">
-            <a:noAutofit/>
-          </a:bodyPr>
-          <a:p>
-            <a:endParaRPr b="0" lang="hu-HU" sz="3200" spc="-1" strike="noStrike">
+          <a:bodyPr lIns="0" tIns="0" rIns="0" bIns="0">
+            <a:noAutofit/>
+          </a:bodyPr>
+          <a:lstStyle/>
+          <a:p>
+            <a:endParaRPr lang="hu-HU" sz="3200" b="0" strike="noStrike" spc="-1">
               <a:solidFill>
-                <a:srgbClr val="0066cc"/>
+                <a:srgbClr val="0066CC"/>
               </a:solidFill>
               <a:latin typeface="Arial"/>
             </a:endParaRPr>
@@ -2615,13 +2836,14 @@
           </a:prstGeom>
         </p:spPr>
         <p:txBody>
-          <a:bodyPr lIns="0" rIns="0" tIns="0" bIns="0">
-            <a:noAutofit/>
-          </a:bodyPr>
-          <a:p>
-            <a:endParaRPr b="0" lang="hu-HU" sz="3200" spc="-1" strike="noStrike">
+          <a:bodyPr lIns="0" tIns="0" rIns="0" bIns="0">
+            <a:noAutofit/>
+          </a:bodyPr>
+          <a:lstStyle/>
+          <a:p>
+            <a:endParaRPr lang="hu-HU" sz="3200" b="0" strike="noStrike" spc="-1">
               <a:solidFill>
-                <a:srgbClr val="0066cc"/>
+                <a:srgbClr val="0066CC"/>
               </a:solidFill>
               <a:latin typeface="Arial"/>
             </a:endParaRPr>
@@ -2630,11 +2852,14 @@
       </p:sp>
     </p:spTree>
   </p:cSld>
+  <p:clrMapOvr>
+    <a:masterClrMapping/>
+  </p:clrMapOvr>
 </p:sldLayout>
 </file>
 
 <file path=ppt/slideLayouts/slideLayout8.xml><?xml version="1.0" encoding="utf-8"?>
-<p:sldLayout xmlns:a="http://schemas.openxmlformats.org/drawingml/2006/main" xmlns:p="http://schemas.openxmlformats.org/presentationml/2006/main" xmlns:r="http://schemas.openxmlformats.org/officeDocument/2006/relationships" xmlns:p14="http://schemas.microsoft.com/office/powerpoint/2010/main" xmlns:p15="http://schemas.microsoft.com/office/powerpoint/2012/main" xmlns:mc="http://schemas.openxmlformats.org/markup-compatibility/2006" type="objAndTwoObj" preserve="1">
+<p:sldLayout xmlns:a="http://schemas.openxmlformats.org/drawingml/2006/main" xmlns:r="http://schemas.openxmlformats.org/officeDocument/2006/relationships" xmlns:p="http://schemas.openxmlformats.org/presentationml/2006/main" type="objAndTwoObj" preserve="1">
   <p:cSld name="Title Content and 2 Content">
     <p:spTree>
       <p:nvGrpSpPr>
@@ -2670,14 +2895,15 @@
           </a:prstGeom>
         </p:spPr>
         <p:txBody>
-          <a:bodyPr lIns="0" rIns="0" tIns="0" bIns="0" anchor="ctr">
-            <a:noAutofit/>
-          </a:bodyPr>
+          <a:bodyPr lIns="0" tIns="0" rIns="0" bIns="0" anchor="ctr">
+            <a:noAutofit/>
+          </a:bodyPr>
+          <a:lstStyle/>
           <a:p>
             <a:pPr algn="ctr"/>
-            <a:endParaRPr b="0" lang="hu-HU" sz="4400" spc="-1" strike="noStrike">
+            <a:endParaRPr lang="hu-HU" sz="4400" b="0" strike="noStrike" spc="-1">
               <a:solidFill>
-                <a:srgbClr val="ffffff"/>
+                <a:srgbClr val="FFFFFF"/>
               </a:solidFill>
               <a:latin typeface="Arial"/>
             </a:endParaRPr>
@@ -2704,13 +2930,14 @@
           </a:prstGeom>
         </p:spPr>
         <p:txBody>
-          <a:bodyPr lIns="0" rIns="0" tIns="0" bIns="0">
-            <a:noAutofit/>
-          </a:bodyPr>
-          <a:p>
-            <a:endParaRPr b="0" lang="hu-HU" sz="3200" spc="-1" strike="noStrike">
+          <a:bodyPr lIns="0" tIns="0" rIns="0" bIns="0">
+            <a:noAutofit/>
+          </a:bodyPr>
+          <a:lstStyle/>
+          <a:p>
+            <a:endParaRPr lang="hu-HU" sz="3200" b="0" strike="noStrike" spc="-1">
               <a:solidFill>
-                <a:srgbClr val="0066cc"/>
+                <a:srgbClr val="0066CC"/>
               </a:solidFill>
               <a:latin typeface="Arial"/>
             </a:endParaRPr>
@@ -2737,13 +2964,14 @@
           </a:prstGeom>
         </p:spPr>
         <p:txBody>
-          <a:bodyPr lIns="0" rIns="0" tIns="0" bIns="0">
-            <a:noAutofit/>
-          </a:bodyPr>
-          <a:p>
-            <a:endParaRPr b="0" lang="hu-HU" sz="3200" spc="-1" strike="noStrike">
+          <a:bodyPr lIns="0" tIns="0" rIns="0" bIns="0">
+            <a:noAutofit/>
+          </a:bodyPr>
+          <a:lstStyle/>
+          <a:p>
+            <a:endParaRPr lang="hu-HU" sz="3200" b="0" strike="noStrike" spc="-1">
               <a:solidFill>
-                <a:srgbClr val="0066cc"/>
+                <a:srgbClr val="0066CC"/>
               </a:solidFill>
               <a:latin typeface="Arial"/>
             </a:endParaRPr>
@@ -2770,13 +2998,14 @@
           </a:prstGeom>
         </p:spPr>
         <p:txBody>
-          <a:bodyPr lIns="0" rIns="0" tIns="0" bIns="0">
-            <a:noAutofit/>
-          </a:bodyPr>
-          <a:p>
-            <a:endParaRPr b="0" lang="hu-HU" sz="3200" spc="-1" strike="noStrike">
+          <a:bodyPr lIns="0" tIns="0" rIns="0" bIns="0">
+            <a:noAutofit/>
+          </a:bodyPr>
+          <a:lstStyle/>
+          <a:p>
+            <a:endParaRPr lang="hu-HU" sz="3200" b="0" strike="noStrike" spc="-1">
               <a:solidFill>
-                <a:srgbClr val="0066cc"/>
+                <a:srgbClr val="0066CC"/>
               </a:solidFill>
               <a:latin typeface="Arial"/>
             </a:endParaRPr>
@@ -2785,11 +3014,14 @@
       </p:sp>
     </p:spTree>
   </p:cSld>
+  <p:clrMapOvr>
+    <a:masterClrMapping/>
+  </p:clrMapOvr>
 </p:sldLayout>
 </file>
 
 <file path=ppt/slideLayouts/slideLayout9.xml><?xml version="1.0" encoding="utf-8"?>
-<p:sldLayout xmlns:a="http://schemas.openxmlformats.org/drawingml/2006/main" xmlns:p="http://schemas.openxmlformats.org/presentationml/2006/main" xmlns:r="http://schemas.openxmlformats.org/officeDocument/2006/relationships" xmlns:p14="http://schemas.microsoft.com/office/powerpoint/2010/main" xmlns:p15="http://schemas.microsoft.com/office/powerpoint/2012/main" xmlns:mc="http://schemas.openxmlformats.org/markup-compatibility/2006" type="twoObjOverTx" preserve="1">
+<p:sldLayout xmlns:a="http://schemas.openxmlformats.org/drawingml/2006/main" xmlns:r="http://schemas.openxmlformats.org/officeDocument/2006/relationships" xmlns:p="http://schemas.openxmlformats.org/presentationml/2006/main" type="twoObjOverTx" preserve="1">
   <p:cSld name="Title, 2 Content over Content">
     <p:spTree>
       <p:nvGrpSpPr>
@@ -2825,14 +3057,15 @@
           </a:prstGeom>
         </p:spPr>
         <p:txBody>
-          <a:bodyPr lIns="0" rIns="0" tIns="0" bIns="0" anchor="ctr">
-            <a:noAutofit/>
-          </a:bodyPr>
+          <a:bodyPr lIns="0" tIns="0" rIns="0" bIns="0" anchor="ctr">
+            <a:noAutofit/>
+          </a:bodyPr>
+          <a:lstStyle/>
           <a:p>
             <a:pPr algn="ctr"/>
-            <a:endParaRPr b="0" lang="hu-HU" sz="4400" spc="-1" strike="noStrike">
+            <a:endParaRPr lang="hu-HU" sz="4400" b="0" strike="noStrike" spc="-1">
               <a:solidFill>
-                <a:srgbClr val="ffffff"/>
+                <a:srgbClr val="FFFFFF"/>
               </a:solidFill>
               <a:latin typeface="Arial"/>
             </a:endParaRPr>
@@ -2859,13 +3092,14 @@
           </a:prstGeom>
         </p:spPr>
         <p:txBody>
-          <a:bodyPr lIns="0" rIns="0" tIns="0" bIns="0">
-            <a:noAutofit/>
-          </a:bodyPr>
-          <a:p>
-            <a:endParaRPr b="0" lang="hu-HU" sz="3200" spc="-1" strike="noStrike">
+          <a:bodyPr lIns="0" tIns="0" rIns="0" bIns="0">
+            <a:noAutofit/>
+          </a:bodyPr>
+          <a:lstStyle/>
+          <a:p>
+            <a:endParaRPr lang="hu-HU" sz="3200" b="0" strike="noStrike" spc="-1">
               <a:solidFill>
-                <a:srgbClr val="0066cc"/>
+                <a:srgbClr val="0066CC"/>
               </a:solidFill>
               <a:latin typeface="Arial"/>
             </a:endParaRPr>
@@ -2892,13 +3126,14 @@
           </a:prstGeom>
         </p:spPr>
         <p:txBody>
-          <a:bodyPr lIns="0" rIns="0" tIns="0" bIns="0">
-            <a:noAutofit/>
-          </a:bodyPr>
-          <a:p>
-            <a:endParaRPr b="0" lang="hu-HU" sz="3200" spc="-1" strike="noStrike">
+          <a:bodyPr lIns="0" tIns="0" rIns="0" bIns="0">
+            <a:noAutofit/>
+          </a:bodyPr>
+          <a:lstStyle/>
+          <a:p>
+            <a:endParaRPr lang="hu-HU" sz="3200" b="0" strike="noStrike" spc="-1">
               <a:solidFill>
-                <a:srgbClr val="0066cc"/>
+                <a:srgbClr val="0066CC"/>
               </a:solidFill>
               <a:latin typeface="Arial"/>
             </a:endParaRPr>
@@ -2925,13 +3160,14 @@
           </a:prstGeom>
         </p:spPr>
         <p:txBody>
-          <a:bodyPr lIns="0" rIns="0" tIns="0" bIns="0">
-            <a:noAutofit/>
-          </a:bodyPr>
-          <a:p>
-            <a:endParaRPr b="0" lang="hu-HU" sz="3200" spc="-1" strike="noStrike">
+          <a:bodyPr lIns="0" tIns="0" rIns="0" bIns="0">
+            <a:noAutofit/>
+          </a:bodyPr>
+          <a:lstStyle/>
+          <a:p>
+            <a:endParaRPr lang="hu-HU" sz="3200" b="0" strike="noStrike" spc="-1">
               <a:solidFill>
-                <a:srgbClr val="0066cc"/>
+                <a:srgbClr val="0066CC"/>
               </a:solidFill>
               <a:latin typeface="Arial"/>
             </a:endParaRPr>
@@ -2940,12 +3176,20 @@
       </p:sp>
     </p:spTree>
   </p:cSld>
+  <p:clrMapOvr>
+    <a:masterClrMapping/>
+  </p:clrMapOvr>
 </p:sldLayout>
 </file>
 
 <file path=ppt/slideMasters/slideMaster1.xml><?xml version="1.0" encoding="utf-8"?>
-<p:sldMaster xmlns:a="http://schemas.openxmlformats.org/drawingml/2006/main" xmlns:p="http://schemas.openxmlformats.org/presentationml/2006/main" xmlns:r="http://schemas.openxmlformats.org/officeDocument/2006/relationships" xmlns:p14="http://schemas.microsoft.com/office/powerpoint/2010/main" xmlns:p15="http://schemas.microsoft.com/office/powerpoint/2012/main" xmlns:mc="http://schemas.openxmlformats.org/markup-compatibility/2006">
+<p:sldMaster xmlns:a="http://schemas.openxmlformats.org/drawingml/2006/main" xmlns:r="http://schemas.openxmlformats.org/officeDocument/2006/relationships" xmlns:p="http://schemas.openxmlformats.org/presentationml/2006/main">
   <p:cSld>
+    <p:bg>
+      <p:bgRef idx="1001">
+        <a:schemeClr val="bg1"/>
+      </p:bgRef>
+    </p:bg>
     <p:spTree>
       <p:nvGrpSpPr>
         <p:cNvPr id="1" name=""/>
@@ -2962,12 +3206,12 @@
       </p:grpSpPr>
       <p:pic>
         <p:nvPicPr>
-          <p:cNvPr id="0" name="" descr=""/>
+          <p:cNvPr id="6" name="Kép 5"/>
           <p:cNvPicPr/>
           <p:nvPr/>
         </p:nvPicPr>
         <p:blipFill>
-          <a:blip r:embed="rId2"/>
+          <a:blip r:embed="rId14"/>
           <a:stretch/>
         </p:blipFill>
         <p:spPr>
@@ -2985,7 +3229,7 @@
       </p:pic>
       <p:sp>
         <p:nvSpPr>
-          <p:cNvPr id="1" name="PlaceHolder 1"/>
+          <p:cNvPr id="7" name="PlaceHolder 1"/>
           <p:cNvSpPr>
             <a:spLocks noGrp="1"/>
           </p:cNvSpPr>
@@ -3003,13 +3247,14 @@
           </a:prstGeom>
         </p:spPr>
         <p:txBody>
-          <a:bodyPr lIns="0" rIns="0" tIns="0" bIns="0" anchor="ctr">
-            <a:noAutofit/>
-          </a:bodyPr>
+          <a:bodyPr lIns="0" tIns="0" rIns="0" bIns="0" anchor="ctr">
+            <a:noAutofit/>
+          </a:bodyPr>
+          <a:lstStyle/>
           <a:p>
             <a:pPr algn="ctr"/>
             <a:r>
-              <a:rPr b="0" lang="hu-HU" sz="4400" spc="-1" strike="noStrike">
+              <a:rPr lang="hu-HU" sz="4400" b="0" strike="noStrike" spc="-1">
                 <a:solidFill>
                   <a:srgbClr val="006699"/>
                 </a:solidFill>
@@ -3017,12 +3262,6 @@
               </a:rPr>
               <a:t>Click to edit the title text format</a:t>
             </a:r>
-            <a:endParaRPr b="0" lang="hu-HU" sz="4400" spc="-1" strike="noStrike">
-              <a:solidFill>
-                <a:srgbClr val="006699"/>
-              </a:solidFill>
-              <a:latin typeface="Arial"/>
-            </a:endParaRPr>
           </a:p>
         </p:txBody>
       </p:sp>
@@ -3046,9 +3285,10 @@
           </a:prstGeom>
         </p:spPr>
         <p:txBody>
-          <a:bodyPr lIns="0" rIns="0" tIns="0" bIns="0">
+          <a:bodyPr lIns="0" tIns="0" rIns="0" bIns="0">
             <a:normAutofit fontScale="65000"/>
           </a:bodyPr>
+          <a:lstStyle/>
           <a:p>
             <a:pPr marL="432000" indent="-324000">
               <a:spcBef>
@@ -3062,17 +3302,14 @@
               <a:buChar char=""/>
             </a:pPr>
             <a:r>
-              <a:rPr b="0" lang="hu-HU" sz="3200" spc="-1" strike="noStrike">
+              <a:rPr lang="hu-HU" sz="3200" b="0" strike="noStrike" spc="-1">
                 <a:latin typeface="Arial"/>
               </a:rPr>
               <a:t>Click to edit the outline text format</a:t>
             </a:r>
-            <a:endParaRPr b="0" lang="hu-HU" sz="3200" spc="-1" strike="noStrike">
-              <a:latin typeface="Arial"/>
-            </a:endParaRPr>
-          </a:p>
-          <a:p>
-            <a:pPr lvl="1" marL="864000" indent="-324000">
+          </a:p>
+          <a:p>
+            <a:pPr marL="864000" lvl="1" indent="-324000">
               <a:spcBef>
                 <a:spcPts val="1134"/>
               </a:spcBef>
@@ -3084,17 +3321,14 @@
               <a:buChar char=""/>
             </a:pPr>
             <a:r>
-              <a:rPr b="0" lang="hu-HU" sz="2800" spc="-1" strike="noStrike">
+              <a:rPr lang="hu-HU" sz="2800" b="0" strike="noStrike" spc="-1">
                 <a:latin typeface="Arial"/>
               </a:rPr>
               <a:t>Second Outline Level</a:t>
             </a:r>
-            <a:endParaRPr b="0" lang="hu-HU" sz="2800" spc="-1" strike="noStrike">
-              <a:latin typeface="Arial"/>
-            </a:endParaRPr>
-          </a:p>
-          <a:p>
-            <a:pPr lvl="2" marL="1296000" indent="-288000">
+          </a:p>
+          <a:p>
+            <a:pPr marL="1296000" lvl="2" indent="-288000">
               <a:spcBef>
                 <a:spcPts val="850"/>
               </a:spcBef>
@@ -3106,17 +3340,14 @@
               <a:buChar char=""/>
             </a:pPr>
             <a:r>
-              <a:rPr b="0" lang="hu-HU" sz="2400" spc="-1" strike="noStrike">
+              <a:rPr lang="hu-HU" sz="2400" b="0" strike="noStrike" spc="-1">
                 <a:latin typeface="Arial"/>
               </a:rPr>
               <a:t>Third Outline Level</a:t>
             </a:r>
-            <a:endParaRPr b="0" lang="hu-HU" sz="2400" spc="-1" strike="noStrike">
-              <a:latin typeface="Arial"/>
-            </a:endParaRPr>
-          </a:p>
-          <a:p>
-            <a:pPr lvl="3" marL="1728000" indent="-216000">
+          </a:p>
+          <a:p>
+            <a:pPr marL="1728000" lvl="3" indent="-216000">
               <a:spcBef>
                 <a:spcPts val="567"/>
               </a:spcBef>
@@ -3128,17 +3359,14 @@
               <a:buChar char=""/>
             </a:pPr>
             <a:r>
-              <a:rPr b="0" lang="hu-HU" sz="2000" spc="-1" strike="noStrike">
+              <a:rPr lang="hu-HU" sz="2000" b="0" strike="noStrike" spc="-1">
                 <a:latin typeface="Arial"/>
               </a:rPr>
               <a:t>Fourth Outline Level</a:t>
             </a:r>
-            <a:endParaRPr b="0" lang="hu-HU" sz="2000" spc="-1" strike="noStrike">
-              <a:latin typeface="Arial"/>
-            </a:endParaRPr>
-          </a:p>
-          <a:p>
-            <a:pPr lvl="4" marL="2160000" indent="-216000">
+          </a:p>
+          <a:p>
+            <a:pPr marL="2160000" lvl="4" indent="-216000">
               <a:spcBef>
                 <a:spcPts val="283"/>
               </a:spcBef>
@@ -3150,17 +3378,14 @@
               <a:buChar char=""/>
             </a:pPr>
             <a:r>
-              <a:rPr b="0" lang="hu-HU" sz="2000" spc="-1" strike="noStrike">
+              <a:rPr lang="hu-HU" sz="2000" b="0" strike="noStrike" spc="-1">
                 <a:latin typeface="Arial"/>
               </a:rPr>
               <a:t>Fifth Outline Level</a:t>
             </a:r>
-            <a:endParaRPr b="0" lang="hu-HU" sz="2000" spc="-1" strike="noStrike">
-              <a:latin typeface="Arial"/>
-            </a:endParaRPr>
-          </a:p>
-          <a:p>
-            <a:pPr lvl="5" marL="2592000" indent="-216000">
+          </a:p>
+          <a:p>
+            <a:pPr marL="2592000" lvl="5" indent="-216000">
               <a:spcBef>
                 <a:spcPts val="283"/>
               </a:spcBef>
@@ -3172,17 +3397,14 @@
               <a:buChar char=""/>
             </a:pPr>
             <a:r>
-              <a:rPr b="0" lang="hu-HU" sz="2000" spc="-1" strike="noStrike">
+              <a:rPr lang="hu-HU" sz="2000" b="0" strike="noStrike" spc="-1">
                 <a:latin typeface="Arial"/>
               </a:rPr>
               <a:t>Sixth Outline Level</a:t>
             </a:r>
-            <a:endParaRPr b="0" lang="hu-HU" sz="2000" spc="-1" strike="noStrike">
-              <a:latin typeface="Arial"/>
-            </a:endParaRPr>
-          </a:p>
-          <a:p>
-            <a:pPr lvl="6" marL="3024000" indent="-216000">
+          </a:p>
+          <a:p>
+            <a:pPr marL="3024000" lvl="6" indent="-216000">
               <a:spcBef>
                 <a:spcPts val="283"/>
               </a:spcBef>
@@ -3194,14 +3416,11 @@
               <a:buChar char=""/>
             </a:pPr>
             <a:r>
-              <a:rPr b="0" lang="hu-HU" sz="2000" spc="-1" strike="noStrike">
+              <a:rPr lang="hu-HU" sz="2000" b="0" strike="noStrike" spc="-1">
                 <a:latin typeface="Arial"/>
               </a:rPr>
               <a:t>Seventh Outline Level</a:t>
             </a:r>
-            <a:endParaRPr b="0" lang="hu-HU" sz="2000" spc="-1" strike="noStrike">
-              <a:latin typeface="Arial"/>
-            </a:endParaRPr>
           </a:p>
         </p:txBody>
       </p:sp>
@@ -3225,19 +3444,17 @@
           </a:prstGeom>
         </p:spPr>
         <p:txBody>
-          <a:bodyPr lIns="0" rIns="0" tIns="0" bIns="0">
-            <a:noAutofit/>
-          </a:bodyPr>
-          <a:p>
-            <a:r>
-              <a:rPr b="0" lang="hu-HU" sz="1400" spc="-1" strike="noStrike">
+          <a:bodyPr lIns="0" tIns="0" rIns="0" bIns="0">
+            <a:noAutofit/>
+          </a:bodyPr>
+          <a:lstStyle/>
+          <a:p>
+            <a:r>
+              <a:rPr lang="hu-HU" sz="1400" b="0" strike="noStrike" spc="-1">
                 <a:latin typeface="Arial"/>
               </a:rPr>
               <a:t>&lt;date/time&gt;</a:t>
             </a:r>
-            <a:endParaRPr b="0" lang="hu-HU" sz="1400" spc="-1" strike="noStrike">
-              <a:latin typeface="Arial"/>
-            </a:endParaRPr>
           </a:p>
         </p:txBody>
       </p:sp>
@@ -3261,20 +3478,18 @@
           </a:prstGeom>
         </p:spPr>
         <p:txBody>
-          <a:bodyPr lIns="0" rIns="0" tIns="0" bIns="0">
-            <a:noAutofit/>
-          </a:bodyPr>
+          <a:bodyPr lIns="0" tIns="0" rIns="0" bIns="0">
+            <a:noAutofit/>
+          </a:bodyPr>
+          <a:lstStyle/>
           <a:p>
             <a:pPr algn="ctr"/>
             <a:r>
-              <a:rPr b="0" lang="hu-HU" sz="1400" spc="-1" strike="noStrike">
+              <a:rPr lang="hu-HU" sz="1400" b="0" strike="noStrike" spc="-1">
                 <a:latin typeface="Arial"/>
               </a:rPr>
               <a:t>&lt;footer&gt;</a:t>
             </a:r>
-            <a:endParaRPr b="0" lang="hu-HU" sz="1400" spc="-1" strike="noStrike">
-              <a:latin typeface="Arial"/>
-            </a:endParaRPr>
           </a:p>
         </p:txBody>
       </p:sp>
@@ -3298,18 +3513,19 @@
           </a:prstGeom>
         </p:spPr>
         <p:txBody>
-          <a:bodyPr lIns="0" rIns="0" tIns="0" bIns="0">
-            <a:noAutofit/>
-          </a:bodyPr>
+          <a:bodyPr lIns="0" tIns="0" rIns="0" bIns="0">
+            <a:noAutofit/>
+          </a:bodyPr>
+          <a:lstStyle/>
           <a:p>
             <a:pPr algn="r"/>
             <a:fld id="{D1601346-AF53-43D2-9ED4-9EE6FC764A1C}" type="slidenum">
-              <a:rPr b="0" lang="hu-HU" sz="1400" spc="-1" strike="noStrike">
-                <a:latin typeface="Arial"/>
-              </a:rPr>
-              <a:t>&lt;number&gt;</a:t>
+              <a:rPr lang="hu-HU" sz="1400" b="0" strike="noStrike" spc="-1">
+                <a:latin typeface="Arial"/>
+              </a:rPr>
+              <a:t>‹#›</a:t>
             </a:fld>
-            <a:endParaRPr b="0" lang="hu-HU" sz="1400" spc="-1" strike="noStrike">
+            <a:endParaRPr lang="hu-HU" sz="1400" b="0" strike="noStrike" spc="-1">
               <a:latin typeface="Arial"/>
             </a:endParaRPr>
           </a:p>
@@ -3317,26 +3533,1037 @@
       </p:sp>
     </p:spTree>
   </p:cSld>
-  <p:clrMap bg1="lt1" bg2="lt2" tx1="dk1" tx2="dk2" accent1="accent1" accent2="accent2" accent3="accent3" accent4="accent4" accent5="accent5" accent6="accent6" hlink="hlink" folHlink="folHlink"/>
+  <p:clrMap bg1="lt1" tx1="dk1" bg2="lt2" tx2="dk2" accent1="accent1" accent2="accent2" accent3="accent3" accent4="accent4" accent5="accent5" accent6="accent6" hlink="hlink" folHlink="folHlink"/>
   <p:sldLayoutIdLst>
-    <p:sldLayoutId id="2147483649" r:id="rId3"/>
-    <p:sldLayoutId id="2147483650" r:id="rId4"/>
-    <p:sldLayoutId id="2147483651" r:id="rId5"/>
-    <p:sldLayoutId id="2147483652" r:id="rId6"/>
-    <p:sldLayoutId id="2147483653" r:id="rId7"/>
-    <p:sldLayoutId id="2147483654" r:id="rId8"/>
-    <p:sldLayoutId id="2147483655" r:id="rId9"/>
-    <p:sldLayoutId id="2147483656" r:id="rId10"/>
-    <p:sldLayoutId id="2147483657" r:id="rId11"/>
-    <p:sldLayoutId id="2147483658" r:id="rId12"/>
-    <p:sldLayoutId id="2147483659" r:id="rId13"/>
-    <p:sldLayoutId id="2147483660" r:id="rId14"/>
+    <p:sldLayoutId id="2147483649" r:id="rId1"/>
+    <p:sldLayoutId id="2147483650" r:id="rId2"/>
+    <p:sldLayoutId id="2147483651" r:id="rId3"/>
+    <p:sldLayoutId id="2147483652" r:id="rId4"/>
+    <p:sldLayoutId id="2147483653" r:id="rId5"/>
+    <p:sldLayoutId id="2147483654" r:id="rId6"/>
+    <p:sldLayoutId id="2147483655" r:id="rId7"/>
+    <p:sldLayoutId id="2147483656" r:id="rId8"/>
+    <p:sldLayoutId id="2147483657" r:id="rId9"/>
+    <p:sldLayoutId id="2147483658" r:id="rId10"/>
+    <p:sldLayoutId id="2147483659" r:id="rId11"/>
+    <p:sldLayoutId id="2147483660" r:id="rId12"/>
   </p:sldLayoutIdLst>
+  <p:txStyles>
+    <p:titleStyle>
+      <a:lvl1pPr algn="l" defTabSz="914400" rtl="0" eaLnBrk="1" latinLnBrk="0" hangingPunct="1">
+        <a:lnSpc>
+          <a:spcPct val="90000"/>
+        </a:lnSpc>
+        <a:spcBef>
+          <a:spcPct val="0"/>
+        </a:spcBef>
+        <a:buNone/>
+        <a:defRPr sz="4400" kern="1200">
+          <a:solidFill>
+            <a:schemeClr val="tx1"/>
+          </a:solidFill>
+          <a:latin typeface="+mj-lt"/>
+          <a:ea typeface="+mj-ea"/>
+          <a:cs typeface="+mj-cs"/>
+        </a:defRPr>
+      </a:lvl1pPr>
+    </p:titleStyle>
+    <p:bodyStyle>
+      <a:lvl1pPr marL="228600" indent="-228600" algn="l" defTabSz="914400" rtl="0" eaLnBrk="1" latinLnBrk="0" hangingPunct="1">
+        <a:lnSpc>
+          <a:spcPct val="90000"/>
+        </a:lnSpc>
+        <a:spcBef>
+          <a:spcPts val="1000"/>
+        </a:spcBef>
+        <a:buFont typeface="Arial" panose="020B0604020202020204" pitchFamily="34" charset="0"/>
+        <a:buChar char="•"/>
+        <a:defRPr sz="2800" kern="1200">
+          <a:solidFill>
+            <a:schemeClr val="tx1"/>
+          </a:solidFill>
+          <a:latin typeface="+mn-lt"/>
+          <a:ea typeface="+mn-ea"/>
+          <a:cs typeface="+mn-cs"/>
+        </a:defRPr>
+      </a:lvl1pPr>
+      <a:lvl2pPr marL="685800" indent="-228600" algn="l" defTabSz="914400" rtl="0" eaLnBrk="1" latinLnBrk="0" hangingPunct="1">
+        <a:lnSpc>
+          <a:spcPct val="90000"/>
+        </a:lnSpc>
+        <a:spcBef>
+          <a:spcPts val="500"/>
+        </a:spcBef>
+        <a:buFont typeface="Arial" panose="020B0604020202020204" pitchFamily="34" charset="0"/>
+        <a:buChar char="•"/>
+        <a:defRPr sz="2400" kern="1200">
+          <a:solidFill>
+            <a:schemeClr val="tx1"/>
+          </a:solidFill>
+          <a:latin typeface="+mn-lt"/>
+          <a:ea typeface="+mn-ea"/>
+          <a:cs typeface="+mn-cs"/>
+        </a:defRPr>
+      </a:lvl2pPr>
+      <a:lvl3pPr marL="1143000" indent="-228600" algn="l" defTabSz="914400" rtl="0" eaLnBrk="1" latinLnBrk="0" hangingPunct="1">
+        <a:lnSpc>
+          <a:spcPct val="90000"/>
+        </a:lnSpc>
+        <a:spcBef>
+          <a:spcPts val="500"/>
+        </a:spcBef>
+        <a:buFont typeface="Arial" panose="020B0604020202020204" pitchFamily="34" charset="0"/>
+        <a:buChar char="•"/>
+        <a:defRPr sz="2000" kern="1200">
+          <a:solidFill>
+            <a:schemeClr val="tx1"/>
+          </a:solidFill>
+          <a:latin typeface="+mn-lt"/>
+          <a:ea typeface="+mn-ea"/>
+          <a:cs typeface="+mn-cs"/>
+        </a:defRPr>
+      </a:lvl3pPr>
+      <a:lvl4pPr marL="1600200" indent="-228600" algn="l" defTabSz="914400" rtl="0" eaLnBrk="1" latinLnBrk="0" hangingPunct="1">
+        <a:lnSpc>
+          <a:spcPct val="90000"/>
+        </a:lnSpc>
+        <a:spcBef>
+          <a:spcPts val="500"/>
+        </a:spcBef>
+        <a:buFont typeface="Arial" panose="020B0604020202020204" pitchFamily="34" charset="0"/>
+        <a:buChar char="•"/>
+        <a:defRPr sz="1800" kern="1200">
+          <a:solidFill>
+            <a:schemeClr val="tx1"/>
+          </a:solidFill>
+          <a:latin typeface="+mn-lt"/>
+          <a:ea typeface="+mn-ea"/>
+          <a:cs typeface="+mn-cs"/>
+        </a:defRPr>
+      </a:lvl4pPr>
+      <a:lvl5pPr marL="2057400" indent="-228600" algn="l" defTabSz="914400" rtl="0" eaLnBrk="1" latinLnBrk="0" hangingPunct="1">
+        <a:lnSpc>
+          <a:spcPct val="90000"/>
+        </a:lnSpc>
+        <a:spcBef>
+          <a:spcPts val="500"/>
+        </a:spcBef>
+        <a:buFont typeface="Arial" panose="020B0604020202020204" pitchFamily="34" charset="0"/>
+        <a:buChar char="•"/>
+        <a:defRPr sz="1800" kern="1200">
+          <a:solidFill>
+            <a:schemeClr val="tx1"/>
+          </a:solidFill>
+          <a:latin typeface="+mn-lt"/>
+          <a:ea typeface="+mn-ea"/>
+          <a:cs typeface="+mn-cs"/>
+        </a:defRPr>
+      </a:lvl5pPr>
+      <a:lvl6pPr marL="2514600" indent="-228600" algn="l" defTabSz="914400" rtl="0" eaLnBrk="1" latinLnBrk="0" hangingPunct="1">
+        <a:lnSpc>
+          <a:spcPct val="90000"/>
+        </a:lnSpc>
+        <a:spcBef>
+          <a:spcPts val="500"/>
+        </a:spcBef>
+        <a:buFont typeface="Arial" panose="020B0604020202020204" pitchFamily="34" charset="0"/>
+        <a:buChar char="•"/>
+        <a:defRPr sz="1800" kern="1200">
+          <a:solidFill>
+            <a:schemeClr val="tx1"/>
+          </a:solidFill>
+          <a:latin typeface="+mn-lt"/>
+          <a:ea typeface="+mn-ea"/>
+          <a:cs typeface="+mn-cs"/>
+        </a:defRPr>
+      </a:lvl6pPr>
+      <a:lvl7pPr marL="2971800" indent="-228600" algn="l" defTabSz="914400" rtl="0" eaLnBrk="1" latinLnBrk="0" hangingPunct="1">
+        <a:lnSpc>
+          <a:spcPct val="90000"/>
+        </a:lnSpc>
+        <a:spcBef>
+          <a:spcPts val="500"/>
+        </a:spcBef>
+        <a:buFont typeface="Arial" panose="020B0604020202020204" pitchFamily="34" charset="0"/>
+        <a:buChar char="•"/>
+        <a:defRPr sz="1800" kern="1200">
+          <a:solidFill>
+            <a:schemeClr val="tx1"/>
+          </a:solidFill>
+          <a:latin typeface="+mn-lt"/>
+          <a:ea typeface="+mn-ea"/>
+          <a:cs typeface="+mn-cs"/>
+        </a:defRPr>
+      </a:lvl7pPr>
+      <a:lvl8pPr marL="3429000" indent="-228600" algn="l" defTabSz="914400" rtl="0" eaLnBrk="1" latinLnBrk="0" hangingPunct="1">
+        <a:lnSpc>
+          <a:spcPct val="90000"/>
+        </a:lnSpc>
+        <a:spcBef>
+          <a:spcPts val="500"/>
+        </a:spcBef>
+        <a:buFont typeface="Arial" panose="020B0604020202020204" pitchFamily="34" charset="0"/>
+        <a:buChar char="•"/>
+        <a:defRPr sz="1800" kern="1200">
+          <a:solidFill>
+            <a:schemeClr val="tx1"/>
+          </a:solidFill>
+          <a:latin typeface="+mn-lt"/>
+          <a:ea typeface="+mn-ea"/>
+          <a:cs typeface="+mn-cs"/>
+        </a:defRPr>
+      </a:lvl8pPr>
+      <a:lvl9pPr marL="3886200" indent="-228600" algn="l" defTabSz="914400" rtl="0" eaLnBrk="1" latinLnBrk="0" hangingPunct="1">
+        <a:lnSpc>
+          <a:spcPct val="90000"/>
+        </a:lnSpc>
+        <a:spcBef>
+          <a:spcPts val="500"/>
+        </a:spcBef>
+        <a:buFont typeface="Arial" panose="020B0604020202020204" pitchFamily="34" charset="0"/>
+        <a:buChar char="•"/>
+        <a:defRPr sz="1800" kern="1200">
+          <a:solidFill>
+            <a:schemeClr val="tx1"/>
+          </a:solidFill>
+          <a:latin typeface="+mn-lt"/>
+          <a:ea typeface="+mn-ea"/>
+          <a:cs typeface="+mn-cs"/>
+        </a:defRPr>
+      </a:lvl9pPr>
+    </p:bodyStyle>
+    <p:otherStyle>
+      <a:defPPr>
+        <a:defRPr lang="en-US"/>
+      </a:defPPr>
+      <a:lvl1pPr marL="0" algn="l" defTabSz="914400" rtl="0" eaLnBrk="1" latinLnBrk="0" hangingPunct="1">
+        <a:defRPr sz="1800" kern="1200">
+          <a:solidFill>
+            <a:schemeClr val="tx1"/>
+          </a:solidFill>
+          <a:latin typeface="+mn-lt"/>
+          <a:ea typeface="+mn-ea"/>
+          <a:cs typeface="+mn-cs"/>
+        </a:defRPr>
+      </a:lvl1pPr>
+      <a:lvl2pPr marL="457200" algn="l" defTabSz="914400" rtl="0" eaLnBrk="1" latinLnBrk="0" hangingPunct="1">
+        <a:defRPr sz="1800" kern="1200">
+          <a:solidFill>
+            <a:schemeClr val="tx1"/>
+          </a:solidFill>
+          <a:latin typeface="+mn-lt"/>
+          <a:ea typeface="+mn-ea"/>
+          <a:cs typeface="+mn-cs"/>
+        </a:defRPr>
+      </a:lvl2pPr>
+      <a:lvl3pPr marL="914400" algn="l" defTabSz="914400" rtl="0" eaLnBrk="1" latinLnBrk="0" hangingPunct="1">
+        <a:defRPr sz="1800" kern="1200">
+          <a:solidFill>
+            <a:schemeClr val="tx1"/>
+          </a:solidFill>
+          <a:latin typeface="+mn-lt"/>
+          <a:ea typeface="+mn-ea"/>
+          <a:cs typeface="+mn-cs"/>
+        </a:defRPr>
+      </a:lvl3pPr>
+      <a:lvl4pPr marL="1371600" algn="l" defTabSz="914400" rtl="0" eaLnBrk="1" latinLnBrk="0" hangingPunct="1">
+        <a:defRPr sz="1800" kern="1200">
+          <a:solidFill>
+            <a:schemeClr val="tx1"/>
+          </a:solidFill>
+          <a:latin typeface="+mn-lt"/>
+          <a:ea typeface="+mn-ea"/>
+          <a:cs typeface="+mn-cs"/>
+        </a:defRPr>
+      </a:lvl4pPr>
+      <a:lvl5pPr marL="1828800" algn="l" defTabSz="914400" rtl="0" eaLnBrk="1" latinLnBrk="0" hangingPunct="1">
+        <a:defRPr sz="1800" kern="1200">
+          <a:solidFill>
+            <a:schemeClr val="tx1"/>
+          </a:solidFill>
+          <a:latin typeface="+mn-lt"/>
+          <a:ea typeface="+mn-ea"/>
+          <a:cs typeface="+mn-cs"/>
+        </a:defRPr>
+      </a:lvl5pPr>
+      <a:lvl6pPr marL="2286000" algn="l" defTabSz="914400" rtl="0" eaLnBrk="1" latinLnBrk="0" hangingPunct="1">
+        <a:defRPr sz="1800" kern="1200">
+          <a:solidFill>
+            <a:schemeClr val="tx1"/>
+          </a:solidFill>
+          <a:latin typeface="+mn-lt"/>
+          <a:ea typeface="+mn-ea"/>
+          <a:cs typeface="+mn-cs"/>
+        </a:defRPr>
+      </a:lvl6pPr>
+      <a:lvl7pPr marL="2743200" algn="l" defTabSz="914400" rtl="0" eaLnBrk="1" latinLnBrk="0" hangingPunct="1">
+        <a:defRPr sz="1800" kern="1200">
+          <a:solidFill>
+            <a:schemeClr val="tx1"/>
+          </a:solidFill>
+          <a:latin typeface="+mn-lt"/>
+          <a:ea typeface="+mn-ea"/>
+          <a:cs typeface="+mn-cs"/>
+        </a:defRPr>
+      </a:lvl7pPr>
+      <a:lvl8pPr marL="3200400" algn="l" defTabSz="914400" rtl="0" eaLnBrk="1" latinLnBrk="0" hangingPunct="1">
+        <a:defRPr sz="1800" kern="1200">
+          <a:solidFill>
+            <a:schemeClr val="tx1"/>
+          </a:solidFill>
+          <a:latin typeface="+mn-lt"/>
+          <a:ea typeface="+mn-ea"/>
+          <a:cs typeface="+mn-cs"/>
+        </a:defRPr>
+      </a:lvl8pPr>
+      <a:lvl9pPr marL="3657600" algn="l" defTabSz="914400" rtl="0" eaLnBrk="1" latinLnBrk="0" hangingPunct="1">
+        <a:defRPr sz="1800" kern="1200">
+          <a:solidFill>
+            <a:schemeClr val="tx1"/>
+          </a:solidFill>
+          <a:latin typeface="+mn-lt"/>
+          <a:ea typeface="+mn-ea"/>
+          <a:cs typeface="+mn-cs"/>
+        </a:defRPr>
+      </a:lvl9pPr>
+    </p:otherStyle>
+  </p:txStyles>
 </p:sldMaster>
 </file>
 
 <file path=ppt/slideMasters/slideMaster2.xml><?xml version="1.0" encoding="utf-8"?>
-<p:sldMaster xmlns:a="http://schemas.openxmlformats.org/drawingml/2006/main" xmlns:p="http://schemas.openxmlformats.org/presentationml/2006/main" xmlns:r="http://schemas.openxmlformats.org/officeDocument/2006/relationships" xmlns:p14="http://schemas.microsoft.com/office/powerpoint/2010/main" xmlns:p15="http://schemas.microsoft.com/office/powerpoint/2012/main" xmlns:mc="http://schemas.openxmlformats.org/markup-compatibility/2006">
+<p:sldMaster xmlns:a="http://schemas.openxmlformats.org/drawingml/2006/main" xmlns:r="http://schemas.openxmlformats.org/officeDocument/2006/relationships" xmlns:p="http://schemas.openxmlformats.org/presentationml/2006/main">
+  <p:cSld>
+    <p:bg>
+      <p:bgRef idx="1001">
+        <a:schemeClr val="bg1"/>
+      </p:bgRef>
+    </p:bg>
+    <p:spTree>
+      <p:nvGrpSpPr>
+        <p:cNvPr id="1" name=""/>
+        <p:cNvGrpSpPr/>
+        <p:nvPr/>
+      </p:nvGrpSpPr>
+      <p:grpSpPr>
+        <a:xfrm>
+          <a:off x="0" y="0"/>
+          <a:ext cx="0" cy="0"/>
+          <a:chOff x="0" y="0"/>
+          <a:chExt cx="0" cy="0"/>
+        </a:xfrm>
+      </p:grpSpPr>
+      <p:sp>
+        <p:nvSpPr>
+          <p:cNvPr id="42" name="CustomShape 1"/>
+          <p:cNvSpPr/>
+          <p:nvPr/>
+        </p:nvSpPr>
+        <p:spPr>
+          <a:xfrm>
+            <a:off x="0" y="0"/>
+            <a:ext cx="10076760" cy="941760"/>
+          </a:xfrm>
+          <a:prstGeom prst="rect">
+            <a:avLst/>
+          </a:prstGeom>
+          <a:gradFill rotWithShape="0">
+            <a:gsLst>
+              <a:gs pos="0">
+                <a:srgbClr val="DFF2FC"/>
+              </a:gs>
+              <a:gs pos="100000">
+                <a:srgbClr val="009BDD"/>
+              </a:gs>
+            </a:gsLst>
+            <a:lin ang="10800000"/>
+          </a:gradFill>
+          <a:ln>
+            <a:noFill/>
+          </a:ln>
+        </p:spPr>
+        <p:style>
+          <a:lnRef idx="0">
+            <a:scrgbClr r="0" g="0" b="0"/>
+          </a:lnRef>
+          <a:fillRef idx="0">
+            <a:scrgbClr r="0" g="0" b="0"/>
+          </a:fillRef>
+          <a:effectRef idx="0">
+            <a:scrgbClr r="0" g="0" b="0"/>
+          </a:effectRef>
+          <a:fontRef idx="minor"/>
+        </p:style>
+      </p:sp>
+      <p:sp>
+        <p:nvSpPr>
+          <p:cNvPr id="43" name="CustomShape 2"/>
+          <p:cNvSpPr/>
+          <p:nvPr/>
+        </p:nvSpPr>
+        <p:spPr>
+          <a:xfrm>
+            <a:off x="0" y="6620400"/>
+            <a:ext cx="10076760" cy="941760"/>
+          </a:xfrm>
+          <a:prstGeom prst="rect">
+            <a:avLst/>
+          </a:prstGeom>
+          <a:gradFill rotWithShape="0">
+            <a:gsLst>
+              <a:gs pos="0">
+                <a:srgbClr val="DFF2FC"/>
+              </a:gs>
+              <a:gs pos="100000">
+                <a:srgbClr val="009BDD"/>
+              </a:gs>
+            </a:gsLst>
+            <a:lin ang="10800000"/>
+          </a:gradFill>
+          <a:ln>
+            <a:noFill/>
+          </a:ln>
+        </p:spPr>
+        <p:style>
+          <a:lnRef idx="0">
+            <a:scrgbClr r="0" g="0" b="0"/>
+          </a:lnRef>
+          <a:fillRef idx="0">
+            <a:scrgbClr r="0" g="0" b="0"/>
+          </a:fillRef>
+          <a:effectRef idx="0">
+            <a:scrgbClr r="0" g="0" b="0"/>
+          </a:effectRef>
+          <a:fontRef idx="minor"/>
+        </p:style>
+      </p:sp>
+      <p:sp>
+        <p:nvSpPr>
+          <p:cNvPr id="44" name="PlaceHolder 3"/>
+          <p:cNvSpPr>
+            <a:spLocks noGrp="1"/>
+          </p:cNvSpPr>
+          <p:nvPr>
+            <p:ph type="title"/>
+          </p:nvPr>
+        </p:nvSpPr>
+        <p:spPr>
+          <a:xfrm>
+            <a:off x="504000" y="301320"/>
+            <a:ext cx="9071640" cy="637560"/>
+          </a:xfrm>
+          <a:prstGeom prst="rect">
+            <a:avLst/>
+          </a:prstGeom>
+        </p:spPr>
+        <p:txBody>
+          <a:bodyPr lIns="0" tIns="0" rIns="0" bIns="0" anchor="ctr">
+            <a:noAutofit/>
+          </a:bodyPr>
+          <a:lstStyle/>
+          <a:p>
+            <a:pPr algn="ctr"/>
+            <a:r>
+              <a:rPr lang="hu-HU" sz="4400" b="0" strike="noStrike" spc="-1">
+                <a:solidFill>
+                  <a:srgbClr val="FFFFFF"/>
+                </a:solidFill>
+                <a:latin typeface="Arial"/>
+              </a:rPr>
+              <a:t>Click to edit the title text format</a:t>
+            </a:r>
+          </a:p>
+        </p:txBody>
+      </p:sp>
+      <p:sp>
+        <p:nvSpPr>
+          <p:cNvPr id="45" name="PlaceHolder 4"/>
+          <p:cNvSpPr>
+            <a:spLocks noGrp="1"/>
+          </p:cNvSpPr>
+          <p:nvPr>
+            <p:ph type="body"/>
+          </p:nvPr>
+        </p:nvSpPr>
+        <p:spPr>
+          <a:xfrm>
+            <a:off x="504000" y="1769040"/>
+            <a:ext cx="9071640" cy="4384440"/>
+          </a:xfrm>
+          <a:prstGeom prst="rect">
+            <a:avLst/>
+          </a:prstGeom>
+        </p:spPr>
+        <p:txBody>
+          <a:bodyPr lIns="0" tIns="0" rIns="0" bIns="0">
+            <a:noAutofit/>
+          </a:bodyPr>
+          <a:lstStyle/>
+          <a:p>
+            <a:pPr marL="432000" indent="-324000">
+              <a:spcBef>
+                <a:spcPts val="1417"/>
+              </a:spcBef>
+              <a:buClr>
+                <a:srgbClr val="000000"/>
+              </a:buClr>
+              <a:buSzPct val="45000"/>
+              <a:buFont typeface="Wingdings" charset="2"/>
+              <a:buChar char=""/>
+            </a:pPr>
+            <a:r>
+              <a:rPr lang="hu-HU" sz="3200" b="0" strike="noStrike" spc="-1">
+                <a:solidFill>
+                  <a:srgbClr val="0066CC"/>
+                </a:solidFill>
+                <a:latin typeface="Arial"/>
+              </a:rPr>
+              <a:t>Click to edit the outline text format</a:t>
+            </a:r>
+          </a:p>
+          <a:p>
+            <a:pPr marL="864000" lvl="1" indent="-324000">
+              <a:spcBef>
+                <a:spcPts val="1134"/>
+              </a:spcBef>
+              <a:buClr>
+                <a:srgbClr val="000000"/>
+              </a:buClr>
+              <a:buSzPct val="75000"/>
+              <a:buFont typeface="Symbol" charset="2"/>
+              <a:buChar char=""/>
+            </a:pPr>
+            <a:r>
+              <a:rPr lang="hu-HU" sz="2800" b="0" strike="noStrike" spc="-1">
+                <a:solidFill>
+                  <a:srgbClr val="0066CC"/>
+                </a:solidFill>
+                <a:latin typeface="Arial"/>
+              </a:rPr>
+              <a:t>Second Outline Level</a:t>
+            </a:r>
+          </a:p>
+          <a:p>
+            <a:pPr marL="1296000" lvl="2" indent="-288000">
+              <a:spcBef>
+                <a:spcPts val="850"/>
+              </a:spcBef>
+              <a:buClr>
+                <a:srgbClr val="000000"/>
+              </a:buClr>
+              <a:buSzPct val="45000"/>
+              <a:buFont typeface="Wingdings" charset="2"/>
+              <a:buChar char=""/>
+            </a:pPr>
+            <a:r>
+              <a:rPr lang="hu-HU" sz="2400" b="0" strike="noStrike" spc="-1">
+                <a:solidFill>
+                  <a:srgbClr val="0066CC"/>
+                </a:solidFill>
+                <a:latin typeface="Arial"/>
+              </a:rPr>
+              <a:t>Third Outline Level</a:t>
+            </a:r>
+          </a:p>
+          <a:p>
+            <a:pPr marL="1728000" lvl="3" indent="-216000">
+              <a:spcBef>
+                <a:spcPts val="567"/>
+              </a:spcBef>
+              <a:buClr>
+                <a:srgbClr val="000000"/>
+              </a:buClr>
+              <a:buSzPct val="75000"/>
+              <a:buFont typeface="Symbol" charset="2"/>
+              <a:buChar char=""/>
+            </a:pPr>
+            <a:r>
+              <a:rPr lang="hu-HU" sz="2000" b="0" strike="noStrike" spc="-1">
+                <a:solidFill>
+                  <a:srgbClr val="0066CC"/>
+                </a:solidFill>
+                <a:latin typeface="Arial"/>
+              </a:rPr>
+              <a:t>Fourth Outline Level</a:t>
+            </a:r>
+          </a:p>
+          <a:p>
+            <a:pPr marL="2160000" lvl="4" indent="-216000">
+              <a:spcBef>
+                <a:spcPts val="283"/>
+              </a:spcBef>
+              <a:buClr>
+                <a:srgbClr val="000000"/>
+              </a:buClr>
+              <a:buSzPct val="45000"/>
+              <a:buFont typeface="Wingdings" charset="2"/>
+              <a:buChar char=""/>
+            </a:pPr>
+            <a:r>
+              <a:rPr lang="hu-HU" sz="2000" b="0" strike="noStrike" spc="-1">
+                <a:solidFill>
+                  <a:srgbClr val="0066CC"/>
+                </a:solidFill>
+                <a:latin typeface="Arial"/>
+              </a:rPr>
+              <a:t>Fifth Outline Level</a:t>
+            </a:r>
+          </a:p>
+          <a:p>
+            <a:pPr marL="2592000" lvl="5" indent="-216000">
+              <a:spcBef>
+                <a:spcPts val="283"/>
+              </a:spcBef>
+              <a:buClr>
+                <a:srgbClr val="000000"/>
+              </a:buClr>
+              <a:buSzPct val="45000"/>
+              <a:buFont typeface="Wingdings" charset="2"/>
+              <a:buChar char=""/>
+            </a:pPr>
+            <a:r>
+              <a:rPr lang="hu-HU" sz="2000" b="0" strike="noStrike" spc="-1">
+                <a:solidFill>
+                  <a:srgbClr val="0066CC"/>
+                </a:solidFill>
+                <a:latin typeface="Arial"/>
+              </a:rPr>
+              <a:t>Sixth Outline Level</a:t>
+            </a:r>
+          </a:p>
+          <a:p>
+            <a:pPr marL="3024000" lvl="6" indent="-216000">
+              <a:spcBef>
+                <a:spcPts val="283"/>
+              </a:spcBef>
+              <a:buClr>
+                <a:srgbClr val="000000"/>
+              </a:buClr>
+              <a:buSzPct val="45000"/>
+              <a:buFont typeface="Wingdings" charset="2"/>
+              <a:buChar char=""/>
+            </a:pPr>
+            <a:r>
+              <a:rPr lang="hu-HU" sz="2000" b="0" strike="noStrike" spc="-1">
+                <a:solidFill>
+                  <a:srgbClr val="0066CC"/>
+                </a:solidFill>
+                <a:latin typeface="Arial"/>
+              </a:rPr>
+              <a:t>Seventh Outline Level</a:t>
+            </a:r>
+          </a:p>
+        </p:txBody>
+      </p:sp>
+      <p:sp>
+        <p:nvSpPr>
+          <p:cNvPr id="46" name="PlaceHolder 5"/>
+          <p:cNvSpPr>
+            <a:spLocks noGrp="1"/>
+          </p:cNvSpPr>
+          <p:nvPr>
+            <p:ph type="dt"/>
+          </p:nvPr>
+        </p:nvSpPr>
+        <p:spPr>
+          <a:xfrm>
+            <a:off x="504000" y="6887160"/>
+            <a:ext cx="2348280" cy="521280"/>
+          </a:xfrm>
+          <a:prstGeom prst="rect">
+            <a:avLst/>
+          </a:prstGeom>
+        </p:spPr>
+        <p:txBody>
+          <a:bodyPr lIns="0" tIns="0" rIns="0" bIns="0">
+            <a:noAutofit/>
+          </a:bodyPr>
+          <a:lstStyle/>
+          <a:p>
+            <a:r>
+              <a:rPr lang="hu-HU" sz="1400" b="0" strike="noStrike" spc="-1">
+                <a:latin typeface="Arial"/>
+              </a:rPr>
+              <a:t> </a:t>
+            </a:r>
+          </a:p>
+        </p:txBody>
+      </p:sp>
+      <p:sp>
+        <p:nvSpPr>
+          <p:cNvPr id="47" name="PlaceHolder 6"/>
+          <p:cNvSpPr>
+            <a:spLocks noGrp="1"/>
+          </p:cNvSpPr>
+          <p:nvPr>
+            <p:ph type="ftr"/>
+          </p:nvPr>
+        </p:nvSpPr>
+        <p:spPr>
+          <a:xfrm>
+            <a:off x="3447360" y="6887160"/>
+            <a:ext cx="3195000" cy="521280"/>
+          </a:xfrm>
+          <a:prstGeom prst="rect">
+            <a:avLst/>
+          </a:prstGeom>
+        </p:spPr>
+        <p:txBody>
+          <a:bodyPr lIns="0" tIns="0" rIns="0" bIns="0">
+            <a:noAutofit/>
+          </a:bodyPr>
+          <a:lstStyle/>
+          <a:p>
+            <a:pPr algn="ctr"/>
+            <a:r>
+              <a:rPr lang="hu-HU" sz="1400" b="0" strike="noStrike" spc="-1">
+                <a:latin typeface="Arial"/>
+              </a:rPr>
+              <a:t> </a:t>
+            </a:r>
+          </a:p>
+        </p:txBody>
+      </p:sp>
+      <p:sp>
+        <p:nvSpPr>
+          <p:cNvPr id="48" name="PlaceHolder 7"/>
+          <p:cNvSpPr>
+            <a:spLocks noGrp="1"/>
+          </p:cNvSpPr>
+          <p:nvPr>
+            <p:ph type="sldNum"/>
+          </p:nvPr>
+        </p:nvSpPr>
+        <p:spPr>
+          <a:xfrm>
+            <a:off x="7227360" y="6887160"/>
+            <a:ext cx="2348280" cy="521280"/>
+          </a:xfrm>
+          <a:prstGeom prst="rect">
+            <a:avLst/>
+          </a:prstGeom>
+        </p:spPr>
+        <p:txBody>
+          <a:bodyPr lIns="0" tIns="0" rIns="0" bIns="0">
+            <a:noAutofit/>
+          </a:bodyPr>
+          <a:lstStyle/>
+          <a:p>
+            <a:pPr algn="r"/>
+            <a:fld id="{D3E81F22-C628-4C6A-BEC7-0D40A160E5A8}" type="slidenum">
+              <a:rPr lang="hu-HU" sz="1400" b="0" strike="noStrike" spc="-1">
+                <a:latin typeface="Arial"/>
+              </a:rPr>
+              <a:t>‹#›</a:t>
+            </a:fld>
+            <a:endParaRPr lang="hu-HU" sz="1400" b="0" strike="noStrike" spc="-1">
+              <a:latin typeface="Arial"/>
+            </a:endParaRPr>
+          </a:p>
+        </p:txBody>
+      </p:sp>
+    </p:spTree>
+  </p:cSld>
+  <p:clrMap bg1="lt1" tx1="dk1" bg2="lt2" tx2="dk2" accent1="accent1" accent2="accent2" accent3="accent3" accent4="accent4" accent5="accent5" accent6="accent6" hlink="hlink" folHlink="folHlink"/>
+  <p:sldLayoutIdLst>
+    <p:sldLayoutId id="2147483662" r:id="rId1"/>
+    <p:sldLayoutId id="2147483663" r:id="rId2"/>
+    <p:sldLayoutId id="2147483664" r:id="rId3"/>
+    <p:sldLayoutId id="2147483665" r:id="rId4"/>
+    <p:sldLayoutId id="2147483666" r:id="rId5"/>
+    <p:sldLayoutId id="2147483667" r:id="rId6"/>
+    <p:sldLayoutId id="2147483668" r:id="rId7"/>
+    <p:sldLayoutId id="2147483669" r:id="rId8"/>
+    <p:sldLayoutId id="2147483670" r:id="rId9"/>
+    <p:sldLayoutId id="2147483671" r:id="rId10"/>
+    <p:sldLayoutId id="2147483672" r:id="rId11"/>
+    <p:sldLayoutId id="2147483673" r:id="rId12"/>
+  </p:sldLayoutIdLst>
+  <p:txStyles>
+    <p:titleStyle>
+      <a:lvl1pPr algn="l" defTabSz="914400" rtl="0" eaLnBrk="1" latinLnBrk="0" hangingPunct="1">
+        <a:lnSpc>
+          <a:spcPct val="90000"/>
+        </a:lnSpc>
+        <a:spcBef>
+          <a:spcPct val="0"/>
+        </a:spcBef>
+        <a:buNone/>
+        <a:defRPr sz="4400" kern="1200">
+          <a:solidFill>
+            <a:schemeClr val="tx1"/>
+          </a:solidFill>
+          <a:latin typeface="+mj-lt"/>
+          <a:ea typeface="+mj-ea"/>
+          <a:cs typeface="+mj-cs"/>
+        </a:defRPr>
+      </a:lvl1pPr>
+    </p:titleStyle>
+    <p:bodyStyle>
+      <a:lvl1pPr marL="228600" indent="-228600" algn="l" defTabSz="914400" rtl="0" eaLnBrk="1" latinLnBrk="0" hangingPunct="1">
+        <a:lnSpc>
+          <a:spcPct val="90000"/>
+        </a:lnSpc>
+        <a:spcBef>
+          <a:spcPts val="1000"/>
+        </a:spcBef>
+        <a:buFont typeface="Arial" panose="020B0604020202020204" pitchFamily="34" charset="0"/>
+        <a:buChar char="•"/>
+        <a:defRPr sz="2800" kern="1200">
+          <a:solidFill>
+            <a:schemeClr val="tx1"/>
+          </a:solidFill>
+          <a:latin typeface="+mn-lt"/>
+          <a:ea typeface="+mn-ea"/>
+          <a:cs typeface="+mn-cs"/>
+        </a:defRPr>
+      </a:lvl1pPr>
+      <a:lvl2pPr marL="685800" indent="-228600" algn="l" defTabSz="914400" rtl="0" eaLnBrk="1" latinLnBrk="0" hangingPunct="1">
+        <a:lnSpc>
+          <a:spcPct val="90000"/>
+        </a:lnSpc>
+        <a:spcBef>
+          <a:spcPts val="500"/>
+        </a:spcBef>
+        <a:buFont typeface="Arial" panose="020B0604020202020204" pitchFamily="34" charset="0"/>
+        <a:buChar char="•"/>
+        <a:defRPr sz="2400" kern="1200">
+          <a:solidFill>
+            <a:schemeClr val="tx1"/>
+          </a:solidFill>
+          <a:latin typeface="+mn-lt"/>
+          <a:ea typeface="+mn-ea"/>
+          <a:cs typeface="+mn-cs"/>
+        </a:defRPr>
+      </a:lvl2pPr>
+      <a:lvl3pPr marL="1143000" indent="-228600" algn="l" defTabSz="914400" rtl="0" eaLnBrk="1" latinLnBrk="0" hangingPunct="1">
+        <a:lnSpc>
+          <a:spcPct val="90000"/>
+        </a:lnSpc>
+        <a:spcBef>
+          <a:spcPts val="500"/>
+        </a:spcBef>
+        <a:buFont typeface="Arial" panose="020B0604020202020204" pitchFamily="34" charset="0"/>
+        <a:buChar char="•"/>
+        <a:defRPr sz="2000" kern="1200">
+          <a:solidFill>
+            <a:schemeClr val="tx1"/>
+          </a:solidFill>
+          <a:latin typeface="+mn-lt"/>
+          <a:ea typeface="+mn-ea"/>
+          <a:cs typeface="+mn-cs"/>
+        </a:defRPr>
+      </a:lvl3pPr>
+      <a:lvl4pPr marL="1600200" indent="-228600" algn="l" defTabSz="914400" rtl="0" eaLnBrk="1" latinLnBrk="0" hangingPunct="1">
+        <a:lnSpc>
+          <a:spcPct val="90000"/>
+        </a:lnSpc>
+        <a:spcBef>
+          <a:spcPts val="500"/>
+        </a:spcBef>
+        <a:buFont typeface="Arial" panose="020B0604020202020204" pitchFamily="34" charset="0"/>
+        <a:buChar char="•"/>
+        <a:defRPr sz="1800" kern="1200">
+          <a:solidFill>
+            <a:schemeClr val="tx1"/>
+          </a:solidFill>
+          <a:latin typeface="+mn-lt"/>
+          <a:ea typeface="+mn-ea"/>
+          <a:cs typeface="+mn-cs"/>
+        </a:defRPr>
+      </a:lvl4pPr>
+      <a:lvl5pPr marL="2057400" indent="-228600" algn="l" defTabSz="914400" rtl="0" eaLnBrk="1" latinLnBrk="0" hangingPunct="1">
+        <a:lnSpc>
+          <a:spcPct val="90000"/>
+        </a:lnSpc>
+        <a:spcBef>
+          <a:spcPts val="500"/>
+        </a:spcBef>
+        <a:buFont typeface="Arial" panose="020B0604020202020204" pitchFamily="34" charset="0"/>
+        <a:buChar char="•"/>
+        <a:defRPr sz="1800" kern="1200">
+          <a:solidFill>
+            <a:schemeClr val="tx1"/>
+          </a:solidFill>
+          <a:latin typeface="+mn-lt"/>
+          <a:ea typeface="+mn-ea"/>
+          <a:cs typeface="+mn-cs"/>
+        </a:defRPr>
+      </a:lvl5pPr>
+      <a:lvl6pPr marL="2514600" indent="-228600" algn="l" defTabSz="914400" rtl="0" eaLnBrk="1" latinLnBrk="0" hangingPunct="1">
+        <a:lnSpc>
+          <a:spcPct val="90000"/>
+        </a:lnSpc>
+        <a:spcBef>
+          <a:spcPts val="500"/>
+        </a:spcBef>
+        <a:buFont typeface="Arial" panose="020B0604020202020204" pitchFamily="34" charset="0"/>
+        <a:buChar char="•"/>
+        <a:defRPr sz="1800" kern="1200">
+          <a:solidFill>
+            <a:schemeClr val="tx1"/>
+          </a:solidFill>
+          <a:latin typeface="+mn-lt"/>
+          <a:ea typeface="+mn-ea"/>
+          <a:cs typeface="+mn-cs"/>
+        </a:defRPr>
+      </a:lvl6pPr>
+      <a:lvl7pPr marL="2971800" indent="-228600" algn="l" defTabSz="914400" rtl="0" eaLnBrk="1" latinLnBrk="0" hangingPunct="1">
+        <a:lnSpc>
+          <a:spcPct val="90000"/>
+        </a:lnSpc>
+        <a:spcBef>
+          <a:spcPts val="500"/>
+        </a:spcBef>
+        <a:buFont typeface="Arial" panose="020B0604020202020204" pitchFamily="34" charset="0"/>
+        <a:buChar char="•"/>
+        <a:defRPr sz="1800" kern="1200">
+          <a:solidFill>
+            <a:schemeClr val="tx1"/>
+          </a:solidFill>
+          <a:latin typeface="+mn-lt"/>
+          <a:ea typeface="+mn-ea"/>
+          <a:cs typeface="+mn-cs"/>
+        </a:defRPr>
+      </a:lvl7pPr>
+      <a:lvl8pPr marL="3429000" indent="-228600" algn="l" defTabSz="914400" rtl="0" eaLnBrk="1" latinLnBrk="0" hangingPunct="1">
+        <a:lnSpc>
+          <a:spcPct val="90000"/>
+        </a:lnSpc>
+        <a:spcBef>
+          <a:spcPts val="500"/>
+        </a:spcBef>
+        <a:buFont typeface="Arial" panose="020B0604020202020204" pitchFamily="34" charset="0"/>
+        <a:buChar char="•"/>
+        <a:defRPr sz="1800" kern="1200">
+          <a:solidFill>
+            <a:schemeClr val="tx1"/>
+          </a:solidFill>
+          <a:latin typeface="+mn-lt"/>
+          <a:ea typeface="+mn-ea"/>
+          <a:cs typeface="+mn-cs"/>
+        </a:defRPr>
+      </a:lvl8pPr>
+      <a:lvl9pPr marL="3886200" indent="-228600" algn="l" defTabSz="914400" rtl="0" eaLnBrk="1" latinLnBrk="0" hangingPunct="1">
+        <a:lnSpc>
+          <a:spcPct val="90000"/>
+        </a:lnSpc>
+        <a:spcBef>
+          <a:spcPts val="500"/>
+        </a:spcBef>
+        <a:buFont typeface="Arial" panose="020B0604020202020204" pitchFamily="34" charset="0"/>
+        <a:buChar char="•"/>
+        <a:defRPr sz="1800" kern="1200">
+          <a:solidFill>
+            <a:schemeClr val="tx1"/>
+          </a:solidFill>
+          <a:latin typeface="+mn-lt"/>
+          <a:ea typeface="+mn-ea"/>
+          <a:cs typeface="+mn-cs"/>
+        </a:defRPr>
+      </a:lvl9pPr>
+    </p:bodyStyle>
+    <p:otherStyle>
+      <a:defPPr>
+        <a:defRPr lang="en-US"/>
+      </a:defPPr>
+      <a:lvl1pPr marL="0" algn="l" defTabSz="914400" rtl="0" eaLnBrk="1" latinLnBrk="0" hangingPunct="1">
+        <a:defRPr sz="1800" kern="1200">
+          <a:solidFill>
+            <a:schemeClr val="tx1"/>
+          </a:solidFill>
+          <a:latin typeface="+mn-lt"/>
+          <a:ea typeface="+mn-ea"/>
+          <a:cs typeface="+mn-cs"/>
+        </a:defRPr>
+      </a:lvl1pPr>
+      <a:lvl2pPr marL="457200" algn="l" defTabSz="914400" rtl="0" eaLnBrk="1" latinLnBrk="0" hangingPunct="1">
+        <a:defRPr sz="1800" kern="1200">
+          <a:solidFill>
+            <a:schemeClr val="tx1"/>
+          </a:solidFill>
+          <a:latin typeface="+mn-lt"/>
+          <a:ea typeface="+mn-ea"/>
+          <a:cs typeface="+mn-cs"/>
+        </a:defRPr>
+      </a:lvl2pPr>
+      <a:lvl3pPr marL="914400" algn="l" defTabSz="914400" rtl="0" eaLnBrk="1" latinLnBrk="0" hangingPunct="1">
+        <a:defRPr sz="1800" kern="1200">
+          <a:solidFill>
+            <a:schemeClr val="tx1"/>
+          </a:solidFill>
+          <a:latin typeface="+mn-lt"/>
+          <a:ea typeface="+mn-ea"/>
+          <a:cs typeface="+mn-cs"/>
+        </a:defRPr>
+      </a:lvl3pPr>
+      <a:lvl4pPr marL="1371600" algn="l" defTabSz="914400" rtl="0" eaLnBrk="1" latinLnBrk="0" hangingPunct="1">
+        <a:defRPr sz="1800" kern="1200">
+          <a:solidFill>
+            <a:schemeClr val="tx1"/>
+          </a:solidFill>
+          <a:latin typeface="+mn-lt"/>
+          <a:ea typeface="+mn-ea"/>
+          <a:cs typeface="+mn-cs"/>
+        </a:defRPr>
+      </a:lvl4pPr>
+      <a:lvl5pPr marL="1828800" algn="l" defTabSz="914400" rtl="0" eaLnBrk="1" latinLnBrk="0" hangingPunct="1">
+        <a:defRPr sz="1800" kern="1200">
+          <a:solidFill>
+            <a:schemeClr val="tx1"/>
+          </a:solidFill>
+          <a:latin typeface="+mn-lt"/>
+          <a:ea typeface="+mn-ea"/>
+          <a:cs typeface="+mn-cs"/>
+        </a:defRPr>
+      </a:lvl5pPr>
+      <a:lvl6pPr marL="2286000" algn="l" defTabSz="914400" rtl="0" eaLnBrk="1" latinLnBrk="0" hangingPunct="1">
+        <a:defRPr sz="1800" kern="1200">
+          <a:solidFill>
+            <a:schemeClr val="tx1"/>
+          </a:solidFill>
+          <a:latin typeface="+mn-lt"/>
+          <a:ea typeface="+mn-ea"/>
+          <a:cs typeface="+mn-cs"/>
+        </a:defRPr>
+      </a:lvl6pPr>
+      <a:lvl7pPr marL="2743200" algn="l" defTabSz="914400" rtl="0" eaLnBrk="1" latinLnBrk="0" hangingPunct="1">
+        <a:defRPr sz="1800" kern="1200">
+          <a:solidFill>
+            <a:schemeClr val="tx1"/>
+          </a:solidFill>
+          <a:latin typeface="+mn-lt"/>
+          <a:ea typeface="+mn-ea"/>
+          <a:cs typeface="+mn-cs"/>
+        </a:defRPr>
+      </a:lvl7pPr>
+      <a:lvl8pPr marL="3200400" algn="l" defTabSz="914400" rtl="0" eaLnBrk="1" latinLnBrk="0" hangingPunct="1">
+        <a:defRPr sz="1800" kern="1200">
+          <a:solidFill>
+            <a:schemeClr val="tx1"/>
+          </a:solidFill>
+          <a:latin typeface="+mn-lt"/>
+          <a:ea typeface="+mn-ea"/>
+          <a:cs typeface="+mn-cs"/>
+        </a:defRPr>
+      </a:lvl8pPr>
+      <a:lvl9pPr marL="3657600" algn="l" defTabSz="914400" rtl="0" eaLnBrk="1" latinLnBrk="0" hangingPunct="1">
+        <a:defRPr sz="1800" kern="1200">
+          <a:solidFill>
+            <a:schemeClr val="tx1"/>
+          </a:solidFill>
+          <a:latin typeface="+mn-lt"/>
+          <a:ea typeface="+mn-ea"/>
+          <a:cs typeface="+mn-cs"/>
+        </a:defRPr>
+      </a:lvl9pPr>
+    </p:otherStyle>
+  </p:txStyles>
+</p:sldMaster>
+</file>
+
+<file path=ppt/slides/slide1.xml><?xml version="1.0" encoding="utf-8"?>
+<p:sld xmlns:a="http://schemas.openxmlformats.org/drawingml/2006/main" xmlns:r="http://schemas.openxmlformats.org/officeDocument/2006/relationships" xmlns:p="http://schemas.openxmlformats.org/presentationml/2006/main">
   <p:cSld>
     <p:spTree>
       <p:nvGrpSpPr>
@@ -3354,472 +4581,52 @@
       </p:grpSpPr>
       <p:sp>
         <p:nvSpPr>
-          <p:cNvPr id="42" name="CustomShape 1"/>
-          <p:cNvSpPr/>
+          <p:cNvPr id="85" name="TextShape 1"/>
+          <p:cNvSpPr txBox="1"/>
           <p:nvPr/>
         </p:nvSpPr>
         <p:spPr>
           <a:xfrm>
-            <a:off x="0" y="0"/>
-            <a:ext cx="10076760" cy="941760"/>
-          </a:xfrm>
-          <a:prstGeom prst="rect">
-            <a:avLst/>
-          </a:prstGeom>
-          <a:gradFill rotWithShape="0">
-            <a:gsLst>
-              <a:gs pos="0">
-                <a:srgbClr val="dff2fc"/>
-              </a:gs>
-              <a:gs pos="100000">
-                <a:srgbClr val="009bdd"/>
-              </a:gs>
-            </a:gsLst>
-            <a:lin ang="10800000"/>
-          </a:gradFill>
+            <a:off x="0" y="2341080"/>
+            <a:ext cx="9071640" cy="1262160"/>
+          </a:xfrm>
+          <a:prstGeom prst="rect">
+            <a:avLst/>
+          </a:prstGeom>
+          <a:noFill/>
           <a:ln>
             <a:noFill/>
           </a:ln>
         </p:spPr>
-        <p:style>
-          <a:lnRef idx="0"/>
-          <a:fillRef idx="0"/>
-          <a:effectRef idx="0"/>
-          <a:fontRef idx="minor"/>
-        </p:style>
-      </p:sp>
-      <p:sp>
-        <p:nvSpPr>
-          <p:cNvPr id="43" name="CustomShape 2"/>
-          <p:cNvSpPr/>
-          <p:nvPr/>
-        </p:nvSpPr>
-        <p:spPr>
-          <a:xfrm>
-            <a:off x="0" y="6620400"/>
-            <a:ext cx="10076760" cy="941760"/>
-          </a:xfrm>
-          <a:prstGeom prst="rect">
-            <a:avLst/>
-          </a:prstGeom>
-          <a:gradFill rotWithShape="0">
-            <a:gsLst>
-              <a:gs pos="0">
-                <a:srgbClr val="dff2fc"/>
-              </a:gs>
-              <a:gs pos="100000">
-                <a:srgbClr val="009bdd"/>
-              </a:gs>
-            </a:gsLst>
-            <a:lin ang="10800000"/>
-          </a:gradFill>
-          <a:ln>
-            <a:noFill/>
-          </a:ln>
-        </p:spPr>
-        <p:style>
-          <a:lnRef idx="0"/>
-          <a:fillRef idx="0"/>
-          <a:effectRef idx="0"/>
-          <a:fontRef idx="minor"/>
-        </p:style>
-      </p:sp>
-      <p:sp>
-        <p:nvSpPr>
-          <p:cNvPr id="44" name="PlaceHolder 3"/>
-          <p:cNvSpPr>
-            <a:spLocks noGrp="1"/>
-          </p:cNvSpPr>
-          <p:nvPr>
-            <p:ph type="title"/>
-          </p:nvPr>
-        </p:nvSpPr>
-        <p:spPr>
-          <a:xfrm>
-            <a:off x="504000" y="301320"/>
-            <a:ext cx="9071640" cy="637560"/>
-          </a:xfrm>
-          <a:prstGeom prst="rect">
-            <a:avLst/>
-          </a:prstGeom>
-        </p:spPr>
-        <p:txBody>
-          <a:bodyPr lIns="0" rIns="0" tIns="0" bIns="0" anchor="ctr">
-            <a:noAutofit/>
-          </a:bodyPr>
+        <p:txBody>
+          <a:bodyPr lIns="0" tIns="0" rIns="0" bIns="0" anchor="ctr">
+            <a:noAutofit/>
+          </a:bodyPr>
+          <a:lstStyle/>
           <a:p>
             <a:pPr algn="ctr"/>
             <a:r>
-              <a:rPr b="0" lang="hu-HU" sz="4400" spc="-1" strike="noStrike">
+              <a:rPr lang="hu-HU" sz="4400" b="0" strike="noStrike" spc="-1">
                 <a:solidFill>
-                  <a:srgbClr val="ffffff"/>
+                  <a:srgbClr val="006699"/>
                 </a:solidFill>
                 <a:latin typeface="Arial"/>
               </a:rPr>
-              <a:t>Click to edit the title text format</a:t>
-            </a:r>
-            <a:endParaRPr b="0" lang="hu-HU" sz="4400" spc="-1" strike="noStrike">
-              <a:solidFill>
-                <a:srgbClr val="ffffff"/>
-              </a:solidFill>
-              <a:latin typeface="Arial"/>
-            </a:endParaRPr>
-          </a:p>
-        </p:txBody>
-      </p:sp>
-      <p:sp>
-        <p:nvSpPr>
-          <p:cNvPr id="45" name="PlaceHolder 4"/>
-          <p:cNvSpPr>
-            <a:spLocks noGrp="1"/>
-          </p:cNvSpPr>
-          <p:nvPr>
-            <p:ph type="body"/>
-          </p:nvPr>
-        </p:nvSpPr>
-        <p:spPr>
-          <a:xfrm>
-            <a:off x="504000" y="1769040"/>
-            <a:ext cx="9071640" cy="4384440"/>
-          </a:xfrm>
-          <a:prstGeom prst="rect">
-            <a:avLst/>
-          </a:prstGeom>
-        </p:spPr>
-        <p:txBody>
-          <a:bodyPr lIns="0" rIns="0" tIns="0" bIns="0">
-            <a:noAutofit/>
-          </a:bodyPr>
-          <a:p>
-            <a:pPr marL="432000" indent="-324000">
-              <a:spcBef>
-                <a:spcPts val="1417"/>
-              </a:spcBef>
-              <a:buClr>
-                <a:srgbClr val="000000"/>
-              </a:buClr>
-              <a:buSzPct val="45000"/>
-              <a:buFont typeface="Wingdings" charset="2"/>
-              <a:buChar char=""/>
-            </a:pPr>
-            <a:r>
-              <a:rPr b="0" lang="hu-HU" sz="3200" spc="-1" strike="noStrike">
-                <a:solidFill>
-                  <a:srgbClr val="0066cc"/>
-                </a:solidFill>
-                <a:latin typeface="Arial"/>
-              </a:rPr>
-              <a:t>Click to edit the outline text format</a:t>
-            </a:r>
-            <a:endParaRPr b="0" lang="hu-HU" sz="3200" spc="-1" strike="noStrike">
-              <a:solidFill>
-                <a:srgbClr val="0066cc"/>
-              </a:solidFill>
-              <a:latin typeface="Arial"/>
-            </a:endParaRPr>
-          </a:p>
-          <a:p>
-            <a:pPr lvl="1" marL="864000" indent="-324000">
-              <a:spcBef>
-                <a:spcPts val="1134"/>
-              </a:spcBef>
-              <a:buClr>
-                <a:srgbClr val="000000"/>
-              </a:buClr>
-              <a:buSzPct val="75000"/>
-              <a:buFont typeface="Symbol" charset="2"/>
-              <a:buChar char=""/>
-            </a:pPr>
-            <a:r>
-              <a:rPr b="0" lang="hu-HU" sz="2800" spc="-1" strike="noStrike">
-                <a:solidFill>
-                  <a:srgbClr val="0066cc"/>
-                </a:solidFill>
-                <a:latin typeface="Arial"/>
-              </a:rPr>
-              <a:t>Second Outline Level</a:t>
-            </a:r>
-            <a:endParaRPr b="0" lang="hu-HU" sz="2800" spc="-1" strike="noStrike">
-              <a:solidFill>
-                <a:srgbClr val="0066cc"/>
-              </a:solidFill>
-              <a:latin typeface="Arial"/>
-            </a:endParaRPr>
-          </a:p>
-          <a:p>
-            <a:pPr lvl="2" marL="1296000" indent="-288000">
-              <a:spcBef>
-                <a:spcPts val="850"/>
-              </a:spcBef>
-              <a:buClr>
-                <a:srgbClr val="000000"/>
-              </a:buClr>
-              <a:buSzPct val="45000"/>
-              <a:buFont typeface="Wingdings" charset="2"/>
-              <a:buChar char=""/>
-            </a:pPr>
-            <a:r>
-              <a:rPr b="0" lang="hu-HU" sz="2400" spc="-1" strike="noStrike">
-                <a:solidFill>
-                  <a:srgbClr val="0066cc"/>
-                </a:solidFill>
-                <a:latin typeface="Arial"/>
-              </a:rPr>
-              <a:t>Third Outline Level</a:t>
-            </a:r>
-            <a:endParaRPr b="0" lang="hu-HU" sz="2400" spc="-1" strike="noStrike">
-              <a:solidFill>
-                <a:srgbClr val="0066cc"/>
-              </a:solidFill>
-              <a:latin typeface="Arial"/>
-            </a:endParaRPr>
-          </a:p>
-          <a:p>
-            <a:pPr lvl="3" marL="1728000" indent="-216000">
-              <a:spcBef>
-                <a:spcPts val="567"/>
-              </a:spcBef>
-              <a:buClr>
-                <a:srgbClr val="000000"/>
-              </a:buClr>
-              <a:buSzPct val="75000"/>
-              <a:buFont typeface="Symbol" charset="2"/>
-              <a:buChar char=""/>
-            </a:pPr>
-            <a:r>
-              <a:rPr b="0" lang="hu-HU" sz="2000" spc="-1" strike="noStrike">
-                <a:solidFill>
-                  <a:srgbClr val="0066cc"/>
-                </a:solidFill>
-                <a:latin typeface="Arial"/>
-              </a:rPr>
-              <a:t>Fourth Outline Level</a:t>
-            </a:r>
-            <a:endParaRPr b="0" lang="hu-HU" sz="2000" spc="-1" strike="noStrike">
-              <a:solidFill>
-                <a:srgbClr val="0066cc"/>
-              </a:solidFill>
-              <a:latin typeface="Arial"/>
-            </a:endParaRPr>
-          </a:p>
-          <a:p>
-            <a:pPr lvl="4" marL="2160000" indent="-216000">
-              <a:spcBef>
-                <a:spcPts val="283"/>
-              </a:spcBef>
-              <a:buClr>
-                <a:srgbClr val="000000"/>
-              </a:buClr>
-              <a:buSzPct val="45000"/>
-              <a:buFont typeface="Wingdings" charset="2"/>
-              <a:buChar char=""/>
-            </a:pPr>
-            <a:r>
-              <a:rPr b="0" lang="hu-HU" sz="2000" spc="-1" strike="noStrike">
-                <a:solidFill>
-                  <a:srgbClr val="0066cc"/>
-                </a:solidFill>
-                <a:latin typeface="Arial"/>
-              </a:rPr>
-              <a:t>Fifth Outline Level</a:t>
-            </a:r>
-            <a:endParaRPr b="0" lang="hu-HU" sz="2000" spc="-1" strike="noStrike">
-              <a:solidFill>
-                <a:srgbClr val="0066cc"/>
-              </a:solidFill>
-              <a:latin typeface="Arial"/>
-            </a:endParaRPr>
-          </a:p>
-          <a:p>
-            <a:pPr lvl="5" marL="2592000" indent="-216000">
-              <a:spcBef>
-                <a:spcPts val="283"/>
-              </a:spcBef>
-              <a:buClr>
-                <a:srgbClr val="000000"/>
-              </a:buClr>
-              <a:buSzPct val="45000"/>
-              <a:buFont typeface="Wingdings" charset="2"/>
-              <a:buChar char=""/>
-            </a:pPr>
-            <a:r>
-              <a:rPr b="0" lang="hu-HU" sz="2000" spc="-1" strike="noStrike">
-                <a:solidFill>
-                  <a:srgbClr val="0066cc"/>
-                </a:solidFill>
-                <a:latin typeface="Arial"/>
-              </a:rPr>
-              <a:t>Sixth Outline Level</a:t>
-            </a:r>
-            <a:endParaRPr b="0" lang="hu-HU" sz="2000" spc="-1" strike="noStrike">
-              <a:solidFill>
-                <a:srgbClr val="0066cc"/>
-              </a:solidFill>
-              <a:latin typeface="Arial"/>
-            </a:endParaRPr>
-          </a:p>
-          <a:p>
-            <a:pPr lvl="6" marL="3024000" indent="-216000">
-              <a:spcBef>
-                <a:spcPts val="283"/>
-              </a:spcBef>
-              <a:buClr>
-                <a:srgbClr val="000000"/>
-              </a:buClr>
-              <a:buSzPct val="45000"/>
-              <a:buFont typeface="Wingdings" charset="2"/>
-              <a:buChar char=""/>
-            </a:pPr>
-            <a:r>
-              <a:rPr b="0" lang="hu-HU" sz="2000" spc="-1" strike="noStrike">
-                <a:solidFill>
-                  <a:srgbClr val="0066cc"/>
-                </a:solidFill>
-                <a:latin typeface="Arial"/>
-              </a:rPr>
-              <a:t>Seventh Outline Level</a:t>
-            </a:r>
-            <a:endParaRPr b="0" lang="hu-HU" sz="2000" spc="-1" strike="noStrike">
-              <a:solidFill>
-                <a:srgbClr val="0066cc"/>
-              </a:solidFill>
-              <a:latin typeface="Arial"/>
-            </a:endParaRPr>
-          </a:p>
-        </p:txBody>
-      </p:sp>
-      <p:sp>
-        <p:nvSpPr>
-          <p:cNvPr id="46" name="PlaceHolder 5"/>
-          <p:cNvSpPr>
-            <a:spLocks noGrp="1"/>
-          </p:cNvSpPr>
-          <p:nvPr>
-            <p:ph type="dt"/>
-          </p:nvPr>
-        </p:nvSpPr>
-        <p:spPr>
-          <a:xfrm>
-            <a:off x="504000" y="6887160"/>
-            <a:ext cx="2348280" cy="521280"/>
-          </a:xfrm>
-          <a:prstGeom prst="rect">
-            <a:avLst/>
-          </a:prstGeom>
-        </p:spPr>
-        <p:txBody>
-          <a:bodyPr lIns="0" rIns="0" tIns="0" bIns="0">
-            <a:noAutofit/>
-          </a:bodyPr>
-          <a:p>
-            <a:r>
-              <a:rPr b="0" lang="hu-HU" sz="1400" spc="-1" strike="noStrike">
-                <a:latin typeface="Arial"/>
-              </a:rPr>
-              <a:t> </a:t>
-            </a:r>
-            <a:endParaRPr b="0" lang="hu-HU" sz="1400" spc="-1" strike="noStrike">
-              <a:latin typeface="Arial"/>
-            </a:endParaRPr>
-          </a:p>
-        </p:txBody>
-      </p:sp>
-      <p:sp>
-        <p:nvSpPr>
-          <p:cNvPr id="47" name="PlaceHolder 6"/>
-          <p:cNvSpPr>
-            <a:spLocks noGrp="1"/>
-          </p:cNvSpPr>
-          <p:nvPr>
-            <p:ph type="ftr"/>
-          </p:nvPr>
-        </p:nvSpPr>
-        <p:spPr>
-          <a:xfrm>
-            <a:off x="3447360" y="6887160"/>
-            <a:ext cx="3195000" cy="521280"/>
-          </a:xfrm>
-          <a:prstGeom prst="rect">
-            <a:avLst/>
-          </a:prstGeom>
-        </p:spPr>
-        <p:txBody>
-          <a:bodyPr lIns="0" rIns="0" tIns="0" bIns="0">
-            <a:noAutofit/>
-          </a:bodyPr>
-          <a:p>
-            <a:pPr algn="ctr"/>
-            <a:r>
-              <a:rPr b="0" lang="hu-HU" sz="1400" spc="-1" strike="noStrike">
-                <a:latin typeface="Arial"/>
-              </a:rPr>
-              <a:t> </a:t>
-            </a:r>
-            <a:endParaRPr b="0" lang="hu-HU" sz="1400" spc="-1" strike="noStrike">
-              <a:latin typeface="Arial"/>
-            </a:endParaRPr>
-          </a:p>
-        </p:txBody>
-      </p:sp>
-      <p:sp>
-        <p:nvSpPr>
-          <p:cNvPr id="48" name="PlaceHolder 7"/>
-          <p:cNvSpPr>
-            <a:spLocks noGrp="1"/>
-          </p:cNvSpPr>
-          <p:nvPr>
-            <p:ph type="sldNum"/>
-          </p:nvPr>
-        </p:nvSpPr>
-        <p:spPr>
-          <a:xfrm>
-            <a:off x="7227360" y="6887160"/>
-            <a:ext cx="2348280" cy="521280"/>
-          </a:xfrm>
-          <a:prstGeom prst="rect">
-            <a:avLst/>
-          </a:prstGeom>
-        </p:spPr>
-        <p:txBody>
-          <a:bodyPr lIns="0" rIns="0" tIns="0" bIns="0">
-            <a:noAutofit/>
-          </a:bodyPr>
-          <a:p>
-            <a:pPr algn="r"/>
-            <a:fld id="{D3E81F22-C628-4C6A-BEC7-0D40A160E5A8}" type="slidenum">
-              <a:rPr b="0" lang="hu-HU" sz="1400" spc="-1" strike="noStrike">
-                <a:latin typeface="Arial"/>
-              </a:rPr>
-              <a:t>1</a:t>
-            </a:fld>
-            <a:endParaRPr b="0" lang="hu-HU" sz="1400" spc="-1" strike="noStrike">
-              <a:latin typeface="Arial"/>
-            </a:endParaRPr>
+              <a:t>Gamers Connect</a:t>
+            </a:r>
           </a:p>
         </p:txBody>
       </p:sp>
     </p:spTree>
   </p:cSld>
-  <p:clrMap bg1="lt1" bg2="lt2" tx1="dk1" tx2="dk2" accent1="accent1" accent2="accent2" accent3="accent3" accent4="accent4" accent5="accent5" accent6="accent6" hlink="hlink" folHlink="folHlink"/>
-  <p:sldLayoutIdLst>
-    <p:sldLayoutId id="2147483662" r:id="rId2"/>
-    <p:sldLayoutId id="2147483663" r:id="rId3"/>
-    <p:sldLayoutId id="2147483664" r:id="rId4"/>
-    <p:sldLayoutId id="2147483665" r:id="rId5"/>
-    <p:sldLayoutId id="2147483666" r:id="rId6"/>
-    <p:sldLayoutId id="2147483667" r:id="rId7"/>
-    <p:sldLayoutId id="2147483668" r:id="rId8"/>
-    <p:sldLayoutId id="2147483669" r:id="rId9"/>
-    <p:sldLayoutId id="2147483670" r:id="rId10"/>
-    <p:sldLayoutId id="2147483671" r:id="rId11"/>
-    <p:sldLayoutId id="2147483672" r:id="rId12"/>
-    <p:sldLayoutId id="2147483673" r:id="rId13"/>
-  </p:sldLayoutIdLst>
-</p:sldMaster>
+  <p:clrMapOvr>
+    <a:masterClrMapping/>
+  </p:clrMapOvr>
+</p:sld>
 </file>
 
-<file path=ppt/slides/slide1.xml><?xml version="1.0" encoding="utf-8"?>
-<p:sld xmlns:a="http://schemas.openxmlformats.org/drawingml/2006/main" xmlns:p="http://schemas.openxmlformats.org/presentationml/2006/main" xmlns:r="http://schemas.openxmlformats.org/officeDocument/2006/relationships" xmlns:p14="http://schemas.microsoft.com/office/powerpoint/2010/main" xmlns:p15="http://schemas.microsoft.com/office/powerpoint/2012/main" xmlns:mc="http://schemas.openxmlformats.org/markup-compatibility/2006">
+<file path=ppt/slides/slide10.xml><?xml version="1.0" encoding="utf-8"?>
+<p:sld xmlns:a="http://schemas.openxmlformats.org/drawingml/2006/main" xmlns:r="http://schemas.openxmlformats.org/officeDocument/2006/relationships" xmlns:p="http://schemas.openxmlformats.org/presentationml/2006/main">
   <p:cSld>
     <p:spTree>
       <p:nvGrpSpPr>
@@ -3837,14 +4644,14 @@
       </p:grpSpPr>
       <p:sp>
         <p:nvSpPr>
-          <p:cNvPr id="85" name="TextShape 1"/>
+          <p:cNvPr id="104" name="TextShape 1"/>
           <p:cNvSpPr txBox="1"/>
           <p:nvPr/>
         </p:nvSpPr>
         <p:spPr>
           <a:xfrm>
-            <a:off x="0" y="2341080"/>
-            <a:ext cx="9071640" cy="1262160"/>
+            <a:off x="504000" y="301320"/>
+            <a:ext cx="9071640" cy="637560"/>
           </a:xfrm>
           <a:prstGeom prst="rect">
             <a:avLst/>
@@ -3855,44 +4662,137 @@
           </a:ln>
         </p:spPr>
         <p:txBody>
-          <a:bodyPr lIns="0" rIns="0" tIns="0" bIns="0" anchor="ctr">
-            <a:noAutofit/>
-          </a:bodyPr>
+          <a:bodyPr lIns="0" tIns="0" rIns="0" bIns="0" anchor="ctr">
+            <a:noAutofit/>
+          </a:bodyPr>
+          <a:lstStyle/>
           <a:p>
             <a:pPr algn="ctr"/>
             <a:r>
-              <a:rPr b="0" lang="hu-HU" sz="4400" spc="-1" strike="noStrike">
+              <a:rPr lang="hu-HU" sz="4400" b="0" strike="noStrike" spc="-1">
                 <a:solidFill>
-                  <a:srgbClr val="006699"/>
+                  <a:srgbClr val="FFFFFF"/>
                 </a:solidFill>
                 <a:latin typeface="Arial"/>
               </a:rPr>
-              <a:t>Gamers Connect</a:t>
-            </a:r>
-            <a:endParaRPr b="0" lang="hu-HU" sz="4400" spc="-1" strike="noStrike">
-              <a:solidFill>
-                <a:srgbClr val="006699"/>
-              </a:solidFill>
-              <a:latin typeface="Arial"/>
-            </a:endParaRPr>
-          </a:p>
-        </p:txBody>
-      </p:sp>
+              <a:t>Android és Firebase</a:t>
+            </a:r>
+          </a:p>
+        </p:txBody>
+      </p:sp>
+      <p:sp>
+        <p:nvSpPr>
+          <p:cNvPr id="105" name="TextShape 2"/>
+          <p:cNvSpPr txBox="1"/>
+          <p:nvPr/>
+        </p:nvSpPr>
+        <p:spPr>
+          <a:xfrm>
+            <a:off x="504000" y="1769040"/>
+            <a:ext cx="2808000" cy="4384440"/>
+          </a:xfrm>
+          <a:prstGeom prst="rect">
+            <a:avLst/>
+          </a:prstGeom>
+          <a:noFill/>
+          <a:ln>
+            <a:noFill/>
+          </a:ln>
+        </p:spPr>
+        <p:txBody>
+          <a:bodyPr lIns="0" tIns="0" rIns="0" bIns="0">
+            <a:noAutofit/>
+          </a:bodyPr>
+          <a:lstStyle/>
+          <a:p>
+            <a:pPr marL="432000" indent="-324000">
+              <a:spcBef>
+                <a:spcPts val="1417"/>
+              </a:spcBef>
+              <a:buClr>
+                <a:srgbClr val="000000"/>
+              </a:buClr>
+              <a:buSzPct val="45000"/>
+              <a:buFont typeface="Wingdings" charset="2"/>
+              <a:buChar char=""/>
+            </a:pPr>
+            <a:r>
+              <a:rPr lang="hu-HU" sz="3200" b="0" strike="noStrike" spc="-1">
+                <a:solidFill>
+                  <a:srgbClr val="0066CC"/>
+                </a:solidFill>
+                <a:latin typeface="Arial"/>
+              </a:rPr>
+              <a:t>A folyamatos listanézethez (ún. RecyclerView) külön adapter alkalmazása</a:t>
+            </a:r>
+            <a:br/>
+            <a:r>
+              <a:rPr lang="hu-HU" sz="3200" b="0" strike="noStrike" spc="-1">
+                <a:solidFill>
+                  <a:srgbClr val="0066CC"/>
+                </a:solidFill>
+                <a:latin typeface="Arial"/>
+              </a:rPr>
+              <a:t>(a kód eleje):</a:t>
+            </a:r>
+          </a:p>
+          <a:p>
+            <a:pPr marL="432000" indent="-324000">
+              <a:spcBef>
+                <a:spcPts val="1417"/>
+              </a:spcBef>
+              <a:buClr>
+                <a:srgbClr val="000000"/>
+              </a:buClr>
+              <a:buSzPct val="45000"/>
+              <a:buFont typeface="Wingdings" charset="2"/>
+              <a:buChar char=""/>
+            </a:pPr>
+            <a:r>
+              <a:rPr lang="hu-HU" sz="3200" b="0" strike="noStrike" spc="-1">
+                <a:solidFill>
+                  <a:srgbClr val="0066CC"/>
+                </a:solidFill>
+                <a:latin typeface="Arial"/>
+              </a:rPr>
+              <a:t> </a:t>
+            </a:r>
+          </a:p>
+        </p:txBody>
+      </p:sp>
+      <p:pic>
+        <p:nvPicPr>
+          <p:cNvPr id="106" name="Kép 105"/>
+          <p:cNvPicPr/>
+          <p:nvPr/>
+        </p:nvPicPr>
+        <p:blipFill>
+          <a:blip r:embed="rId2"/>
+          <a:stretch/>
+        </p:blipFill>
+        <p:spPr>
+          <a:xfrm>
+            <a:off x="3520440" y="981000"/>
+            <a:ext cx="6465960" cy="5283000"/>
+          </a:xfrm>
+          <a:prstGeom prst="rect">
+            <a:avLst/>
+          </a:prstGeom>
+          <a:ln>
+            <a:noFill/>
+          </a:ln>
+        </p:spPr>
+      </p:pic>
     </p:spTree>
   </p:cSld>
-  <mc:AlternateContent>
-    <mc:Choice Requires="p14">
-      <p:transition spd="slow" p14:dur="2000"/>
-    </mc:Choice>
-    <mc:Fallback>
-      <p:transition spd="slow"/>
-    </mc:Fallback>
-  </mc:AlternateContent>
+  <p:clrMapOvr>
+    <a:masterClrMapping/>
+  </p:clrMapOvr>
 </p:sld>
 </file>
 
-<file path=ppt/slides/slide10.xml><?xml version="1.0" encoding="utf-8"?>
-<p:sld xmlns:a="http://schemas.openxmlformats.org/drawingml/2006/main" xmlns:p="http://schemas.openxmlformats.org/presentationml/2006/main" xmlns:r="http://schemas.openxmlformats.org/officeDocument/2006/relationships" xmlns:p14="http://schemas.microsoft.com/office/powerpoint/2010/main" xmlns:p15="http://schemas.microsoft.com/office/powerpoint/2012/main" xmlns:mc="http://schemas.openxmlformats.org/markup-compatibility/2006">
+<file path=ppt/slides/slide11.xml><?xml version="1.0" encoding="utf-8"?>
+<p:sld xmlns:a="http://schemas.openxmlformats.org/drawingml/2006/main" xmlns:r="http://schemas.openxmlformats.org/officeDocument/2006/relationships" xmlns:p="http://schemas.openxmlformats.org/presentationml/2006/main">
   <p:cSld>
     <p:spTree>
       <p:nvGrpSpPr>
@@ -3910,7 +4810,7 @@
       </p:grpSpPr>
       <p:sp>
         <p:nvSpPr>
-          <p:cNvPr id="104" name="TextShape 1"/>
+          <p:cNvPr id="107" name="TextShape 1"/>
           <p:cNvSpPr txBox="1"/>
           <p:nvPr/>
         </p:nvSpPr>
@@ -3928,32 +4828,27 @@
           </a:ln>
         </p:spPr>
         <p:txBody>
-          <a:bodyPr lIns="0" rIns="0" tIns="0" bIns="0" anchor="ctr">
-            <a:noAutofit/>
-          </a:bodyPr>
+          <a:bodyPr lIns="0" tIns="0" rIns="0" bIns="0" anchor="ctr">
+            <a:noAutofit/>
+          </a:bodyPr>
+          <a:lstStyle/>
           <a:p>
             <a:pPr algn="ctr"/>
             <a:r>
-              <a:rPr b="0" lang="hu-HU" sz="4400" spc="-1" strike="noStrike">
+              <a:rPr lang="hu-HU" sz="4400" b="0" strike="noStrike" spc="-1">
                 <a:solidFill>
-                  <a:srgbClr val="ffffff"/>
+                  <a:srgbClr val="FFFFFF"/>
                 </a:solidFill>
                 <a:latin typeface="Arial"/>
               </a:rPr>
               <a:t>Android és Firebase</a:t>
             </a:r>
-            <a:endParaRPr b="0" lang="hu-HU" sz="4400" spc="-1" strike="noStrike">
-              <a:solidFill>
-                <a:srgbClr val="ffffff"/>
-              </a:solidFill>
-              <a:latin typeface="Arial"/>
-            </a:endParaRPr>
-          </a:p>
-        </p:txBody>
-      </p:sp>
-      <p:sp>
-        <p:nvSpPr>
-          <p:cNvPr id="105" name="TextShape 2"/>
+          </a:p>
+        </p:txBody>
+      </p:sp>
+      <p:sp>
+        <p:nvSpPr>
+          <p:cNvPr id="108" name="TextShape 2"/>
           <p:cNvSpPr txBox="1"/>
           <p:nvPr/>
         </p:nvSpPr>
@@ -3971,9 +4866,10 @@
           </a:ln>
         </p:spPr>
         <p:txBody>
-          <a:bodyPr lIns="0" rIns="0" tIns="0" bIns="0">
-            <a:noAutofit/>
-          </a:bodyPr>
+          <a:bodyPr lIns="0" tIns="0" rIns="0" bIns="0">
+            <a:noAutofit/>
+          </a:bodyPr>
+          <a:lstStyle/>
           <a:p>
             <a:pPr marL="432000" indent="-324000">
               <a:spcBef>
@@ -3987,30 +4883,74 @@
               <a:buChar char=""/>
             </a:pPr>
             <a:r>
-              <a:rPr b="0" lang="hu-HU" sz="3200" spc="-1" strike="noStrike">
+              <a:rPr lang="hu-HU" sz="3200" b="0" strike="noStrike" spc="-1">
                 <a:solidFill>
-                  <a:srgbClr val="0066cc"/>
+                  <a:srgbClr val="0066CC"/>
                 </a:solidFill>
                 <a:latin typeface="Arial"/>
               </a:rPr>
-              <a:t>A folyamatos listanézethez (ún. RecyclerView) külön adapter alkalmazása</a:t>
+              <a:t>SELECT</a:t>
             </a:r>
             <a:br/>
             <a:r>
-              <a:rPr b="0" lang="hu-HU" sz="3200" spc="-1" strike="noStrike">
+              <a:rPr lang="hu-HU" sz="3200" b="0" strike="noStrike" spc="-1">
                 <a:solidFill>
-                  <a:srgbClr val="0066cc"/>
+                  <a:srgbClr val="0066CC"/>
                 </a:solidFill>
                 <a:latin typeface="Arial"/>
               </a:rPr>
-              <a:t>(a kód eleje):</a:t>
-            </a:r>
-            <a:endParaRPr b="0" lang="hu-HU" sz="3200" spc="-1" strike="noStrike">
-              <a:solidFill>
-                <a:srgbClr val="0066cc"/>
-              </a:solidFill>
-              <a:latin typeface="Arial"/>
-            </a:endParaRPr>
+              <a:t>profilePic,</a:t>
+            </a:r>
+            <a:br/>
+            <a:r>
+              <a:rPr lang="hu-HU" sz="3200" b="0" strike="noStrike" spc="-1">
+                <a:solidFill>
+                  <a:srgbClr val="0066CC"/>
+                </a:solidFill>
+                <a:latin typeface="Arial"/>
+              </a:rPr>
+              <a:t>username</a:t>
+            </a:r>
+            <a:br/>
+            <a:r>
+              <a:rPr lang="hu-HU" sz="3200" b="0" strike="noStrike" spc="-1">
+                <a:solidFill>
+                  <a:srgbClr val="0066CC"/>
+                </a:solidFill>
+                <a:latin typeface="Arial"/>
+              </a:rPr>
+              <a:t>FROM </a:t>
+            </a:r>
+            <a:br/>
+            <a:r>
+              <a:rPr lang="hu-HU" sz="3200" b="0" strike="noStrike" spc="-1">
+                <a:solidFill>
+                  <a:srgbClr val="0066CC"/>
+                </a:solidFill>
+                <a:latin typeface="Arial"/>
+              </a:rPr>
+              <a:t>users</a:t>
+            </a:r>
+            <a:br/>
+            <a:r>
+              <a:rPr lang="hu-HU" sz="3200" b="0" strike="noStrike" spc="-1">
+                <a:solidFill>
+                  <a:srgbClr val="0066CC"/>
+                </a:solidFill>
+                <a:latin typeface="Arial"/>
+              </a:rPr>
+              <a:t>WHERE</a:t>
+            </a:r>
+            <a:br/>
+            <a:r>
+              <a:rPr lang="hu-HU" sz="3200" b="0" strike="noStrike" spc="-1">
+                <a:solidFill>
+                  <a:srgbClr val="0066CC"/>
+                </a:solidFill>
+                <a:latin typeface="Arial"/>
+              </a:rPr>
+              <a:t>uid = uid:</a:t>
+            </a:r>
           </a:p>
           <a:p>
             <a:pPr marL="432000" indent="-324000">
@@ -4025,37 +4965,31 @@
               <a:buChar char=""/>
             </a:pPr>
             <a:r>
-              <a:rPr b="0" lang="hu-HU" sz="3200" spc="-1" strike="noStrike">
+              <a:rPr lang="hu-HU" sz="3200" b="0" strike="noStrike" spc="-1">
                 <a:solidFill>
-                  <a:srgbClr val="0066cc"/>
+                  <a:srgbClr val="0066CC"/>
                 </a:solidFill>
                 <a:latin typeface="Arial"/>
               </a:rPr>
               <a:t> </a:t>
             </a:r>
-            <a:endParaRPr b="0" lang="hu-HU" sz="3200" spc="-1" strike="noStrike">
-              <a:solidFill>
-                <a:srgbClr val="0066cc"/>
-              </a:solidFill>
-              <a:latin typeface="Arial"/>
-            </a:endParaRPr>
           </a:p>
         </p:txBody>
       </p:sp>
       <p:pic>
         <p:nvPicPr>
-          <p:cNvPr id="106" name="" descr=""/>
+          <p:cNvPr id="109" name="Kép 108"/>
           <p:cNvPicPr/>
           <p:nvPr/>
         </p:nvPicPr>
         <p:blipFill>
-          <a:blip r:embed="rId1"/>
+          <a:blip r:embed="rId2"/>
           <a:stretch/>
         </p:blipFill>
         <p:spPr>
           <a:xfrm>
-            <a:off x="3520440" y="981000"/>
-            <a:ext cx="6465960" cy="5283000"/>
+            <a:off x="3240000" y="1471320"/>
+            <a:ext cx="6818400" cy="3856680"/>
           </a:xfrm>
           <a:prstGeom prst="rect">
             <a:avLst/>
@@ -4067,19 +5001,14 @@
       </p:pic>
     </p:spTree>
   </p:cSld>
-  <mc:AlternateContent>
-    <mc:Choice Requires="p14">
-      <p:transition spd="slow" p14:dur="2000"/>
-    </mc:Choice>
-    <mc:Fallback>
-      <p:transition spd="slow"/>
-    </mc:Fallback>
-  </mc:AlternateContent>
+  <p:clrMapOvr>
+    <a:masterClrMapping/>
+  </p:clrMapOvr>
 </p:sld>
 </file>
 
-<file path=ppt/slides/slide11.xml><?xml version="1.0" encoding="utf-8"?>
-<p:sld xmlns:a="http://schemas.openxmlformats.org/drawingml/2006/main" xmlns:p="http://schemas.openxmlformats.org/presentationml/2006/main" xmlns:r="http://schemas.openxmlformats.org/officeDocument/2006/relationships" xmlns:p14="http://schemas.microsoft.com/office/powerpoint/2010/main" xmlns:p15="http://schemas.microsoft.com/office/powerpoint/2012/main" xmlns:mc="http://schemas.openxmlformats.org/markup-compatibility/2006">
+<file path=ppt/slides/slide12.xml><?xml version="1.0" encoding="utf-8"?>
+<p:sld xmlns:a="http://schemas.openxmlformats.org/drawingml/2006/main" xmlns:r="http://schemas.openxmlformats.org/officeDocument/2006/relationships" xmlns:p="http://schemas.openxmlformats.org/presentationml/2006/main">
   <p:cSld>
     <p:spTree>
       <p:nvGrpSpPr>
@@ -4097,7 +5026,7 @@
       </p:grpSpPr>
       <p:sp>
         <p:nvSpPr>
-          <p:cNvPr id="107" name="TextShape 1"/>
+          <p:cNvPr id="110" name="TextShape 1"/>
           <p:cNvSpPr txBox="1"/>
           <p:nvPr/>
         </p:nvSpPr>
@@ -4115,39 +5044,34 @@
           </a:ln>
         </p:spPr>
         <p:txBody>
-          <a:bodyPr lIns="0" rIns="0" tIns="0" bIns="0" anchor="ctr">
-            <a:noAutofit/>
-          </a:bodyPr>
+          <a:bodyPr lIns="0" tIns="0" rIns="0" bIns="0" anchor="ctr">
+            <a:noAutofit/>
+          </a:bodyPr>
+          <a:lstStyle/>
           <a:p>
             <a:pPr algn="ctr"/>
             <a:r>
-              <a:rPr b="0" lang="hu-HU" sz="4400" spc="-1" strike="noStrike">
+              <a:rPr lang="hu-HU" sz="4400" b="0" strike="noStrike" spc="-1">
                 <a:solidFill>
-                  <a:srgbClr val="ffffff"/>
+                  <a:srgbClr val="FFFFFF"/>
                 </a:solidFill>
                 <a:latin typeface="Arial"/>
               </a:rPr>
-              <a:t>Android és Firebase</a:t>
-            </a:r>
-            <a:endParaRPr b="0" lang="hu-HU" sz="4400" spc="-1" strike="noStrike">
-              <a:solidFill>
-                <a:srgbClr val="ffffff"/>
-              </a:solidFill>
-              <a:latin typeface="Arial"/>
-            </a:endParaRPr>
-          </a:p>
-        </p:txBody>
-      </p:sp>
-      <p:sp>
-        <p:nvSpPr>
-          <p:cNvPr id="108" name="TextShape 2"/>
+              <a:t>Kihívások</a:t>
+            </a:r>
+          </a:p>
+        </p:txBody>
+      </p:sp>
+      <p:sp>
+        <p:nvSpPr>
+          <p:cNvPr id="111" name="TextShape 2"/>
           <p:cNvSpPr txBox="1"/>
           <p:nvPr/>
         </p:nvSpPr>
         <p:spPr>
           <a:xfrm>
             <a:off x="504000" y="1769040"/>
-            <a:ext cx="2808000" cy="4384440"/>
+            <a:ext cx="9072000" cy="4384440"/>
           </a:xfrm>
           <a:prstGeom prst="rect">
             <a:avLst/>
@@ -4158,9 +5082,10 @@
           </a:ln>
         </p:spPr>
         <p:txBody>
-          <a:bodyPr lIns="0" rIns="0" tIns="0" bIns="0">
-            <a:noAutofit/>
-          </a:bodyPr>
+          <a:bodyPr lIns="0" tIns="0" rIns="0" bIns="0">
+            <a:noAutofit/>
+          </a:bodyPr>
+          <a:lstStyle/>
           <a:p>
             <a:pPr marL="432000" indent="-324000">
               <a:spcBef>
@@ -4174,80 +5099,32 @@
               <a:buChar char=""/>
             </a:pPr>
             <a:r>
-              <a:rPr b="0" lang="hu-HU" sz="3200" spc="-1" strike="noStrike">
+              <a:rPr lang="hu-HU" sz="3200" b="0" strike="noStrike" spc="-1" dirty="0">
                 <a:solidFill>
-                  <a:srgbClr val="0066cc"/>
+                  <a:srgbClr val="0066CC"/>
                 </a:solidFill>
                 <a:latin typeface="Arial"/>
               </a:rPr>
-              <a:t>SELECT</a:t>
-            </a:r>
-            <a:br/>
-            <a:r>
-              <a:rPr b="0" lang="hu-HU" sz="3200" spc="-1" strike="noStrike">
+              <a:t>Zsuzsi: </a:t>
+            </a:r>
+            <a:r>
+              <a:rPr lang="hu-HU" sz="3200" b="0" strike="noStrike" spc="-1" dirty="0" err="1">
                 <a:solidFill>
-                  <a:srgbClr val="0066cc"/>
+                  <a:srgbClr val="0066CC"/>
                 </a:solidFill>
                 <a:latin typeface="Arial"/>
               </a:rPr>
-              <a:t>profilePic,</a:t>
-            </a:r>
-            <a:br/>
-            <a:r>
-              <a:rPr b="0" lang="hu-HU" sz="3200" spc="-1" strike="noStrike">
+              <a:t>Firebase</a:t>
+            </a:r>
+            <a:r>
+              <a:rPr lang="hu-HU" sz="3200" b="0" strike="noStrike" spc="-1" dirty="0">
                 <a:solidFill>
-                  <a:srgbClr val="0066cc"/>
+                  <a:srgbClr val="0066CC"/>
                 </a:solidFill>
                 <a:latin typeface="Arial"/>
               </a:rPr>
-              <a:t>username</a:t>
-            </a:r>
-            <a:br/>
-            <a:r>
-              <a:rPr b="0" lang="hu-HU" sz="3200" spc="-1" strike="noStrike">
-                <a:solidFill>
-                  <a:srgbClr val="0066cc"/>
-                </a:solidFill>
-                <a:latin typeface="Arial"/>
-              </a:rPr>
-              <a:t>FROM </a:t>
-            </a:r>
-            <a:br/>
-            <a:r>
-              <a:rPr b="0" lang="hu-HU" sz="3200" spc="-1" strike="noStrike">
-                <a:solidFill>
-                  <a:srgbClr val="0066cc"/>
-                </a:solidFill>
-                <a:latin typeface="Arial"/>
-              </a:rPr>
-              <a:t>users</a:t>
-            </a:r>
-            <a:br/>
-            <a:r>
-              <a:rPr b="0" lang="hu-HU" sz="3200" spc="-1" strike="noStrike">
-                <a:solidFill>
-                  <a:srgbClr val="0066cc"/>
-                </a:solidFill>
-                <a:latin typeface="Arial"/>
-              </a:rPr>
-              <a:t>WHERE</a:t>
-            </a:r>
-            <a:br/>
-            <a:r>
-              <a:rPr b="0" lang="hu-HU" sz="3200" spc="-1" strike="noStrike">
-                <a:solidFill>
-                  <a:srgbClr val="0066cc"/>
-                </a:solidFill>
-                <a:latin typeface="Arial"/>
-              </a:rPr>
-              <a:t>uid = uid:</a:t>
-            </a:r>
-            <a:endParaRPr b="0" lang="hu-HU" sz="3200" spc="-1" strike="noStrike">
-              <a:solidFill>
-                <a:srgbClr val="0066cc"/>
-              </a:solidFill>
-              <a:latin typeface="Arial"/>
-            </a:endParaRPr>
+              <a:t> megértése, tudás átadása, csapat motiválása</a:t>
+            </a:r>
           </a:p>
           <a:p>
             <a:pPr marL="432000" indent="-324000">
@@ -4262,61 +5139,71 @@
               <a:buChar char=""/>
             </a:pPr>
             <a:r>
-              <a:rPr b="0" lang="hu-HU" sz="3200" spc="-1" strike="noStrike">
+              <a:rPr lang="hu-HU" sz="3200" b="0" strike="noStrike" spc="-1" dirty="0">
                 <a:solidFill>
-                  <a:srgbClr val="0066cc"/>
+                  <a:srgbClr val="0066CC"/>
                 </a:solidFill>
                 <a:latin typeface="Arial"/>
               </a:rPr>
-              <a:t> </a:t>
-            </a:r>
-            <a:endParaRPr b="0" lang="hu-HU" sz="3200" spc="-1" strike="noStrike">
-              <a:solidFill>
-                <a:srgbClr val="0066cc"/>
-              </a:solidFill>
-              <a:latin typeface="Arial"/>
-            </a:endParaRPr>
-          </a:p>
-        </p:txBody>
-      </p:sp>
-      <p:pic>
-        <p:nvPicPr>
-          <p:cNvPr id="109" name="" descr=""/>
-          <p:cNvPicPr/>
-          <p:nvPr/>
-        </p:nvPicPr>
-        <p:blipFill>
-          <a:blip r:embed="rId1"/>
-          <a:stretch/>
-        </p:blipFill>
-        <p:spPr>
-          <a:xfrm>
-            <a:off x="3240000" y="1471320"/>
-            <a:ext cx="6818400" cy="3856680"/>
-          </a:xfrm>
-          <a:prstGeom prst="rect">
-            <a:avLst/>
-          </a:prstGeom>
-          <a:ln>
-            <a:noFill/>
-          </a:ln>
-        </p:spPr>
-      </p:pic>
+              <a:t>Máté:</a:t>
+            </a:r>
+          </a:p>
+          <a:p>
+            <a:pPr marL="432000" indent="-324000">
+              <a:spcBef>
+                <a:spcPts val="1417"/>
+              </a:spcBef>
+              <a:buClr>
+                <a:srgbClr val="000000"/>
+              </a:buClr>
+              <a:buSzPct val="45000"/>
+              <a:buFont typeface="Wingdings" charset="2"/>
+              <a:buChar char=""/>
+            </a:pPr>
+            <a:r>
+              <a:rPr lang="hu-HU" sz="3200" b="0" strike="noStrike" spc="-1" dirty="0">
+                <a:solidFill>
+                  <a:srgbClr val="0066CC"/>
+                </a:solidFill>
+                <a:latin typeface="Arial"/>
+              </a:rPr>
+              <a:t>Alex:</a:t>
+            </a:r>
+          </a:p>
+          <a:p>
+            <a:pPr marL="432000" indent="-324000">
+              <a:spcBef>
+                <a:spcPts val="1417"/>
+              </a:spcBef>
+              <a:buClr>
+                <a:srgbClr val="000000"/>
+              </a:buClr>
+              <a:buSzPct val="45000"/>
+              <a:buFont typeface="Wingdings" charset="2"/>
+              <a:buChar char=""/>
+            </a:pPr>
+            <a:r>
+              <a:rPr lang="hu-HU" sz="3200" b="0" strike="noStrike" spc="-1" dirty="0">
+                <a:solidFill>
+                  <a:srgbClr val="0066CC"/>
+                </a:solidFill>
+                <a:latin typeface="Arial"/>
+              </a:rPr>
+              <a:t>Iza: megbeszélési időpontok összehozása, rengeteg jó ötlet kevés idő a megvalósításához </a:t>
+            </a:r>
+          </a:p>
+        </p:txBody>
+      </p:sp>
     </p:spTree>
   </p:cSld>
-  <mc:AlternateContent>
-    <mc:Choice Requires="p14">
-      <p:transition spd="slow" p14:dur="2000"/>
-    </mc:Choice>
-    <mc:Fallback>
-      <p:transition spd="slow"/>
-    </mc:Fallback>
-  </mc:AlternateContent>
+  <p:clrMapOvr>
+    <a:masterClrMapping/>
+  </p:clrMapOvr>
 </p:sld>
 </file>
 
-<file path=ppt/slides/slide12.xml><?xml version="1.0" encoding="utf-8"?>
-<p:sld xmlns:a="http://schemas.openxmlformats.org/drawingml/2006/main" xmlns:p="http://schemas.openxmlformats.org/presentationml/2006/main" xmlns:r="http://schemas.openxmlformats.org/officeDocument/2006/relationships" xmlns:p14="http://schemas.microsoft.com/office/powerpoint/2010/main" xmlns:p15="http://schemas.microsoft.com/office/powerpoint/2012/main" xmlns:mc="http://schemas.openxmlformats.org/markup-compatibility/2006">
+<file path=ppt/slides/slide13.xml><?xml version="1.0" encoding="utf-8"?>
+<p:sld xmlns:a="http://schemas.openxmlformats.org/drawingml/2006/main" xmlns:r="http://schemas.openxmlformats.org/officeDocument/2006/relationships" xmlns:p="http://schemas.openxmlformats.org/presentationml/2006/main">
   <p:cSld>
     <p:spTree>
       <p:nvGrpSpPr>
@@ -4334,7 +5221,7 @@
       </p:grpSpPr>
       <p:sp>
         <p:nvSpPr>
-          <p:cNvPr id="110" name="TextShape 1"/>
+          <p:cNvPr id="112" name="TextShape 1"/>
           <p:cNvSpPr txBox="1"/>
           <p:nvPr/>
         </p:nvSpPr>
@@ -4352,32 +5239,27 @@
           </a:ln>
         </p:spPr>
         <p:txBody>
-          <a:bodyPr lIns="0" rIns="0" tIns="0" bIns="0" anchor="ctr">
-            <a:noAutofit/>
-          </a:bodyPr>
+          <a:bodyPr lIns="0" tIns="0" rIns="0" bIns="0" anchor="ctr">
+            <a:noAutofit/>
+          </a:bodyPr>
+          <a:lstStyle/>
           <a:p>
             <a:pPr algn="ctr"/>
             <a:r>
-              <a:rPr b="0" lang="hu-HU" sz="4400" spc="-1" strike="noStrike">
+              <a:rPr lang="hu-HU" sz="4400" b="0" strike="noStrike" spc="-1">
                 <a:solidFill>
-                  <a:srgbClr val="ffffff"/>
+                  <a:srgbClr val="FFFFFF"/>
                 </a:solidFill>
                 <a:latin typeface="Arial"/>
               </a:rPr>
-              <a:t>Kihívások</a:t>
-            </a:r>
-            <a:endParaRPr b="0" lang="hu-HU" sz="4400" spc="-1" strike="noStrike">
-              <a:solidFill>
-                <a:srgbClr val="ffffff"/>
-              </a:solidFill>
-              <a:latin typeface="Arial"/>
-            </a:endParaRPr>
-          </a:p>
-        </p:txBody>
-      </p:sp>
-      <p:sp>
-        <p:nvSpPr>
-          <p:cNvPr id="111" name="TextShape 2"/>
+              <a:t>Eredmények</a:t>
+            </a:r>
+          </a:p>
+        </p:txBody>
+      </p:sp>
+      <p:sp>
+        <p:nvSpPr>
+          <p:cNvPr id="113" name="TextShape 2"/>
           <p:cNvSpPr txBox="1"/>
           <p:nvPr/>
         </p:nvSpPr>
@@ -4395,9 +5277,10 @@
           </a:ln>
         </p:spPr>
         <p:txBody>
-          <a:bodyPr lIns="0" rIns="0" tIns="0" bIns="0">
-            <a:noAutofit/>
-          </a:bodyPr>
+          <a:bodyPr lIns="0" tIns="0" rIns="0" bIns="0">
+            <a:noAutofit/>
+          </a:bodyPr>
+          <a:lstStyle/>
           <a:p>
             <a:pPr marL="432000" indent="-324000">
               <a:spcBef>
@@ -4411,20 +5294,14 @@
               <a:buChar char=""/>
             </a:pPr>
             <a:r>
-              <a:rPr b="0" lang="hu-HU" sz="3200" spc="-1" strike="noStrike">
+              <a:rPr lang="hu-HU" sz="3200" b="0" strike="noStrike" spc="-1">
                 <a:solidFill>
-                  <a:srgbClr val="0066cc"/>
+                  <a:srgbClr val="0066CC"/>
                 </a:solidFill>
                 <a:latin typeface="Arial"/>
               </a:rPr>
-              <a:t>Zsuzsi: Firebase megértése, tudás átadása, csapat motiválása</a:t>
-            </a:r>
-            <a:endParaRPr b="0" lang="hu-HU" sz="3200" spc="-1" strike="noStrike">
-              <a:solidFill>
-                <a:srgbClr val="0066cc"/>
-              </a:solidFill>
-              <a:latin typeface="Arial"/>
-            </a:endParaRPr>
+              <a:t>Egy alap applikáció, amelyre bármilyen Social Media applikáció írható</a:t>
+            </a:r>
           </a:p>
           <a:p>
             <a:pPr marL="432000" indent="-324000">
@@ -4439,20 +5316,14 @@
               <a:buChar char=""/>
             </a:pPr>
             <a:r>
-              <a:rPr b="0" lang="hu-HU" sz="3200" spc="-1" strike="noStrike">
+              <a:rPr lang="hu-HU" sz="3200" b="0" strike="noStrike" spc="-1">
                 <a:solidFill>
-                  <a:srgbClr val="0066cc"/>
+                  <a:srgbClr val="0066CC"/>
                 </a:solidFill>
                 <a:latin typeface="Arial"/>
               </a:rPr>
-              <a:t>Máté:</a:t>
-            </a:r>
-            <a:endParaRPr b="0" lang="hu-HU" sz="3200" spc="-1" strike="noStrike">
-              <a:solidFill>
-                <a:srgbClr val="0066cc"/>
-              </a:solidFill>
-              <a:latin typeface="Arial"/>
-            </a:endParaRPr>
+              <a:t>Létező funkciók: Ismerősök keresése és hozzáadása, saját profil választható avatar-ral, és egy opcionális rövid leírás, posztok megjelenítése az üzenőfalon</a:t>
+            </a:r>
           </a:p>
           <a:p>
             <a:pPr marL="432000" indent="-324000">
@@ -4467,20 +5338,14 @@
               <a:buChar char=""/>
             </a:pPr>
             <a:r>
-              <a:rPr b="0" lang="hu-HU" sz="3200" spc="-1" strike="noStrike">
+              <a:rPr lang="hu-HU" sz="3200" b="0" strike="noStrike" spc="-1">
                 <a:solidFill>
-                  <a:srgbClr val="0066cc"/>
+                  <a:srgbClr val="0066CC"/>
                 </a:solidFill>
                 <a:latin typeface="Arial"/>
               </a:rPr>
-              <a:t>Alex:</a:t>
-            </a:r>
-            <a:endParaRPr b="0" lang="hu-HU" sz="3200" spc="-1" strike="noStrike">
-              <a:solidFill>
-                <a:srgbClr val="0066cc"/>
-              </a:solidFill>
-              <a:latin typeface="Arial"/>
-            </a:endParaRPr>
+              <a:t>További fejleszthető funkciók: messaging szolgáltatás, saját képek feltöltése, tárolása, üzenetek szűrése, AdWords stb</a:t>
+            </a:r>
           </a:p>
           <a:p>
             <a:pPr marL="432000" indent="-324000">
@@ -4495,66 +5360,27 @@
               <a:buChar char=""/>
             </a:pPr>
             <a:r>
-              <a:rPr b="0" lang="hu-HU" sz="3200" spc="-1" strike="noStrike">
+              <a:rPr lang="hu-HU" sz="3200" b="0" strike="noStrike" spc="-1">
                 <a:solidFill>
-                  <a:srgbClr val="0066cc"/>
+                  <a:srgbClr val="0066CC"/>
                 </a:solidFill>
                 <a:latin typeface="Arial"/>
               </a:rPr>
-              <a:t>Iza:</a:t>
-            </a:r>
-            <a:endParaRPr b="0" lang="hu-HU" sz="3200" spc="-1" strike="noStrike">
-              <a:solidFill>
-                <a:srgbClr val="0066cc"/>
-              </a:solidFill>
-              <a:latin typeface="Arial"/>
-            </a:endParaRPr>
-          </a:p>
-          <a:p>
-            <a:pPr marL="432000" indent="-324000">
-              <a:spcBef>
-                <a:spcPts val="1417"/>
-              </a:spcBef>
-              <a:buClr>
-                <a:srgbClr val="000000"/>
-              </a:buClr>
-              <a:buSzPct val="45000"/>
-              <a:buFont typeface="Wingdings" charset="2"/>
-              <a:buChar char=""/>
-            </a:pPr>
-            <a:r>
-              <a:rPr b="0" lang="hu-HU" sz="3200" spc="-1" strike="noStrike">
-                <a:solidFill>
-                  <a:srgbClr val="0066cc"/>
-                </a:solidFill>
-                <a:latin typeface="Arial"/>
-              </a:rPr>
               <a:t> </a:t>
             </a:r>
-            <a:endParaRPr b="0" lang="hu-HU" sz="3200" spc="-1" strike="noStrike">
-              <a:solidFill>
-                <a:srgbClr val="0066cc"/>
-              </a:solidFill>
-              <a:latin typeface="Arial"/>
-            </a:endParaRPr>
           </a:p>
         </p:txBody>
       </p:sp>
     </p:spTree>
   </p:cSld>
-  <mc:AlternateContent>
-    <mc:Choice Requires="p14">
-      <p:transition spd="slow" p14:dur="2000"/>
-    </mc:Choice>
-    <mc:Fallback>
-      <p:transition spd="slow"/>
-    </mc:Fallback>
-  </mc:AlternateContent>
+  <p:clrMapOvr>
+    <a:masterClrMapping/>
+  </p:clrMapOvr>
 </p:sld>
 </file>
 
-<file path=ppt/slides/slide13.xml><?xml version="1.0" encoding="utf-8"?>
-<p:sld xmlns:a="http://schemas.openxmlformats.org/drawingml/2006/main" xmlns:p="http://schemas.openxmlformats.org/presentationml/2006/main" xmlns:r="http://schemas.openxmlformats.org/officeDocument/2006/relationships" xmlns:p14="http://schemas.microsoft.com/office/powerpoint/2010/main" xmlns:p15="http://schemas.microsoft.com/office/powerpoint/2012/main" xmlns:mc="http://schemas.openxmlformats.org/markup-compatibility/2006">
+<file path=ppt/slides/slide14.xml><?xml version="1.0" encoding="utf-8"?>
+<p:sld xmlns:a="http://schemas.openxmlformats.org/drawingml/2006/main" xmlns:r="http://schemas.openxmlformats.org/officeDocument/2006/relationships" xmlns:p="http://schemas.openxmlformats.org/presentationml/2006/main">
   <p:cSld>
     <p:spTree>
       <p:nvGrpSpPr>
@@ -4572,7 +5398,7 @@
       </p:grpSpPr>
       <p:sp>
         <p:nvSpPr>
-          <p:cNvPr id="112" name="TextShape 1"/>
+          <p:cNvPr id="114" name="TextShape 1"/>
           <p:cNvSpPr txBox="1"/>
           <p:nvPr/>
         </p:nvSpPr>
@@ -4590,181 +5416,103 @@
           </a:ln>
         </p:spPr>
         <p:txBody>
-          <a:bodyPr lIns="0" rIns="0" tIns="0" bIns="0" anchor="ctr">
-            <a:noAutofit/>
-          </a:bodyPr>
+          <a:bodyPr lIns="0" tIns="0" rIns="0" bIns="0" anchor="ctr">
+            <a:noAutofit/>
+          </a:bodyPr>
+          <a:lstStyle/>
           <a:p>
             <a:pPr algn="ctr"/>
             <a:r>
-              <a:rPr b="0" lang="hu-HU" sz="4400" spc="-1" strike="noStrike">
+              <a:rPr lang="hu-HU" sz="4400" b="0" strike="noStrike" spc="-1">
                 <a:solidFill>
-                  <a:srgbClr val="ffffff"/>
+                  <a:srgbClr val="FFFFFF"/>
                 </a:solidFill>
                 <a:latin typeface="Arial"/>
               </a:rPr>
               <a:t>Eredmények</a:t>
             </a:r>
-            <a:endParaRPr b="0" lang="hu-HU" sz="4400" spc="-1" strike="noStrike">
-              <a:solidFill>
-                <a:srgbClr val="ffffff"/>
-              </a:solidFill>
-              <a:latin typeface="Arial"/>
-            </a:endParaRPr>
-          </a:p>
-        </p:txBody>
-      </p:sp>
-      <p:sp>
-        <p:nvSpPr>
-          <p:cNvPr id="113" name="TextShape 2"/>
-          <p:cNvSpPr txBox="1"/>
+          </a:p>
+        </p:txBody>
+      </p:sp>
+      <p:pic>
+        <p:nvPicPr>
+          <p:cNvPr id="115" name="Kép 114"/>
+          <p:cNvPicPr/>
           <p:nvPr/>
-        </p:nvSpPr>
-        <p:spPr>
-          <a:xfrm>
-            <a:off x="504000" y="1769040"/>
-            <a:ext cx="9072000" cy="4384440"/>
-          </a:xfrm>
-          <a:prstGeom prst="rect">
-            <a:avLst/>
-          </a:prstGeom>
-          <a:noFill/>
+        </p:nvPicPr>
+        <p:blipFill>
+          <a:blip r:embed="rId2"/>
+          <a:stretch/>
+        </p:blipFill>
+        <p:spPr>
+          <a:xfrm>
+            <a:off x="81360" y="978480"/>
+            <a:ext cx="3302640" cy="5636880"/>
+          </a:xfrm>
+          <a:prstGeom prst="rect">
+            <a:avLst/>
+          </a:prstGeom>
           <a:ln>
             <a:noFill/>
           </a:ln>
         </p:spPr>
-        <p:txBody>
-          <a:bodyPr lIns="0" rIns="0" tIns="0" bIns="0">
-            <a:noAutofit/>
-          </a:bodyPr>
-          <a:p>
-            <a:pPr marL="432000" indent="-324000">
-              <a:spcBef>
-                <a:spcPts val="1417"/>
-              </a:spcBef>
-              <a:buClr>
-                <a:srgbClr val="000000"/>
-              </a:buClr>
-              <a:buSzPct val="45000"/>
-              <a:buFont typeface="Wingdings" charset="2"/>
-              <a:buChar char=""/>
-            </a:pPr>
-            <a:r>
-              <a:rPr b="0" lang="hu-HU" sz="3200" spc="-1" strike="noStrike">
-                <a:solidFill>
-                  <a:srgbClr val="0066cc"/>
-                </a:solidFill>
-                <a:latin typeface="Arial"/>
-              </a:rPr>
-              <a:t>Egy alap applikáció, amelyre bármilyen Social Media applikáció írható</a:t>
-            </a:r>
-            <a:endParaRPr b="0" lang="hu-HU" sz="3200" spc="-1" strike="noStrike">
-              <a:solidFill>
-                <a:srgbClr val="0066cc"/>
-              </a:solidFill>
-              <a:latin typeface="Arial"/>
-            </a:endParaRPr>
-          </a:p>
-          <a:p>
-            <a:pPr marL="432000" indent="-324000">
-              <a:spcBef>
-                <a:spcPts val="1417"/>
-              </a:spcBef>
-              <a:buClr>
-                <a:srgbClr val="000000"/>
-              </a:buClr>
-              <a:buSzPct val="45000"/>
-              <a:buFont typeface="Wingdings" charset="2"/>
-              <a:buChar char=""/>
-            </a:pPr>
-            <a:r>
-              <a:rPr b="0" lang="hu-HU" sz="3200" spc="-1" strike="noStrike">
-                <a:solidFill>
-                  <a:srgbClr val="0066cc"/>
-                </a:solidFill>
-                <a:latin typeface="Arial"/>
-              </a:rPr>
-              <a:t>Létező funkciók: Ismerősök keresése és hozzáadása, saját profil választható avatar-ral, és egy opcionális rövid leírás, posztok megjelenítése az üzenőfalon</a:t>
-            </a:r>
-            <a:endParaRPr b="0" lang="hu-HU" sz="3200" spc="-1" strike="noStrike">
-              <a:solidFill>
-                <a:srgbClr val="0066cc"/>
-              </a:solidFill>
-              <a:latin typeface="Arial"/>
-            </a:endParaRPr>
-          </a:p>
-          <a:p>
-            <a:pPr marL="432000" indent="-324000">
-              <a:spcBef>
-                <a:spcPts val="1417"/>
-              </a:spcBef>
-              <a:buClr>
-                <a:srgbClr val="000000"/>
-              </a:buClr>
-              <a:buSzPct val="45000"/>
-              <a:buFont typeface="Wingdings" charset="2"/>
-              <a:buChar char=""/>
-            </a:pPr>
-            <a:r>
-              <a:rPr b="0" lang="hu-HU" sz="3200" spc="-1" strike="noStrike">
-                <a:solidFill>
-                  <a:srgbClr val="0066cc"/>
-                </a:solidFill>
-                <a:latin typeface="Arial"/>
-              </a:rPr>
-              <a:t>További fejleszthető funkciók: messaging szolgáltatás, saját képek feltöltése, tárolása, üzenetek szűrése, AdWords stb</a:t>
-            </a:r>
-            <a:endParaRPr b="0" lang="hu-HU" sz="3200" spc="-1" strike="noStrike">
-              <a:solidFill>
-                <a:srgbClr val="0066cc"/>
-              </a:solidFill>
-              <a:latin typeface="Arial"/>
-            </a:endParaRPr>
-          </a:p>
-          <a:p>
-            <a:pPr marL="432000" indent="-324000">
-              <a:spcBef>
-                <a:spcPts val="1417"/>
-              </a:spcBef>
-              <a:buClr>
-                <a:srgbClr val="000000"/>
-              </a:buClr>
-              <a:buSzPct val="45000"/>
-              <a:buFont typeface="Wingdings" charset="2"/>
-              <a:buChar char=""/>
-            </a:pPr>
-            <a:r>
-              <a:rPr b="0" lang="hu-HU" sz="3200" spc="-1" strike="noStrike">
-                <a:solidFill>
-                  <a:srgbClr val="0066cc"/>
-                </a:solidFill>
-                <a:latin typeface="Arial"/>
-              </a:rPr>
-              <a:t> </a:t>
-            </a:r>
-            <a:endParaRPr b="0" lang="hu-HU" sz="3200" spc="-1" strike="noStrike">
-              <a:solidFill>
-                <a:srgbClr val="0066cc"/>
-              </a:solidFill>
-              <a:latin typeface="Arial"/>
-            </a:endParaRPr>
-          </a:p>
-        </p:txBody>
-      </p:sp>
+      </p:pic>
+      <p:pic>
+        <p:nvPicPr>
+          <p:cNvPr id="116" name="Kép 115"/>
+          <p:cNvPicPr/>
+          <p:nvPr/>
+        </p:nvPicPr>
+        <p:blipFill>
+          <a:blip r:embed="rId3"/>
+          <a:stretch/>
+        </p:blipFill>
+        <p:spPr>
+          <a:xfrm>
+            <a:off x="3384000" y="978480"/>
+            <a:ext cx="3307680" cy="5645520"/>
+          </a:xfrm>
+          <a:prstGeom prst="rect">
+            <a:avLst/>
+          </a:prstGeom>
+          <a:ln>
+            <a:noFill/>
+          </a:ln>
+        </p:spPr>
+      </p:pic>
+      <p:pic>
+        <p:nvPicPr>
+          <p:cNvPr id="117" name="Kép 116"/>
+          <p:cNvPicPr/>
+          <p:nvPr/>
+        </p:nvPicPr>
+        <p:blipFill>
+          <a:blip r:embed="rId4"/>
+          <a:stretch/>
+        </p:blipFill>
+        <p:spPr>
+          <a:xfrm>
+            <a:off x="6696000" y="1008000"/>
+            <a:ext cx="3277080" cy="5593320"/>
+          </a:xfrm>
+          <a:prstGeom prst="rect">
+            <a:avLst/>
+          </a:prstGeom>
+          <a:ln>
+            <a:noFill/>
+          </a:ln>
+        </p:spPr>
+      </p:pic>
     </p:spTree>
   </p:cSld>
-  <mc:AlternateContent>
-    <mc:Choice Requires="p14">
-      <p:transition spd="slow" p14:dur="2000"/>
-    </mc:Choice>
-    <mc:Fallback>
-      <p:transition spd="slow"/>
-    </mc:Fallback>
-  </mc:AlternateContent>
+  <p:clrMapOvr>
+    <a:masterClrMapping/>
+  </p:clrMapOvr>
 </p:sld>
 </file>
 
-<file path=ppt/slides/slide14.xml><?xml version="1.0" encoding="utf-8"?>
-<p:sld xmlns:a="http://schemas.openxmlformats.org/drawingml/2006/main" xmlns:p="http://schemas.openxmlformats.org/presentationml/2006/main" xmlns:r="http://schemas.openxmlformats.org/officeDocument/2006/relationships" xmlns:p14="http://schemas.microsoft.com/office/powerpoint/2010/main" xmlns:p15="http://schemas.microsoft.com/office/powerpoint/2012/main" xmlns:mc="http://schemas.openxmlformats.org/markup-compatibility/2006">
+<file path=ppt/slides/slide15.xml><?xml version="1.0" encoding="utf-8"?>
+<p:sld xmlns:a="http://schemas.openxmlformats.org/drawingml/2006/main" xmlns:r="http://schemas.openxmlformats.org/officeDocument/2006/relationships" xmlns:p="http://schemas.openxmlformats.org/presentationml/2006/main">
   <p:cSld>
     <p:spTree>
       <p:nvGrpSpPr>
@@ -4782,7 +5530,7 @@
       </p:grpSpPr>
       <p:sp>
         <p:nvSpPr>
-          <p:cNvPr id="114" name="TextShape 1"/>
+          <p:cNvPr id="118" name="TextShape 1"/>
           <p:cNvSpPr txBox="1"/>
           <p:nvPr/>
         </p:nvSpPr>
@@ -4800,55 +5548,27 @@
           </a:ln>
         </p:spPr>
         <p:txBody>
-          <a:bodyPr lIns="0" rIns="0" tIns="0" bIns="0" anchor="ctr">
-            <a:noAutofit/>
-          </a:bodyPr>
+          <a:bodyPr lIns="0" tIns="0" rIns="0" bIns="0" anchor="ctr">
+            <a:noAutofit/>
+          </a:bodyPr>
+          <a:lstStyle/>
           <a:p>
             <a:pPr algn="ctr"/>
             <a:r>
-              <a:rPr b="0" lang="hu-HU" sz="4400" spc="-1" strike="noStrike">
+              <a:rPr lang="hu-HU" sz="4400" b="0" strike="noStrike" spc="-1">
                 <a:solidFill>
-                  <a:srgbClr val="ffffff"/>
+                  <a:srgbClr val="FFFFFF"/>
                 </a:solidFill>
                 <a:latin typeface="Arial"/>
               </a:rPr>
               <a:t>Eredmények</a:t>
             </a:r>
-            <a:endParaRPr b="0" lang="hu-HU" sz="4400" spc="-1" strike="noStrike">
-              <a:solidFill>
-                <a:srgbClr val="ffffff"/>
-              </a:solidFill>
-              <a:latin typeface="Arial"/>
-            </a:endParaRPr>
           </a:p>
         </p:txBody>
       </p:sp>
       <p:pic>
         <p:nvPicPr>
-          <p:cNvPr id="115" name="" descr=""/>
-          <p:cNvPicPr/>
-          <p:nvPr/>
-        </p:nvPicPr>
-        <p:blipFill>
-          <a:blip r:embed="rId1"/>
-          <a:stretch/>
-        </p:blipFill>
-        <p:spPr>
-          <a:xfrm>
-            <a:off x="81360" y="978480"/>
-            <a:ext cx="3302640" cy="5636880"/>
-          </a:xfrm>
-          <a:prstGeom prst="rect">
-            <a:avLst/>
-          </a:prstGeom>
-          <a:ln>
-            <a:noFill/>
-          </a:ln>
-        </p:spPr>
-      </p:pic>
-      <p:pic>
-        <p:nvPicPr>
-          <p:cNvPr id="116" name="" descr=""/>
+          <p:cNvPr id="119" name="Kép 118"/>
           <p:cNvPicPr/>
           <p:nvPr/>
         </p:nvPicPr>
@@ -4858,8 +5578,8 @@
         </p:blipFill>
         <p:spPr>
           <a:xfrm>
-            <a:off x="3384000" y="978480"/>
-            <a:ext cx="3307680" cy="5645520"/>
+            <a:off x="144000" y="936360"/>
+            <a:ext cx="3744000" cy="6390360"/>
           </a:xfrm>
           <a:prstGeom prst="rect">
             <a:avLst/>
@@ -4871,7 +5591,7 @@
       </p:pic>
       <p:pic>
         <p:nvPicPr>
-          <p:cNvPr id="117" name="" descr=""/>
+          <p:cNvPr id="120" name="Kép 119"/>
           <p:cNvPicPr/>
           <p:nvPr/>
         </p:nvPicPr>
@@ -4881,8 +5601,8 @@
         </p:blipFill>
         <p:spPr>
           <a:xfrm>
-            <a:off x="6696000" y="1008000"/>
-            <a:ext cx="3277080" cy="5593320"/>
+            <a:off x="6192000" y="936360"/>
+            <a:ext cx="3781080" cy="6453360"/>
           </a:xfrm>
           <a:prstGeom prst="rect">
             <a:avLst/>
@@ -4894,19 +5614,14 @@
       </p:pic>
     </p:spTree>
   </p:cSld>
-  <mc:AlternateContent>
-    <mc:Choice Requires="p14">
-      <p:transition spd="slow" p14:dur="2000"/>
-    </mc:Choice>
-    <mc:Fallback>
-      <p:transition spd="slow"/>
-    </mc:Fallback>
-  </mc:AlternateContent>
+  <p:clrMapOvr>
+    <a:masterClrMapping/>
+  </p:clrMapOvr>
 </p:sld>
 </file>
 
-<file path=ppt/slides/slide15.xml><?xml version="1.0" encoding="utf-8"?>
-<p:sld xmlns:a="http://schemas.openxmlformats.org/drawingml/2006/main" xmlns:p="http://schemas.openxmlformats.org/presentationml/2006/main" xmlns:r="http://schemas.openxmlformats.org/officeDocument/2006/relationships" xmlns:p14="http://schemas.microsoft.com/office/powerpoint/2010/main" xmlns:p15="http://schemas.microsoft.com/office/powerpoint/2012/main" xmlns:mc="http://schemas.openxmlformats.org/markup-compatibility/2006">
+<file path=ppt/slides/slide2.xml><?xml version="1.0" encoding="utf-8"?>
+<p:sld xmlns:a="http://schemas.openxmlformats.org/drawingml/2006/main" xmlns:r="http://schemas.openxmlformats.org/officeDocument/2006/relationships" xmlns:p="http://schemas.openxmlformats.org/presentationml/2006/main">
   <p:cSld>
     <p:spTree>
       <p:nvGrpSpPr>
@@ -4924,7 +5639,7 @@
       </p:grpSpPr>
       <p:sp>
         <p:nvSpPr>
-          <p:cNvPr id="118" name="TextShape 1"/>
+          <p:cNvPr id="86" name="TextShape 1"/>
           <p:cNvSpPr txBox="1"/>
           <p:nvPr/>
         </p:nvSpPr>
@@ -4942,90 +5657,148 @@
           </a:ln>
         </p:spPr>
         <p:txBody>
-          <a:bodyPr lIns="0" rIns="0" tIns="0" bIns="0" anchor="ctr">
-            <a:noAutofit/>
-          </a:bodyPr>
+          <a:bodyPr lIns="0" tIns="0" rIns="0" bIns="0" anchor="ctr">
+            <a:noAutofit/>
+          </a:bodyPr>
+          <a:lstStyle/>
           <a:p>
             <a:pPr algn="ctr"/>
             <a:r>
-              <a:rPr b="0" lang="hu-HU" sz="4400" spc="-1" strike="noStrike">
+              <a:rPr lang="hu-HU" sz="4400" b="0" strike="noStrike" spc="-1">
                 <a:solidFill>
-                  <a:srgbClr val="ffffff"/>
+                  <a:srgbClr val="FFFFFF"/>
                 </a:solidFill>
                 <a:latin typeface="Arial"/>
               </a:rPr>
-              <a:t>Eredmények</a:t>
-            </a:r>
-            <a:endParaRPr b="0" lang="hu-HU" sz="4400" spc="-1" strike="noStrike">
-              <a:solidFill>
-                <a:srgbClr val="ffffff"/>
-              </a:solidFill>
-              <a:latin typeface="Arial"/>
-            </a:endParaRPr>
-          </a:p>
-        </p:txBody>
-      </p:sp>
-      <p:pic>
-        <p:nvPicPr>
-          <p:cNvPr id="119" name="" descr=""/>
-          <p:cNvPicPr/>
+              <a:t>Csapattagok</a:t>
+            </a:r>
+          </a:p>
+        </p:txBody>
+      </p:sp>
+      <p:sp>
+        <p:nvSpPr>
+          <p:cNvPr id="87" name="TextShape 2"/>
+          <p:cNvSpPr txBox="1"/>
           <p:nvPr/>
-        </p:nvPicPr>
-        <p:blipFill>
-          <a:blip r:embed="rId1"/>
-          <a:stretch/>
-        </p:blipFill>
-        <p:spPr>
-          <a:xfrm>
-            <a:off x="144000" y="936360"/>
-            <a:ext cx="3744000" cy="6390360"/>
-          </a:xfrm>
-          <a:prstGeom prst="rect">
-            <a:avLst/>
-          </a:prstGeom>
+        </p:nvSpPr>
+        <p:spPr>
+          <a:xfrm>
+            <a:off x="504000" y="1769040"/>
+            <a:ext cx="9071640" cy="4384440"/>
+          </a:xfrm>
+          <a:prstGeom prst="rect">
+            <a:avLst/>
+          </a:prstGeom>
+          <a:noFill/>
           <a:ln>
             <a:noFill/>
           </a:ln>
         </p:spPr>
-      </p:pic>
-      <p:pic>
-        <p:nvPicPr>
-          <p:cNvPr id="120" name="" descr=""/>
-          <p:cNvPicPr/>
-          <p:nvPr/>
-        </p:nvPicPr>
-        <p:blipFill>
-          <a:blip r:embed="rId2"/>
-          <a:stretch/>
-        </p:blipFill>
-        <p:spPr>
-          <a:xfrm>
-            <a:off x="6192000" y="936360"/>
-            <a:ext cx="3781080" cy="6453360"/>
-          </a:xfrm>
-          <a:prstGeom prst="rect">
-            <a:avLst/>
-          </a:prstGeom>
-          <a:ln>
-            <a:noFill/>
-          </a:ln>
-        </p:spPr>
-      </p:pic>
+        <p:txBody>
+          <a:bodyPr lIns="0" tIns="0" rIns="0" bIns="0">
+            <a:noAutofit/>
+          </a:bodyPr>
+          <a:lstStyle/>
+          <a:p>
+            <a:pPr marL="432000" indent="-324000">
+              <a:spcBef>
+                <a:spcPts val="1417"/>
+              </a:spcBef>
+              <a:buClr>
+                <a:srgbClr val="000000"/>
+              </a:buClr>
+              <a:buSzPct val="45000"/>
+              <a:buFont typeface="Wingdings" charset="2"/>
+              <a:buChar char=""/>
+            </a:pPr>
+            <a:r>
+              <a:rPr lang="hu-HU" sz="3200" b="0" strike="noStrike" spc="-1">
+                <a:solidFill>
+                  <a:srgbClr val="0066CC"/>
+                </a:solidFill>
+                <a:latin typeface="Arial"/>
+              </a:rPr>
+              <a:t>Hódi Zsuzsa</a:t>
+            </a:r>
+          </a:p>
+          <a:p>
+            <a:pPr marL="432000" indent="-324000">
+              <a:spcBef>
+                <a:spcPts val="1417"/>
+              </a:spcBef>
+              <a:buClr>
+                <a:srgbClr val="000000"/>
+              </a:buClr>
+              <a:buSzPct val="45000"/>
+              <a:buFont typeface="Wingdings" charset="2"/>
+              <a:buChar char=""/>
+            </a:pPr>
+            <a:r>
+              <a:rPr lang="hu-HU" sz="3200" b="0" strike="noStrike" spc="-1">
+                <a:solidFill>
+                  <a:srgbClr val="0066CC"/>
+                </a:solidFill>
+                <a:latin typeface="Arial"/>
+              </a:rPr>
+              <a:t>Németh Máté</a:t>
+            </a:r>
+          </a:p>
+          <a:p>
+            <a:pPr marL="432000" indent="-324000">
+              <a:spcBef>
+                <a:spcPts val="1417"/>
+              </a:spcBef>
+              <a:buClr>
+                <a:srgbClr val="000000"/>
+              </a:buClr>
+              <a:buSzPct val="45000"/>
+              <a:buFont typeface="Wingdings" charset="2"/>
+              <a:buChar char=""/>
+            </a:pPr>
+            <a:r>
+              <a:rPr lang="hu-HU" sz="3200" b="0" strike="noStrike" spc="-1">
+                <a:solidFill>
+                  <a:srgbClr val="0066CC"/>
+                </a:solidFill>
+                <a:latin typeface="Arial"/>
+              </a:rPr>
+              <a:t>Sohajda Alex</a:t>
+            </a:r>
+          </a:p>
+          <a:p>
+            <a:pPr marL="432000" indent="-324000">
+              <a:spcBef>
+                <a:spcPts val="1417"/>
+              </a:spcBef>
+              <a:buClr>
+                <a:srgbClr val="000000"/>
+              </a:buClr>
+              <a:buSzPct val="45000"/>
+              <a:buFont typeface="Wingdings" charset="2"/>
+              <a:buChar char=""/>
+            </a:pPr>
+            <a:r>
+              <a:rPr lang="hu-HU" sz="3200" b="0" strike="noStrike" spc="-1">
+                <a:solidFill>
+                  <a:srgbClr val="0066CC"/>
+                </a:solidFill>
+                <a:latin typeface="Arial"/>
+              </a:rPr>
+              <a:t>Török Iza</a:t>
+            </a:r>
+          </a:p>
+        </p:txBody>
+      </p:sp>
     </p:spTree>
   </p:cSld>
-  <mc:AlternateContent>
-    <mc:Choice Requires="p14">
-      <p:transition spd="slow" p14:dur="2000"/>
-    </mc:Choice>
-    <mc:Fallback>
-      <p:transition spd="slow"/>
-    </mc:Fallback>
-  </mc:AlternateContent>
+  <p:clrMapOvr>
+    <a:masterClrMapping/>
+  </p:clrMapOvr>
 </p:sld>
 </file>
 
-<file path=ppt/slides/slide2.xml><?xml version="1.0" encoding="utf-8"?>
-<p:sld xmlns:a="http://schemas.openxmlformats.org/drawingml/2006/main" xmlns:p="http://schemas.openxmlformats.org/presentationml/2006/main" xmlns:r="http://schemas.openxmlformats.org/officeDocument/2006/relationships" xmlns:p14="http://schemas.microsoft.com/office/powerpoint/2010/main" xmlns:p15="http://schemas.microsoft.com/office/powerpoint/2012/main" xmlns:mc="http://schemas.openxmlformats.org/markup-compatibility/2006">
+<file path=ppt/slides/slide3.xml><?xml version="1.0" encoding="utf-8"?>
+<p:sld xmlns:a="http://schemas.openxmlformats.org/drawingml/2006/main" xmlns:r="http://schemas.openxmlformats.org/officeDocument/2006/relationships" xmlns:p="http://schemas.openxmlformats.org/presentationml/2006/main">
   <p:cSld>
     <p:spTree>
       <p:nvGrpSpPr>
@@ -5043,7 +5816,7 @@
       </p:grpSpPr>
       <p:sp>
         <p:nvSpPr>
-          <p:cNvPr id="86" name="TextShape 1"/>
+          <p:cNvPr id="88" name="TextShape 1"/>
           <p:cNvSpPr txBox="1"/>
           <p:nvPr/>
         </p:nvSpPr>
@@ -5061,32 +5834,27 @@
           </a:ln>
         </p:spPr>
         <p:txBody>
-          <a:bodyPr lIns="0" rIns="0" tIns="0" bIns="0" anchor="ctr">
-            <a:noAutofit/>
-          </a:bodyPr>
+          <a:bodyPr lIns="0" tIns="0" rIns="0" bIns="0" anchor="ctr">
+            <a:noAutofit/>
+          </a:bodyPr>
+          <a:lstStyle/>
           <a:p>
             <a:pPr algn="ctr"/>
             <a:r>
-              <a:rPr b="0" lang="hu-HU" sz="4400" spc="-1" strike="noStrike">
+              <a:rPr lang="hu-HU" sz="4400" b="0" strike="noStrike" spc="-1">
                 <a:solidFill>
-                  <a:srgbClr val="ffffff"/>
+                  <a:srgbClr val="FFFFFF"/>
                 </a:solidFill>
                 <a:latin typeface="Arial"/>
               </a:rPr>
-              <a:t>Csapattagok</a:t>
-            </a:r>
-            <a:endParaRPr b="0" lang="hu-HU" sz="4400" spc="-1" strike="noStrike">
-              <a:solidFill>
-                <a:srgbClr val="ffffff"/>
-              </a:solidFill>
-              <a:latin typeface="Arial"/>
-            </a:endParaRPr>
-          </a:p>
-        </p:txBody>
-      </p:sp>
-      <p:sp>
-        <p:nvSpPr>
-          <p:cNvPr id="87" name="TextShape 2"/>
+              <a:t>Célok</a:t>
+            </a:r>
+          </a:p>
+        </p:txBody>
+      </p:sp>
+      <p:sp>
+        <p:nvSpPr>
+          <p:cNvPr id="89" name="TextShape 2"/>
           <p:cNvSpPr txBox="1"/>
           <p:nvPr/>
         </p:nvSpPr>
@@ -5104,9 +5872,10 @@
           </a:ln>
         </p:spPr>
         <p:txBody>
-          <a:bodyPr lIns="0" rIns="0" tIns="0" bIns="0">
-            <a:noAutofit/>
-          </a:bodyPr>
+          <a:bodyPr lIns="0" tIns="0" rIns="0" bIns="0">
+            <a:noAutofit/>
+          </a:bodyPr>
+          <a:lstStyle/>
           <a:p>
             <a:pPr marL="432000" indent="-324000">
               <a:spcBef>
@@ -5120,20 +5889,14 @@
               <a:buChar char=""/>
             </a:pPr>
             <a:r>
-              <a:rPr b="0" lang="hu-HU" sz="3200" spc="-1" strike="noStrike">
+              <a:rPr lang="hu-HU" sz="3200" b="0" strike="noStrike" spc="-1">
                 <a:solidFill>
-                  <a:srgbClr val="0066cc"/>
+                  <a:srgbClr val="0066CC"/>
                 </a:solidFill>
                 <a:latin typeface="Arial"/>
               </a:rPr>
-              <a:t>Hódi Zsuzsa</a:t>
-            </a:r>
-            <a:endParaRPr b="0" lang="hu-HU" sz="3200" spc="-1" strike="noStrike">
-              <a:solidFill>
-                <a:srgbClr val="0066cc"/>
-              </a:solidFill>
-              <a:latin typeface="Arial"/>
-            </a:endParaRPr>
+              <a:t>Közösségi média applikáció létrehozása Android eszközökre</a:t>
+            </a:r>
           </a:p>
           <a:p>
             <a:pPr marL="432000" indent="-324000">
@@ -5148,20 +5911,14 @@
               <a:buChar char=""/>
             </a:pPr>
             <a:r>
-              <a:rPr b="0" lang="hu-HU" sz="3200" spc="-1" strike="noStrike">
+              <a:rPr lang="hu-HU" sz="3200" b="0" strike="noStrike" spc="-1">
                 <a:solidFill>
-                  <a:srgbClr val="0066cc"/>
+                  <a:srgbClr val="0066CC"/>
                 </a:solidFill>
                 <a:latin typeface="Arial"/>
               </a:rPr>
-              <a:t>Németh Máté</a:t>
-            </a:r>
-            <a:endParaRPr b="0" lang="hu-HU" sz="3200" spc="-1" strike="noStrike">
-              <a:solidFill>
-                <a:srgbClr val="0066cc"/>
-              </a:solidFill>
-              <a:latin typeface="Arial"/>
-            </a:endParaRPr>
+              <a:t>Lényege: az ismerőseink számára fontos gamer események, streamek elérhetősége és időpontja megjelenik az üzenőfalon</a:t>
+            </a:r>
           </a:p>
           <a:p>
             <a:pPr marL="432000" indent="-324000">
@@ -5176,20 +5933,14 @@
               <a:buChar char=""/>
             </a:pPr>
             <a:r>
-              <a:rPr b="0" lang="hu-HU" sz="3200" spc="-1" strike="noStrike">
+              <a:rPr lang="hu-HU" sz="3200" b="0" strike="noStrike" spc="-1">
                 <a:solidFill>
-                  <a:srgbClr val="0066cc"/>
+                  <a:srgbClr val="0066CC"/>
                 </a:solidFill>
                 <a:latin typeface="Arial"/>
               </a:rPr>
-              <a:t>Sohajda Alex</a:t>
-            </a:r>
-            <a:endParaRPr b="0" lang="hu-HU" sz="3200" spc="-1" strike="noStrike">
-              <a:solidFill>
-                <a:srgbClr val="0066cc"/>
-              </a:solidFill>
-              <a:latin typeface="Arial"/>
-            </a:endParaRPr>
+              <a:t>Kotlin vs Java: Java-t mindannyian ismerjük</a:t>
+            </a:r>
           </a:p>
           <a:p>
             <a:pPr marL="432000" indent="-324000">
@@ -5204,38 +5955,27 @@
               <a:buChar char=""/>
             </a:pPr>
             <a:r>
-              <a:rPr b="0" lang="hu-HU" sz="3200" spc="-1" strike="noStrike">
+              <a:rPr lang="hu-HU" sz="3200" b="0" strike="noStrike" spc="-1">
                 <a:solidFill>
-                  <a:srgbClr val="0066cc"/>
+                  <a:srgbClr val="0066CC"/>
                 </a:solidFill>
                 <a:latin typeface="Arial"/>
               </a:rPr>
-              <a:t>Török Iza</a:t>
-            </a:r>
-            <a:endParaRPr b="0" lang="hu-HU" sz="3200" spc="-1" strike="noStrike">
-              <a:solidFill>
-                <a:srgbClr val="0066cc"/>
-              </a:solidFill>
-              <a:latin typeface="Arial"/>
-            </a:endParaRPr>
+              <a:t>Adatbázis szerver vs felhő alapú adatbázis: egyszerűbbnek tűnik a felhő alapú</a:t>
+            </a:r>
           </a:p>
         </p:txBody>
       </p:sp>
     </p:spTree>
   </p:cSld>
-  <mc:AlternateContent>
-    <mc:Choice Requires="p14">
-      <p:transition spd="slow" p14:dur="2000"/>
-    </mc:Choice>
-    <mc:Fallback>
-      <p:transition spd="slow"/>
-    </mc:Fallback>
-  </mc:AlternateContent>
+  <p:clrMapOvr>
+    <a:masterClrMapping/>
+  </p:clrMapOvr>
 </p:sld>
 </file>
 
-<file path=ppt/slides/slide3.xml><?xml version="1.0" encoding="utf-8"?>
-<p:sld xmlns:a="http://schemas.openxmlformats.org/drawingml/2006/main" xmlns:p="http://schemas.openxmlformats.org/presentationml/2006/main" xmlns:r="http://schemas.openxmlformats.org/officeDocument/2006/relationships" xmlns:p14="http://schemas.microsoft.com/office/powerpoint/2010/main" xmlns:p15="http://schemas.microsoft.com/office/powerpoint/2012/main" xmlns:mc="http://schemas.openxmlformats.org/markup-compatibility/2006">
+<file path=ppt/slides/slide4.xml><?xml version="1.0" encoding="utf-8"?>
+<p:sld xmlns:a="http://schemas.openxmlformats.org/drawingml/2006/main" xmlns:r="http://schemas.openxmlformats.org/officeDocument/2006/relationships" xmlns:p="http://schemas.openxmlformats.org/presentationml/2006/main">
   <p:cSld>
     <p:spTree>
       <p:nvGrpSpPr>
@@ -5253,7 +5993,7 @@
       </p:grpSpPr>
       <p:sp>
         <p:nvSpPr>
-          <p:cNvPr id="88" name="TextShape 1"/>
+          <p:cNvPr id="90" name="TextShape 1"/>
           <p:cNvSpPr txBox="1"/>
           <p:nvPr/>
         </p:nvSpPr>
@@ -5271,32 +6011,27 @@
           </a:ln>
         </p:spPr>
         <p:txBody>
-          <a:bodyPr lIns="0" rIns="0" tIns="0" bIns="0" anchor="ctr">
-            <a:noAutofit/>
-          </a:bodyPr>
+          <a:bodyPr lIns="0" tIns="0" rIns="0" bIns="0" anchor="ctr">
+            <a:noAutofit/>
+          </a:bodyPr>
+          <a:lstStyle/>
           <a:p>
             <a:pPr algn="ctr"/>
             <a:r>
-              <a:rPr b="0" lang="hu-HU" sz="4400" spc="-1" strike="noStrike">
+              <a:rPr lang="hu-HU" sz="4400" b="0" strike="noStrike" spc="-1">
                 <a:solidFill>
-                  <a:srgbClr val="ffffff"/>
+                  <a:srgbClr val="FFFFFF"/>
                 </a:solidFill>
                 <a:latin typeface="Arial"/>
               </a:rPr>
-              <a:t>Célok</a:t>
-            </a:r>
-            <a:endParaRPr b="0" lang="hu-HU" sz="4400" spc="-1" strike="noStrike">
-              <a:solidFill>
-                <a:srgbClr val="ffffff"/>
-              </a:solidFill>
-              <a:latin typeface="Arial"/>
-            </a:endParaRPr>
-          </a:p>
-        </p:txBody>
-      </p:sp>
-      <p:sp>
-        <p:nvSpPr>
-          <p:cNvPr id="89" name="TextShape 2"/>
+              <a:t>Szükséges eszközök</a:t>
+            </a:r>
+          </a:p>
+        </p:txBody>
+      </p:sp>
+      <p:sp>
+        <p:nvSpPr>
+          <p:cNvPr id="91" name="TextShape 2"/>
           <p:cNvSpPr txBox="1"/>
           <p:nvPr/>
         </p:nvSpPr>
@@ -5314,9 +6049,10 @@
           </a:ln>
         </p:spPr>
         <p:txBody>
-          <a:bodyPr lIns="0" rIns="0" tIns="0" bIns="0">
-            <a:noAutofit/>
-          </a:bodyPr>
+          <a:bodyPr lIns="0" tIns="0" rIns="0" bIns="0">
+            <a:noAutofit/>
+          </a:bodyPr>
+          <a:lstStyle/>
           <a:p>
             <a:pPr marL="432000" indent="-324000">
               <a:spcBef>
@@ -5330,20 +6066,14 @@
               <a:buChar char=""/>
             </a:pPr>
             <a:r>
-              <a:rPr b="0" lang="hu-HU" sz="3200" spc="-1" strike="noStrike">
+              <a:rPr lang="hu-HU" sz="3200" b="0" strike="noStrike" spc="-1">
                 <a:solidFill>
-                  <a:srgbClr val="0066cc"/>
+                  <a:srgbClr val="0066CC"/>
                 </a:solidFill>
                 <a:latin typeface="Arial"/>
               </a:rPr>
-              <a:t>Közösségi média applikáció létrehozása Android eszközökre</a:t>
-            </a:r>
-            <a:endParaRPr b="0" lang="hu-HU" sz="3200" spc="-1" strike="noStrike">
-              <a:solidFill>
-                <a:srgbClr val="0066cc"/>
-              </a:solidFill>
-              <a:latin typeface="Arial"/>
-            </a:endParaRPr>
+              <a:t>Android SDK</a:t>
+            </a:r>
           </a:p>
           <a:p>
             <a:pPr marL="432000" indent="-324000">
@@ -5358,94 +6088,27 @@
               <a:buChar char=""/>
             </a:pPr>
             <a:r>
-              <a:rPr b="0" lang="hu-HU" sz="3200" spc="-1" strike="noStrike">
+              <a:rPr lang="hu-HU" sz="3200" b="0" strike="noStrike" spc="-1">
                 <a:solidFill>
-                  <a:srgbClr val="0066cc"/>
+                  <a:srgbClr val="0066CC"/>
                 </a:solidFill>
                 <a:latin typeface="Arial"/>
               </a:rPr>
-              <a:t>Lényege: az ismerőseink számára fontos gamer események, streamek elérhetősége és időpontja megjelenik az üzenőfalon</a:t>
-            </a:r>
-            <a:endParaRPr b="0" lang="hu-HU" sz="3200" spc="-1" strike="noStrike">
-              <a:solidFill>
-                <a:srgbClr val="0066cc"/>
-              </a:solidFill>
-              <a:latin typeface="Arial"/>
-            </a:endParaRPr>
-          </a:p>
-          <a:p>
-            <a:pPr marL="432000" indent="-324000">
-              <a:spcBef>
-                <a:spcPts val="1417"/>
-              </a:spcBef>
-              <a:buClr>
-                <a:srgbClr val="000000"/>
-              </a:buClr>
-              <a:buSzPct val="45000"/>
-              <a:buFont typeface="Wingdings" charset="2"/>
-              <a:buChar char=""/>
-            </a:pPr>
-            <a:r>
-              <a:rPr b="0" lang="hu-HU" sz="3200" spc="-1" strike="noStrike">
-                <a:solidFill>
-                  <a:srgbClr val="0066cc"/>
-                </a:solidFill>
-                <a:latin typeface="Arial"/>
-              </a:rPr>
-              <a:t>Kotlin vs Java: Java-t mindannyian ismerjük</a:t>
-            </a:r>
-            <a:endParaRPr b="0" lang="hu-HU" sz="3200" spc="-1" strike="noStrike">
-              <a:solidFill>
-                <a:srgbClr val="0066cc"/>
-              </a:solidFill>
-              <a:latin typeface="Arial"/>
-            </a:endParaRPr>
-          </a:p>
-          <a:p>
-            <a:pPr marL="432000" indent="-324000">
-              <a:spcBef>
-                <a:spcPts val="1417"/>
-              </a:spcBef>
-              <a:buClr>
-                <a:srgbClr val="000000"/>
-              </a:buClr>
-              <a:buSzPct val="45000"/>
-              <a:buFont typeface="Wingdings" charset="2"/>
-              <a:buChar char=""/>
-            </a:pPr>
-            <a:r>
-              <a:rPr b="0" lang="hu-HU" sz="3200" spc="-1" strike="noStrike">
-                <a:solidFill>
-                  <a:srgbClr val="0066cc"/>
-                </a:solidFill>
-                <a:latin typeface="Arial"/>
-              </a:rPr>
-              <a:t>Adatbázis szerver vs felhő alapú adatbázis: egyszerűbbnek tűnik a felhő alapú</a:t>
-            </a:r>
-            <a:endParaRPr b="0" lang="hu-HU" sz="3200" spc="-1" strike="noStrike">
-              <a:solidFill>
-                <a:srgbClr val="0066cc"/>
-              </a:solidFill>
-              <a:latin typeface="Arial"/>
-            </a:endParaRPr>
+              <a:t>Közös Google account, amivel az adatbázis console elérhető</a:t>
+            </a:r>
           </a:p>
         </p:txBody>
       </p:sp>
     </p:spTree>
   </p:cSld>
-  <mc:AlternateContent>
-    <mc:Choice Requires="p14">
-      <p:transition spd="slow" p14:dur="2000"/>
-    </mc:Choice>
-    <mc:Fallback>
-      <p:transition spd="slow"/>
-    </mc:Fallback>
-  </mc:AlternateContent>
+  <p:clrMapOvr>
+    <a:masterClrMapping/>
+  </p:clrMapOvr>
 </p:sld>
 </file>
 
-<file path=ppt/slides/slide4.xml><?xml version="1.0" encoding="utf-8"?>
-<p:sld xmlns:a="http://schemas.openxmlformats.org/drawingml/2006/main" xmlns:p="http://schemas.openxmlformats.org/presentationml/2006/main" xmlns:r="http://schemas.openxmlformats.org/officeDocument/2006/relationships" xmlns:p14="http://schemas.microsoft.com/office/powerpoint/2010/main" xmlns:p15="http://schemas.microsoft.com/office/powerpoint/2012/main" xmlns:mc="http://schemas.openxmlformats.org/markup-compatibility/2006">
+<file path=ppt/slides/slide5.xml><?xml version="1.0" encoding="utf-8"?>
+<p:sld xmlns:a="http://schemas.openxmlformats.org/drawingml/2006/main" xmlns:r="http://schemas.openxmlformats.org/officeDocument/2006/relationships" xmlns:p="http://schemas.openxmlformats.org/presentationml/2006/main">
   <p:cSld>
     <p:spTree>
       <p:nvGrpSpPr>
@@ -5463,7 +6126,7 @@
       </p:grpSpPr>
       <p:sp>
         <p:nvSpPr>
-          <p:cNvPr id="90" name="TextShape 1"/>
+          <p:cNvPr id="92" name="TextShape 1"/>
           <p:cNvSpPr txBox="1"/>
           <p:nvPr/>
         </p:nvSpPr>
@@ -5481,32 +6144,27 @@
           </a:ln>
         </p:spPr>
         <p:txBody>
-          <a:bodyPr lIns="0" rIns="0" tIns="0" bIns="0" anchor="ctr">
-            <a:noAutofit/>
-          </a:bodyPr>
+          <a:bodyPr lIns="0" tIns="0" rIns="0" bIns="0" anchor="ctr">
+            <a:noAutofit/>
+          </a:bodyPr>
+          <a:lstStyle/>
           <a:p>
             <a:pPr algn="ctr"/>
             <a:r>
-              <a:rPr b="0" lang="hu-HU" sz="4400" spc="-1" strike="noStrike">
+              <a:rPr lang="hu-HU" sz="4400" b="0" strike="noStrike" spc="-1">
                 <a:solidFill>
-                  <a:srgbClr val="ffffff"/>
+                  <a:srgbClr val="FFFFFF"/>
                 </a:solidFill>
                 <a:latin typeface="Arial"/>
               </a:rPr>
-              <a:t>Szükséges eszközök</a:t>
-            </a:r>
-            <a:endParaRPr b="0" lang="hu-HU" sz="4400" spc="-1" strike="noStrike">
-              <a:solidFill>
-                <a:srgbClr val="ffffff"/>
-              </a:solidFill>
-              <a:latin typeface="Arial"/>
-            </a:endParaRPr>
-          </a:p>
-        </p:txBody>
-      </p:sp>
-      <p:sp>
-        <p:nvSpPr>
-          <p:cNvPr id="91" name="TextShape 2"/>
+              <a:t>Szükséges tudás</a:t>
+            </a:r>
+          </a:p>
+        </p:txBody>
+      </p:sp>
+      <p:sp>
+        <p:nvSpPr>
+          <p:cNvPr id="93" name="TextShape 2"/>
           <p:cNvSpPr txBox="1"/>
           <p:nvPr/>
         </p:nvSpPr>
@@ -5524,9 +6182,10 @@
           </a:ln>
         </p:spPr>
         <p:txBody>
-          <a:bodyPr lIns="0" rIns="0" tIns="0" bIns="0">
-            <a:noAutofit/>
-          </a:bodyPr>
+          <a:bodyPr lIns="0" tIns="0" rIns="0" bIns="0">
+            <a:noAutofit/>
+          </a:bodyPr>
+          <a:lstStyle/>
           <a:p>
             <a:pPr marL="432000" indent="-324000">
               <a:spcBef>
@@ -5540,20 +6199,14 @@
               <a:buChar char=""/>
             </a:pPr>
             <a:r>
-              <a:rPr b="0" lang="hu-HU" sz="3200" spc="-1" strike="noStrike">
+              <a:rPr lang="hu-HU" sz="3200" b="0" strike="noStrike" spc="-1">
                 <a:solidFill>
-                  <a:srgbClr val="0066cc"/>
+                  <a:srgbClr val="0066CC"/>
                 </a:solidFill>
                 <a:latin typeface="Arial"/>
               </a:rPr>
-              <a:t>Android SDK</a:t>
-            </a:r>
-            <a:endParaRPr b="0" lang="hu-HU" sz="3200" spc="-1" strike="noStrike">
-              <a:solidFill>
-                <a:srgbClr val="0066cc"/>
-              </a:solidFill>
-              <a:latin typeface="Arial"/>
-            </a:endParaRPr>
+              <a:t>Android felépítése</a:t>
+            </a:r>
           </a:p>
           <a:p>
             <a:pPr marL="432000" indent="-324000">
@@ -5568,38 +6221,49 @@
               <a:buChar char=""/>
             </a:pPr>
             <a:r>
-              <a:rPr b="0" lang="hu-HU" sz="3200" spc="-1" strike="noStrike">
+              <a:rPr lang="hu-HU" sz="3200" b="0" strike="noStrike" spc="-1">
                 <a:solidFill>
-                  <a:srgbClr val="0066cc"/>
+                  <a:srgbClr val="0066CC"/>
                 </a:solidFill>
                 <a:latin typeface="Arial"/>
               </a:rPr>
-              <a:t>Közös Google account, amivel az adatbázis console elérhető</a:t>
-            </a:r>
-            <a:endParaRPr b="0" lang="hu-HU" sz="3200" spc="-1" strike="noStrike">
-              <a:solidFill>
-                <a:srgbClr val="0066cc"/>
-              </a:solidFill>
-              <a:latin typeface="Arial"/>
-            </a:endParaRPr>
+              <a:t>MVVC tervezési minta implementációja Androidban</a:t>
+            </a:r>
+          </a:p>
+          <a:p>
+            <a:pPr marL="432000" indent="-324000">
+              <a:spcBef>
+                <a:spcPts val="1417"/>
+              </a:spcBef>
+              <a:buClr>
+                <a:srgbClr val="000000"/>
+              </a:buClr>
+              <a:buSzPct val="45000"/>
+              <a:buFont typeface="Wingdings" charset="2"/>
+              <a:buChar char=""/>
+            </a:pPr>
+            <a:r>
+              <a:rPr lang="hu-HU" sz="3200" b="0" strike="noStrike" spc="-1">
+                <a:solidFill>
+                  <a:srgbClr val="0066CC"/>
+                </a:solidFill>
+                <a:latin typeface="Arial"/>
+              </a:rPr>
+              <a:t>Firebase ismerete</a:t>
+            </a:r>
           </a:p>
         </p:txBody>
       </p:sp>
     </p:spTree>
   </p:cSld>
-  <mc:AlternateContent>
-    <mc:Choice Requires="p14">
-      <p:transition spd="slow" p14:dur="2000"/>
-    </mc:Choice>
-    <mc:Fallback>
-      <p:transition spd="slow"/>
-    </mc:Fallback>
-  </mc:AlternateContent>
+  <p:clrMapOvr>
+    <a:masterClrMapping/>
+  </p:clrMapOvr>
 </p:sld>
 </file>
 
-<file path=ppt/slides/slide5.xml><?xml version="1.0" encoding="utf-8"?>
-<p:sld xmlns:a="http://schemas.openxmlformats.org/drawingml/2006/main" xmlns:p="http://schemas.openxmlformats.org/presentationml/2006/main" xmlns:r="http://schemas.openxmlformats.org/officeDocument/2006/relationships" xmlns:p14="http://schemas.microsoft.com/office/powerpoint/2010/main" xmlns:p15="http://schemas.microsoft.com/office/powerpoint/2012/main" xmlns:mc="http://schemas.openxmlformats.org/markup-compatibility/2006">
+<file path=ppt/slides/slide6.xml><?xml version="1.0" encoding="utf-8"?>
+<p:sld xmlns:a="http://schemas.openxmlformats.org/drawingml/2006/main" xmlns:r="http://schemas.openxmlformats.org/officeDocument/2006/relationships" xmlns:p="http://schemas.openxmlformats.org/presentationml/2006/main">
   <p:cSld>
     <p:spTree>
       <p:nvGrpSpPr>
@@ -5617,7 +6281,7 @@
       </p:grpSpPr>
       <p:sp>
         <p:nvSpPr>
-          <p:cNvPr id="92" name="TextShape 1"/>
+          <p:cNvPr id="94" name="TextShape 1"/>
           <p:cNvSpPr txBox="1"/>
           <p:nvPr/>
         </p:nvSpPr>
@@ -5635,32 +6299,27 @@
           </a:ln>
         </p:spPr>
         <p:txBody>
-          <a:bodyPr lIns="0" rIns="0" tIns="0" bIns="0" anchor="ctr">
-            <a:noAutofit/>
-          </a:bodyPr>
+          <a:bodyPr lIns="0" tIns="0" rIns="0" bIns="0" anchor="ctr">
+            <a:noAutofit/>
+          </a:bodyPr>
+          <a:lstStyle/>
           <a:p>
             <a:pPr algn="ctr"/>
             <a:r>
-              <a:rPr b="0" lang="hu-HU" sz="4400" spc="-1" strike="noStrike">
+              <a:rPr lang="hu-HU" sz="4400" b="0" strike="noStrike" spc="-1">
                 <a:solidFill>
-                  <a:srgbClr val="ffffff"/>
+                  <a:srgbClr val="FFFFFF"/>
                 </a:solidFill>
                 <a:latin typeface="Arial"/>
               </a:rPr>
-              <a:t>Szükséges tudás</a:t>
-            </a:r>
-            <a:endParaRPr b="0" lang="hu-HU" sz="4400" spc="-1" strike="noStrike">
-              <a:solidFill>
-                <a:srgbClr val="ffffff"/>
-              </a:solidFill>
-              <a:latin typeface="Arial"/>
-            </a:endParaRPr>
-          </a:p>
-        </p:txBody>
-      </p:sp>
-      <p:sp>
-        <p:nvSpPr>
-          <p:cNvPr id="93" name="TextShape 2"/>
+              <a:t>Android</a:t>
+            </a:r>
+          </a:p>
+        </p:txBody>
+      </p:sp>
+      <p:sp>
+        <p:nvSpPr>
+          <p:cNvPr id="95" name="TextShape 2"/>
           <p:cNvSpPr txBox="1"/>
           <p:nvPr/>
         </p:nvSpPr>
@@ -5678,9 +6337,10 @@
           </a:ln>
         </p:spPr>
         <p:txBody>
-          <a:bodyPr lIns="0" rIns="0" tIns="0" bIns="0">
-            <a:noAutofit/>
-          </a:bodyPr>
+          <a:bodyPr lIns="0" tIns="0" rIns="0" bIns="0">
+            <a:noAutofit/>
+          </a:bodyPr>
+          <a:lstStyle/>
           <a:p>
             <a:pPr marL="432000" indent="-324000">
               <a:spcBef>
@@ -5694,20 +6354,14 @@
               <a:buChar char=""/>
             </a:pPr>
             <a:r>
-              <a:rPr b="0" lang="hu-HU" sz="3200" spc="-1" strike="noStrike">
+              <a:rPr lang="hu-HU" sz="3200" b="0" strike="noStrike" spc="-1">
                 <a:solidFill>
-                  <a:srgbClr val="0066cc"/>
+                  <a:srgbClr val="0066CC"/>
                 </a:solidFill>
                 <a:latin typeface="Arial"/>
               </a:rPr>
-              <a:t>Android felépítése</a:t>
-            </a:r>
-            <a:endParaRPr b="0" lang="hu-HU" sz="3200" spc="-1" strike="noStrike">
-              <a:solidFill>
-                <a:srgbClr val="0066cc"/>
-              </a:solidFill>
-              <a:latin typeface="Arial"/>
-            </a:endParaRPr>
+              <a:t>Függőségek kezelése Gradle-ben</a:t>
+            </a:r>
           </a:p>
           <a:p>
             <a:pPr marL="432000" indent="-324000">
@@ -5722,20 +6376,14 @@
               <a:buChar char=""/>
             </a:pPr>
             <a:r>
-              <a:rPr b="0" lang="hu-HU" sz="3200" spc="-1" strike="noStrike">
+              <a:rPr lang="hu-HU" sz="3200" b="0" strike="noStrike" spc="-1">
                 <a:solidFill>
-                  <a:srgbClr val="0066cc"/>
+                  <a:srgbClr val="0066CC"/>
                 </a:solidFill>
                 <a:latin typeface="Arial"/>
               </a:rPr>
-              <a:t>MVVC tervezési minta implementációja Androidban</a:t>
-            </a:r>
-            <a:endParaRPr b="0" lang="hu-HU" sz="3200" spc="-1" strike="noStrike">
-              <a:solidFill>
-                <a:srgbClr val="0066cc"/>
-              </a:solidFill>
-              <a:latin typeface="Arial"/>
-            </a:endParaRPr>
+              <a:t>Szükséges engedélyek kezelése Android Manifest.xml-ben</a:t>
+            </a:r>
           </a:p>
           <a:p>
             <a:pPr marL="432000" indent="-324000">
@@ -5750,38 +6398,71 @@
               <a:buChar char=""/>
             </a:pPr>
             <a:r>
-              <a:rPr b="0" lang="hu-HU" sz="3200" spc="-1" strike="noStrike">
+              <a:rPr lang="hu-HU" sz="3200" b="0" strike="noStrike" spc="-1">
                 <a:solidFill>
-                  <a:srgbClr val="0066cc"/>
+                  <a:srgbClr val="0066CC"/>
                 </a:solidFill>
                 <a:latin typeface="Arial"/>
               </a:rPr>
-              <a:t>Firebase ismerete</a:t>
-            </a:r>
-            <a:endParaRPr b="0" lang="hu-HU" sz="3200" spc="-1" strike="noStrike">
-              <a:solidFill>
-                <a:srgbClr val="0066cc"/>
-              </a:solidFill>
-              <a:latin typeface="Arial"/>
-            </a:endParaRPr>
+              <a:t>UI létrehozása xml-ben</a:t>
+            </a:r>
+          </a:p>
+          <a:p>
+            <a:pPr marL="432000" indent="-324000">
+              <a:spcBef>
+                <a:spcPts val="1417"/>
+              </a:spcBef>
+              <a:buClr>
+                <a:srgbClr val="000000"/>
+              </a:buClr>
+              <a:buSzPct val="45000"/>
+              <a:buFont typeface="Wingdings" charset="2"/>
+              <a:buChar char=""/>
+            </a:pPr>
+            <a:r>
+              <a:rPr lang="hu-HU" sz="3200" b="0" strike="noStrike" spc="-1">
+                <a:solidFill>
+                  <a:srgbClr val="0066CC"/>
+                </a:solidFill>
+                <a:latin typeface="Arial"/>
+              </a:rPr>
+              <a:t>Modellek és üzleti logika: Java-ban</a:t>
+            </a:r>
+          </a:p>
+          <a:p>
+            <a:pPr marL="432000" indent="-324000">
+              <a:spcBef>
+                <a:spcPts val="1417"/>
+              </a:spcBef>
+              <a:buClr>
+                <a:srgbClr val="000000"/>
+              </a:buClr>
+              <a:buSzPct val="45000"/>
+              <a:buFont typeface="Wingdings" charset="2"/>
+              <a:buChar char=""/>
+            </a:pPr>
+            <a:r>
+              <a:rPr lang="hu-HU" sz="3200" b="0" strike="noStrike" spc="-1">
+                <a:solidFill>
+                  <a:srgbClr val="0066CC"/>
+                </a:solidFill>
+                <a:latin typeface="Arial"/>
+              </a:rPr>
+              <a:t>Legújabb fejlesztések már csak Kotlinban érhetőek el egyszerűen</a:t>
+            </a:r>
           </a:p>
         </p:txBody>
       </p:sp>
     </p:spTree>
   </p:cSld>
-  <mc:AlternateContent>
-    <mc:Choice Requires="p14">
-      <p:transition spd="slow" p14:dur="2000"/>
-    </mc:Choice>
-    <mc:Fallback>
-      <p:transition spd="slow"/>
-    </mc:Fallback>
-  </mc:AlternateContent>
+  <p:clrMapOvr>
+    <a:masterClrMapping/>
+  </p:clrMapOvr>
 </p:sld>
 </file>
 
-<file path=ppt/slides/slide6.xml><?xml version="1.0" encoding="utf-8"?>
-<p:sld xmlns:a="http://schemas.openxmlformats.org/drawingml/2006/main" xmlns:p="http://schemas.openxmlformats.org/presentationml/2006/main" xmlns:r="http://schemas.openxmlformats.org/officeDocument/2006/relationships" xmlns:p14="http://schemas.microsoft.com/office/powerpoint/2010/main" xmlns:p15="http://schemas.microsoft.com/office/powerpoint/2012/main" xmlns:mc="http://schemas.openxmlformats.org/markup-compatibility/2006">
+<file path=ppt/slides/slide7.xml><?xml version="1.0" encoding="utf-8"?>
+<p:sld xmlns:a="http://schemas.openxmlformats.org/drawingml/2006/main" xmlns:r="http://schemas.openxmlformats.org/officeDocument/2006/relationships" xmlns:p="http://schemas.openxmlformats.org/presentationml/2006/main">
   <p:cSld>
     <p:spTree>
       <p:nvGrpSpPr>
@@ -5799,7 +6480,7 @@
       </p:grpSpPr>
       <p:sp>
         <p:nvSpPr>
-          <p:cNvPr id="94" name="TextShape 1"/>
+          <p:cNvPr id="96" name="TextShape 1"/>
           <p:cNvSpPr txBox="1"/>
           <p:nvPr/>
         </p:nvSpPr>
@@ -5817,32 +6498,27 @@
           </a:ln>
         </p:spPr>
         <p:txBody>
-          <a:bodyPr lIns="0" rIns="0" tIns="0" bIns="0" anchor="ctr">
-            <a:noAutofit/>
-          </a:bodyPr>
+          <a:bodyPr lIns="0" tIns="0" rIns="0" bIns="0" anchor="ctr">
+            <a:noAutofit/>
+          </a:bodyPr>
+          <a:lstStyle/>
           <a:p>
             <a:pPr algn="ctr"/>
             <a:r>
-              <a:rPr b="0" lang="hu-HU" sz="4400" spc="-1" strike="noStrike">
+              <a:rPr lang="hu-HU" sz="4400" b="0" strike="noStrike" spc="-1">
                 <a:solidFill>
-                  <a:srgbClr val="ffffff"/>
+                  <a:srgbClr val="FFFFFF"/>
                 </a:solidFill>
                 <a:latin typeface="Arial"/>
               </a:rPr>
-              <a:t>Android</a:t>
-            </a:r>
-            <a:endParaRPr b="0" lang="hu-HU" sz="4400" spc="-1" strike="noStrike">
-              <a:solidFill>
-                <a:srgbClr val="ffffff"/>
-              </a:solidFill>
-              <a:latin typeface="Arial"/>
-            </a:endParaRPr>
-          </a:p>
-        </p:txBody>
-      </p:sp>
-      <p:sp>
-        <p:nvSpPr>
-          <p:cNvPr id="95" name="TextShape 2"/>
+              <a:t>Firebase</a:t>
+            </a:r>
+          </a:p>
+        </p:txBody>
+      </p:sp>
+      <p:sp>
+        <p:nvSpPr>
+          <p:cNvPr id="97" name="TextShape 2"/>
           <p:cNvSpPr txBox="1"/>
           <p:nvPr/>
         </p:nvSpPr>
@@ -5860,9 +6536,10 @@
           </a:ln>
         </p:spPr>
         <p:txBody>
-          <a:bodyPr lIns="0" rIns="0" tIns="0" bIns="0">
-            <a:noAutofit/>
-          </a:bodyPr>
+          <a:bodyPr lIns="0" tIns="0" rIns="0" bIns="0">
+            <a:noAutofit/>
+          </a:bodyPr>
+          <a:lstStyle/>
           <a:p>
             <a:pPr marL="432000" indent="-324000">
               <a:spcBef>
@@ -5876,20 +6553,14 @@
               <a:buChar char=""/>
             </a:pPr>
             <a:r>
-              <a:rPr b="0" lang="hu-HU" sz="3200" spc="-1" strike="noStrike">
+              <a:rPr lang="hu-HU" sz="3200" b="0" strike="noStrike" spc="-1">
                 <a:solidFill>
-                  <a:srgbClr val="0066cc"/>
+                  <a:srgbClr val="0066CC"/>
                 </a:solidFill>
                 <a:latin typeface="Arial"/>
               </a:rPr>
-              <a:t>Függőségek kezelése Gradle-ben</a:t>
-            </a:r>
-            <a:endParaRPr b="0" lang="hu-HU" sz="3200" spc="-1" strike="noStrike">
-              <a:solidFill>
-                <a:srgbClr val="0066cc"/>
-              </a:solidFill>
-              <a:latin typeface="Arial"/>
-            </a:endParaRPr>
+              <a:t>NoSQL adatbázis</a:t>
+            </a:r>
           </a:p>
           <a:p>
             <a:pPr marL="432000" indent="-324000">
@@ -5904,20 +6575,14 @@
               <a:buChar char=""/>
             </a:pPr>
             <a:r>
-              <a:rPr b="0" lang="hu-HU" sz="3200" spc="-1" strike="noStrike">
+              <a:rPr lang="hu-HU" sz="3200" b="0" strike="noStrike" spc="-1">
                 <a:solidFill>
-                  <a:srgbClr val="0066cc"/>
+                  <a:srgbClr val="0066CC"/>
                 </a:solidFill>
                 <a:latin typeface="Arial"/>
               </a:rPr>
-              <a:t>Szükséges engedélyek kezelése Android Manifest.xml-ben</a:t>
-            </a:r>
-            <a:endParaRPr b="0" lang="hu-HU" sz="3200" spc="-1" strike="noStrike">
-              <a:solidFill>
-                <a:srgbClr val="0066cc"/>
-              </a:solidFill>
-              <a:latin typeface="Arial"/>
-            </a:endParaRPr>
+              <a:t>JSON-ben tárolja az adatokat</a:t>
+            </a:r>
           </a:p>
           <a:p>
             <a:pPr marL="432000" indent="-324000">
@@ -5932,20 +6597,14 @@
               <a:buChar char=""/>
             </a:pPr>
             <a:r>
-              <a:rPr b="0" lang="hu-HU" sz="3200" spc="-1" strike="noStrike">
+              <a:rPr lang="hu-HU" sz="3200" b="0" strike="noStrike" spc="-1">
                 <a:solidFill>
-                  <a:srgbClr val="0066cc"/>
+                  <a:srgbClr val="0066CC"/>
                 </a:solidFill>
                 <a:latin typeface="Arial"/>
               </a:rPr>
-              <a:t>UI létrehozása xml-ben</a:t>
-            </a:r>
-            <a:endParaRPr b="0" lang="hu-HU" sz="3200" spc="-1" strike="noStrike">
-              <a:solidFill>
-                <a:srgbClr val="0066cc"/>
-              </a:solidFill>
-              <a:latin typeface="Arial"/>
-            </a:endParaRPr>
+              <a:t>User autentikációt leegyszerűsíti</a:t>
+            </a:r>
           </a:p>
           <a:p>
             <a:pPr marL="432000" indent="-324000">
@@ -5960,20 +6619,14 @@
               <a:buChar char=""/>
             </a:pPr>
             <a:r>
-              <a:rPr b="0" lang="hu-HU" sz="3200" spc="-1" strike="noStrike">
+              <a:rPr lang="hu-HU" sz="3200" b="0" strike="noStrike" spc="-1">
                 <a:solidFill>
-                  <a:srgbClr val="0066cc"/>
+                  <a:srgbClr val="0066CC"/>
                 </a:solidFill>
                 <a:latin typeface="Arial"/>
               </a:rPr>
-              <a:t>Modellek és üzleti logika: Java-ban</a:t>
-            </a:r>
-            <a:endParaRPr b="0" lang="hu-HU" sz="3200" spc="-1" strike="noStrike">
-              <a:solidFill>
-                <a:srgbClr val="0066cc"/>
-              </a:solidFill>
-              <a:latin typeface="Arial"/>
-            </a:endParaRPr>
+              <a:t>Redundáns adatok</a:t>
+            </a:r>
           </a:p>
           <a:p>
             <a:pPr marL="432000" indent="-324000">
@@ -5988,38 +6641,27 @@
               <a:buChar char=""/>
             </a:pPr>
             <a:r>
-              <a:rPr b="0" lang="hu-HU" sz="3200" spc="-1" strike="noStrike">
+              <a:rPr lang="hu-HU" sz="3200" b="0" strike="noStrike" spc="-1">
                 <a:solidFill>
-                  <a:srgbClr val="0066cc"/>
+                  <a:srgbClr val="0066CC"/>
                 </a:solidFill>
                 <a:latin typeface="Arial"/>
               </a:rPr>
-              <a:t>Legújabb fejlesztések már csak Kotlinban érhetőek el egyszerűen</a:t>
-            </a:r>
-            <a:endParaRPr b="0" lang="hu-HU" sz="3200" spc="-1" strike="noStrike">
-              <a:solidFill>
-                <a:srgbClr val="0066cc"/>
-              </a:solidFill>
-              <a:latin typeface="Arial"/>
-            </a:endParaRPr>
+              <a:t>Bonyolult query-k</a:t>
+            </a:r>
           </a:p>
         </p:txBody>
       </p:sp>
     </p:spTree>
   </p:cSld>
-  <mc:AlternateContent>
-    <mc:Choice Requires="p14">
-      <p:transition spd="slow" p14:dur="2000"/>
-    </mc:Choice>
-    <mc:Fallback>
-      <p:transition spd="slow"/>
-    </mc:Fallback>
-  </mc:AlternateContent>
+  <p:clrMapOvr>
+    <a:masterClrMapping/>
+  </p:clrMapOvr>
 </p:sld>
 </file>
 
-<file path=ppt/slides/slide7.xml><?xml version="1.0" encoding="utf-8"?>
-<p:sld xmlns:a="http://schemas.openxmlformats.org/drawingml/2006/main" xmlns:p="http://schemas.openxmlformats.org/presentationml/2006/main" xmlns:r="http://schemas.openxmlformats.org/officeDocument/2006/relationships" xmlns:p14="http://schemas.microsoft.com/office/powerpoint/2010/main" xmlns:p15="http://schemas.microsoft.com/office/powerpoint/2012/main" xmlns:mc="http://schemas.openxmlformats.org/markup-compatibility/2006">
+<file path=ppt/slides/slide8.xml><?xml version="1.0" encoding="utf-8"?>
+<p:sld xmlns:a="http://schemas.openxmlformats.org/drawingml/2006/main" xmlns:r="http://schemas.openxmlformats.org/officeDocument/2006/relationships" xmlns:p="http://schemas.openxmlformats.org/presentationml/2006/main">
   <p:cSld>
     <p:spTree>
       <p:nvGrpSpPr>
@@ -6037,7 +6679,7 @@
       </p:grpSpPr>
       <p:sp>
         <p:nvSpPr>
-          <p:cNvPr id="96" name="TextShape 1"/>
+          <p:cNvPr id="98" name="TextShape 1"/>
           <p:cNvSpPr txBox="1"/>
           <p:nvPr/>
         </p:nvSpPr>
@@ -6055,32 +6697,27 @@
           </a:ln>
         </p:spPr>
         <p:txBody>
-          <a:bodyPr lIns="0" rIns="0" tIns="0" bIns="0" anchor="ctr">
-            <a:noAutofit/>
-          </a:bodyPr>
+          <a:bodyPr lIns="0" tIns="0" rIns="0" bIns="0" anchor="ctr">
+            <a:noAutofit/>
+          </a:bodyPr>
+          <a:lstStyle/>
           <a:p>
             <a:pPr algn="ctr"/>
             <a:r>
-              <a:rPr b="0" lang="hu-HU" sz="4400" spc="-1" strike="noStrike">
+              <a:rPr lang="hu-HU" sz="4400" b="0" strike="noStrike" spc="-1">
                 <a:solidFill>
-                  <a:srgbClr val="ffffff"/>
+                  <a:srgbClr val="FFFFFF"/>
                 </a:solidFill>
                 <a:latin typeface="Arial"/>
               </a:rPr>
               <a:t>Firebase</a:t>
             </a:r>
-            <a:endParaRPr b="0" lang="hu-HU" sz="4400" spc="-1" strike="noStrike">
-              <a:solidFill>
-                <a:srgbClr val="ffffff"/>
-              </a:solidFill>
-              <a:latin typeface="Arial"/>
-            </a:endParaRPr>
-          </a:p>
-        </p:txBody>
-      </p:sp>
-      <p:sp>
-        <p:nvSpPr>
-          <p:cNvPr id="97" name="TextShape 2"/>
+          </a:p>
+        </p:txBody>
+      </p:sp>
+      <p:sp>
+        <p:nvSpPr>
+          <p:cNvPr id="99" name="TextShape 2"/>
           <p:cNvSpPr txBox="1"/>
           <p:nvPr/>
         </p:nvSpPr>
@@ -6098,166 +6735,53 @@
           </a:ln>
         </p:spPr>
         <p:txBody>
-          <a:bodyPr lIns="0" rIns="0" tIns="0" bIns="0">
-            <a:noAutofit/>
-          </a:bodyPr>
-          <a:p>
-            <a:pPr marL="432000" indent="-324000">
-              <a:spcBef>
-                <a:spcPts val="1417"/>
-              </a:spcBef>
-              <a:buClr>
-                <a:srgbClr val="000000"/>
-              </a:buClr>
-              <a:buSzPct val="45000"/>
-              <a:buFont typeface="Wingdings" charset="2"/>
-              <a:buChar char=""/>
-            </a:pPr>
-            <a:r>
-              <a:rPr b="0" lang="hu-HU" sz="3200" spc="-1" strike="noStrike">
-                <a:solidFill>
-                  <a:srgbClr val="0066cc"/>
-                </a:solidFill>
-                <a:latin typeface="Arial"/>
-              </a:rPr>
-              <a:t>NoSQL adatbázis</a:t>
-            </a:r>
-            <a:endParaRPr b="0" lang="hu-HU" sz="3200" spc="-1" strike="noStrike">
+          <a:bodyPr lIns="0" tIns="0" rIns="0" bIns="0">
+            <a:noAutofit/>
+          </a:bodyPr>
+          <a:lstStyle/>
+          <a:p>
+            <a:endParaRPr lang="hu-HU" sz="3200" b="0" strike="noStrike" spc="-1">
               <a:solidFill>
-                <a:srgbClr val="0066cc"/>
+                <a:srgbClr val="0066CC"/>
               </a:solidFill>
               <a:latin typeface="Arial"/>
             </a:endParaRPr>
           </a:p>
-          <a:p>
-            <a:pPr marL="432000" indent="-324000">
-              <a:spcBef>
-                <a:spcPts val="1417"/>
-              </a:spcBef>
-              <a:buClr>
-                <a:srgbClr val="000000"/>
-              </a:buClr>
-              <a:buSzPct val="45000"/>
-              <a:buFont typeface="Wingdings" charset="2"/>
-              <a:buChar char=""/>
-            </a:pPr>
-            <a:r>
-              <a:rPr b="0" lang="hu-HU" sz="3200" spc="-1" strike="noStrike">
-                <a:solidFill>
-                  <a:srgbClr val="0066cc"/>
-                </a:solidFill>
-                <a:latin typeface="Arial"/>
-              </a:rPr>
-              <a:t>JSON-ben tárolja az adatokat</a:t>
-            </a:r>
-            <a:endParaRPr b="0" lang="hu-HU" sz="3200" spc="-1" strike="noStrike">
-              <a:solidFill>
-                <a:srgbClr val="0066cc"/>
-              </a:solidFill>
-              <a:latin typeface="Arial"/>
-            </a:endParaRPr>
-          </a:p>
-          <a:p>
-            <a:pPr marL="432000" indent="-324000">
-              <a:spcBef>
-                <a:spcPts val="1417"/>
-              </a:spcBef>
-              <a:buClr>
-                <a:srgbClr val="000000"/>
-              </a:buClr>
-              <a:buSzPct val="45000"/>
-              <a:buFont typeface="Wingdings" charset="2"/>
-              <a:buChar char=""/>
-            </a:pPr>
-            <a:r>
-              <a:rPr b="0" lang="hu-HU" sz="3200" spc="-1" strike="noStrike">
-                <a:solidFill>
-                  <a:srgbClr val="0066cc"/>
-                </a:solidFill>
-                <a:latin typeface="Arial"/>
-              </a:rPr>
-              <a:t>User autentikációt leegyszerűsíti</a:t>
-            </a:r>
-            <a:endParaRPr b="0" lang="hu-HU" sz="3200" spc="-1" strike="noStrike">
-              <a:solidFill>
-                <a:srgbClr val="0066cc"/>
-              </a:solidFill>
-              <a:latin typeface="Arial"/>
-            </a:endParaRPr>
-          </a:p>
-          <a:p>
-            <a:pPr marL="432000" indent="-324000">
-              <a:spcBef>
-                <a:spcPts val="1417"/>
-              </a:spcBef>
-              <a:buClr>
-                <a:srgbClr val="000000"/>
-              </a:buClr>
-              <a:buSzPct val="45000"/>
-              <a:buFont typeface="Wingdings" charset="2"/>
-              <a:buChar char=""/>
-            </a:pPr>
-            <a:r>
-              <a:rPr b="0" lang="hu-HU" sz="3200" spc="-1" strike="noStrike">
-                <a:solidFill>
-                  <a:srgbClr val="0066cc"/>
-                </a:solidFill>
-                <a:latin typeface="Arial"/>
-              </a:rPr>
-              <a:t>Redundáns adatok</a:t>
-            </a:r>
-            <a:endParaRPr b="0" lang="hu-HU" sz="3200" spc="-1" strike="noStrike">
-              <a:solidFill>
-                <a:srgbClr val="0066cc"/>
-              </a:solidFill>
-              <a:latin typeface="Arial"/>
-            </a:endParaRPr>
-          </a:p>
-          <a:p>
-            <a:pPr marL="432000" indent="-324000">
-              <a:spcBef>
-                <a:spcPts val="1417"/>
-              </a:spcBef>
-              <a:buClr>
-                <a:srgbClr val="000000"/>
-              </a:buClr>
-              <a:buSzPct val="45000"/>
-              <a:buFont typeface="Wingdings" charset="2"/>
-              <a:buChar char=""/>
-            </a:pPr>
-            <a:r>
-              <a:rPr b="0" lang="hu-HU" sz="3200" spc="-1" strike="noStrike">
-                <a:solidFill>
-                  <a:srgbClr val="0066cc"/>
-                </a:solidFill>
-                <a:latin typeface="Arial"/>
-              </a:rPr>
-              <a:t>Bonyolult query-k</a:t>
-            </a:r>
-            <a:endParaRPr b="0" lang="hu-HU" sz="3200" spc="-1" strike="noStrike">
-              <a:solidFill>
-                <a:srgbClr val="0066cc"/>
-              </a:solidFill>
-              <a:latin typeface="Arial"/>
-            </a:endParaRPr>
-          </a:p>
-        </p:txBody>
-      </p:sp>
+        </p:txBody>
+      </p:sp>
+      <p:pic>
+        <p:nvPicPr>
+          <p:cNvPr id="100" name="Kép 99"/>
+          <p:cNvPicPr/>
+          <p:nvPr/>
+        </p:nvPicPr>
+        <p:blipFill>
+          <a:blip r:embed="rId2"/>
+          <a:stretch/>
+        </p:blipFill>
+        <p:spPr>
+          <a:xfrm>
+            <a:off x="303840" y="1467360"/>
+            <a:ext cx="9551880" cy="4685040"/>
+          </a:xfrm>
+          <a:prstGeom prst="rect">
+            <a:avLst/>
+          </a:prstGeom>
+          <a:ln>
+            <a:noFill/>
+          </a:ln>
+        </p:spPr>
+      </p:pic>
     </p:spTree>
   </p:cSld>
-  <mc:AlternateContent>
-    <mc:Choice Requires="p14">
-      <p:transition spd="slow" p14:dur="2000"/>
-    </mc:Choice>
-    <mc:Fallback>
-      <p:transition spd="slow"/>
-    </mc:Fallback>
-  </mc:AlternateContent>
+  <p:clrMapOvr>
+    <a:masterClrMapping/>
+  </p:clrMapOvr>
 </p:sld>
 </file>
 
-<file path=ppt/slides/slide8.xml><?xml version="1.0" encoding="utf-8"?>
-<p:sld xmlns:a="http://schemas.openxmlformats.org/drawingml/2006/main" xmlns:p="http://schemas.openxmlformats.org/presentationml/2006/main" xmlns:r="http://schemas.openxmlformats.org/officeDocument/2006/relationships" xmlns:p14="http://schemas.microsoft.com/office/powerpoint/2010/main" xmlns:p15="http://schemas.microsoft.com/office/powerpoint/2012/main" xmlns:mc="http://schemas.openxmlformats.org/markup-compatibility/2006">
+<file path=ppt/slides/slide9.xml><?xml version="1.0" encoding="utf-8"?>
+<p:sld xmlns:a="http://schemas.openxmlformats.org/drawingml/2006/main" xmlns:r="http://schemas.openxmlformats.org/officeDocument/2006/relationships" xmlns:p="http://schemas.openxmlformats.org/presentationml/2006/main">
   <p:cSld>
     <p:spTree>
       <p:nvGrpSpPr>
@@ -6275,7 +6799,7 @@
       </p:grpSpPr>
       <p:sp>
         <p:nvSpPr>
-          <p:cNvPr id="98" name="TextShape 1"/>
+          <p:cNvPr id="101" name="TextShape 1"/>
           <p:cNvSpPr txBox="1"/>
           <p:nvPr/>
         </p:nvSpPr>
@@ -6293,32 +6817,27 @@
           </a:ln>
         </p:spPr>
         <p:txBody>
-          <a:bodyPr lIns="0" rIns="0" tIns="0" bIns="0" anchor="ctr">
-            <a:noAutofit/>
-          </a:bodyPr>
+          <a:bodyPr lIns="0" tIns="0" rIns="0" bIns="0" anchor="ctr">
+            <a:noAutofit/>
+          </a:bodyPr>
+          <a:lstStyle/>
           <a:p>
             <a:pPr algn="ctr"/>
             <a:r>
-              <a:rPr b="0" lang="hu-HU" sz="4400" spc="-1" strike="noStrike">
+              <a:rPr lang="hu-HU" sz="4400" b="0" strike="noStrike" spc="-1">
                 <a:solidFill>
-                  <a:srgbClr val="ffffff"/>
+                  <a:srgbClr val="FFFFFF"/>
                 </a:solidFill>
                 <a:latin typeface="Arial"/>
               </a:rPr>
               <a:t>Firebase</a:t>
             </a:r>
-            <a:endParaRPr b="0" lang="hu-HU" sz="4400" spc="-1" strike="noStrike">
-              <a:solidFill>
-                <a:srgbClr val="ffffff"/>
-              </a:solidFill>
-              <a:latin typeface="Arial"/>
-            </a:endParaRPr>
-          </a:p>
-        </p:txBody>
-      </p:sp>
-      <p:sp>
-        <p:nvSpPr>
-          <p:cNvPr id="99" name="TextShape 2"/>
+          </a:p>
+        </p:txBody>
+      </p:sp>
+      <p:sp>
+        <p:nvSpPr>
+          <p:cNvPr id="102" name="TextShape 2"/>
           <p:cNvSpPr txBox="1"/>
           <p:nvPr/>
         </p:nvSpPr>
@@ -6336,13 +6855,14 @@
           </a:ln>
         </p:spPr>
         <p:txBody>
-          <a:bodyPr lIns="0" rIns="0" tIns="0" bIns="0">
-            <a:noAutofit/>
-          </a:bodyPr>
-          <a:p>
-            <a:endParaRPr b="0" lang="hu-HU" sz="3200" spc="-1" strike="noStrike">
+          <a:bodyPr lIns="0" tIns="0" rIns="0" bIns="0">
+            <a:noAutofit/>
+          </a:bodyPr>
+          <a:lstStyle/>
+          <a:p>
+            <a:endParaRPr lang="hu-HU" sz="3200" b="0" strike="noStrike" spc="-1">
               <a:solidFill>
-                <a:srgbClr val="0066cc"/>
+                <a:srgbClr val="0066CC"/>
               </a:solidFill>
               <a:latin typeface="Arial"/>
             </a:endParaRPr>
@@ -6351,18 +6871,18 @@
       </p:sp>
       <p:pic>
         <p:nvPicPr>
-          <p:cNvPr id="100" name="" descr=""/>
+          <p:cNvPr id="103" name="Kép 102"/>
           <p:cNvPicPr/>
           <p:nvPr/>
         </p:nvPicPr>
         <p:blipFill>
-          <a:blip r:embed="rId1"/>
+          <a:blip r:embed="rId2"/>
           <a:stretch/>
         </p:blipFill>
         <p:spPr>
           <a:xfrm>
-            <a:off x="303840" y="1467360"/>
-            <a:ext cx="9551880" cy="4685040"/>
+            <a:off x="39960" y="1270080"/>
+            <a:ext cx="10079640" cy="5079240"/>
           </a:xfrm>
           <a:prstGeom prst="rect">
             <a:avLst/>
@@ -6374,143 +6894,9 @@
       </p:pic>
     </p:spTree>
   </p:cSld>
-  <mc:AlternateContent>
-    <mc:Choice Requires="p14">
-      <p:transition spd="slow" p14:dur="2000"/>
-    </mc:Choice>
-    <mc:Fallback>
-      <p:transition spd="slow"/>
-    </mc:Fallback>
-  </mc:AlternateContent>
-</p:sld>
-</file>
-
-<file path=ppt/slides/slide9.xml><?xml version="1.0" encoding="utf-8"?>
-<p:sld xmlns:a="http://schemas.openxmlformats.org/drawingml/2006/main" xmlns:p="http://schemas.openxmlformats.org/presentationml/2006/main" xmlns:r="http://schemas.openxmlformats.org/officeDocument/2006/relationships" xmlns:p14="http://schemas.microsoft.com/office/powerpoint/2010/main" xmlns:p15="http://schemas.microsoft.com/office/powerpoint/2012/main" xmlns:mc="http://schemas.openxmlformats.org/markup-compatibility/2006">
-  <p:cSld>
-    <p:spTree>
-      <p:nvGrpSpPr>
-        <p:cNvPr id="1" name=""/>
-        <p:cNvGrpSpPr/>
-        <p:nvPr/>
-      </p:nvGrpSpPr>
-      <p:grpSpPr>
-        <a:xfrm>
-          <a:off x="0" y="0"/>
-          <a:ext cx="0" cy="0"/>
-          <a:chOff x="0" y="0"/>
-          <a:chExt cx="0" cy="0"/>
-        </a:xfrm>
-      </p:grpSpPr>
-      <p:sp>
-        <p:nvSpPr>
-          <p:cNvPr id="101" name="TextShape 1"/>
-          <p:cNvSpPr txBox="1"/>
-          <p:nvPr/>
-        </p:nvSpPr>
-        <p:spPr>
-          <a:xfrm>
-            <a:off x="504000" y="301320"/>
-            <a:ext cx="9071640" cy="637560"/>
-          </a:xfrm>
-          <a:prstGeom prst="rect">
-            <a:avLst/>
-          </a:prstGeom>
-          <a:noFill/>
-          <a:ln>
-            <a:noFill/>
-          </a:ln>
-        </p:spPr>
-        <p:txBody>
-          <a:bodyPr lIns="0" rIns="0" tIns="0" bIns="0" anchor="ctr">
-            <a:noAutofit/>
-          </a:bodyPr>
-          <a:p>
-            <a:pPr algn="ctr"/>
-            <a:r>
-              <a:rPr b="0" lang="hu-HU" sz="4400" spc="-1" strike="noStrike">
-                <a:solidFill>
-                  <a:srgbClr val="ffffff"/>
-                </a:solidFill>
-                <a:latin typeface="Arial"/>
-              </a:rPr>
-              <a:t>Firebase</a:t>
-            </a:r>
-            <a:endParaRPr b="0" lang="hu-HU" sz="4400" spc="-1" strike="noStrike">
-              <a:solidFill>
-                <a:srgbClr val="ffffff"/>
-              </a:solidFill>
-              <a:latin typeface="Arial"/>
-            </a:endParaRPr>
-          </a:p>
-        </p:txBody>
-      </p:sp>
-      <p:sp>
-        <p:nvSpPr>
-          <p:cNvPr id="102" name="TextShape 2"/>
-          <p:cNvSpPr txBox="1"/>
-          <p:nvPr/>
-        </p:nvSpPr>
-        <p:spPr>
-          <a:xfrm>
-            <a:off x="504000" y="1769040"/>
-            <a:ext cx="9071640" cy="4384440"/>
-          </a:xfrm>
-          <a:prstGeom prst="rect">
-            <a:avLst/>
-          </a:prstGeom>
-          <a:noFill/>
-          <a:ln>
-            <a:noFill/>
-          </a:ln>
-        </p:spPr>
-        <p:txBody>
-          <a:bodyPr lIns="0" rIns="0" tIns="0" bIns="0">
-            <a:noAutofit/>
-          </a:bodyPr>
-          <a:p>
-            <a:endParaRPr b="0" lang="hu-HU" sz="3200" spc="-1" strike="noStrike">
-              <a:solidFill>
-                <a:srgbClr val="0066cc"/>
-              </a:solidFill>
-              <a:latin typeface="Arial"/>
-            </a:endParaRPr>
-          </a:p>
-        </p:txBody>
-      </p:sp>
-      <p:pic>
-        <p:nvPicPr>
-          <p:cNvPr id="103" name="" descr=""/>
-          <p:cNvPicPr/>
-          <p:nvPr/>
-        </p:nvPicPr>
-        <p:blipFill>
-          <a:blip r:embed="rId1"/>
-          <a:stretch/>
-        </p:blipFill>
-        <p:spPr>
-          <a:xfrm>
-            <a:off x="39960" y="1270080"/>
-            <a:ext cx="10079640" cy="5079240"/>
-          </a:xfrm>
-          <a:prstGeom prst="rect">
-            <a:avLst/>
-          </a:prstGeom>
-          <a:ln>
-            <a:noFill/>
-          </a:ln>
-        </p:spPr>
-      </p:pic>
-    </p:spTree>
-  </p:cSld>
-  <mc:AlternateContent>
-    <mc:Choice Requires="p14">
-      <p:transition spd="slow" p14:dur="2000"/>
-    </mc:Choice>
-    <mc:Fallback>
-      <p:transition spd="slow"/>
-    </mc:Fallback>
-  </mc:AlternateContent>
+  <p:clrMapOvr>
+    <a:masterClrMapping/>
+  </p:clrMapOvr>
 </p:sld>
 </file>
 
@@ -6525,31 +6911,31 @@
         <a:sysClr val="window" lastClr="FFFFFF"/>
       </a:lt1>
       <a:dk2>
-        <a:srgbClr val="1f497d"/>
+        <a:srgbClr val="1F497D"/>
       </a:dk2>
       <a:lt2>
-        <a:srgbClr val="eeece1"/>
+        <a:srgbClr val="EEECE1"/>
       </a:lt2>
       <a:accent1>
-        <a:srgbClr val="4f81bd"/>
+        <a:srgbClr val="4F81BD"/>
       </a:accent1>
       <a:accent2>
-        <a:srgbClr val="c0504d"/>
+        <a:srgbClr val="C0504D"/>
       </a:accent2>
       <a:accent3>
-        <a:srgbClr val="9bbb59"/>
+        <a:srgbClr val="9BBB59"/>
       </a:accent3>
       <a:accent4>
-        <a:srgbClr val="8064a2"/>
+        <a:srgbClr val="8064A2"/>
       </a:accent4>
       <a:accent5>
-        <a:srgbClr val="4bacc6"/>
+        <a:srgbClr val="4BACC6"/>
       </a:accent5>
       <a:accent6>
-        <a:srgbClr val="f79646"/>
+        <a:srgbClr val="F79646"/>
       </a:accent6>
       <a:hlink>
-        <a:srgbClr val="0000ff"/>
+        <a:srgbClr val="0000FF"/>
       </a:hlink>
       <a:folHlink>
         <a:srgbClr val="800080"/>
@@ -6737,6 +7123,8 @@
       </a:bgFillStyleLst>
     </a:fmtScheme>
   </a:themeElements>
+  <a:objectDefaults/>
+  <a:extraClrSchemeLst/>
 </a:theme>
 </file>
 
@@ -6751,31 +7139,31 @@
         <a:sysClr val="window" lastClr="FFFFFF"/>
       </a:lt1>
       <a:dk2>
-        <a:srgbClr val="1f497d"/>
+        <a:srgbClr val="1F497D"/>
       </a:dk2>
       <a:lt2>
-        <a:srgbClr val="eeece1"/>
+        <a:srgbClr val="EEECE1"/>
       </a:lt2>
       <a:accent1>
-        <a:srgbClr val="4f81bd"/>
+        <a:srgbClr val="4F81BD"/>
       </a:accent1>
       <a:accent2>
-        <a:srgbClr val="c0504d"/>
+        <a:srgbClr val="C0504D"/>
       </a:accent2>
       <a:accent3>
-        <a:srgbClr val="9bbb59"/>
+        <a:srgbClr val="9BBB59"/>
       </a:accent3>
       <a:accent4>
-        <a:srgbClr val="8064a2"/>
+        <a:srgbClr val="8064A2"/>
       </a:accent4>
       <a:accent5>
-        <a:srgbClr val="4bacc6"/>
+        <a:srgbClr val="4BACC6"/>
       </a:accent5>
       <a:accent6>
-        <a:srgbClr val="f79646"/>
+        <a:srgbClr val="F79646"/>
       </a:accent6>
       <a:hlink>
-        <a:srgbClr val="0000ff"/>
+        <a:srgbClr val="0000FF"/>
       </a:hlink>
       <a:folHlink>
         <a:srgbClr val="800080"/>
@@ -6963,5 +7351,7 @@
       </a:bgFillStyleLst>
     </a:fmtScheme>
   </a:themeElements>
+  <a:objectDefaults/>
+  <a:extraClrSchemeLst/>
 </a:theme>
 </file>
--- a/Doc/End-Term Presentation.pptx
+++ b/Doc/End-Term Presentation.pptx
@@ -119,6 +119,11 @@
       </a:defRPr>
     </a:lvl9pPr>
   </p:defaultTextStyle>
+  <p:extLst>
+    <p:ext uri="{EFAFB233-063F-42B5-8137-9DF3F51BA10A}">
+      <p15:sldGuideLst xmlns:p15="http://schemas.microsoft.com/office/powerpoint/2012/main"/>
+    </p:ext>
+  </p:extLst>
 </p:presentation>
 </file>
 
@@ -4725,6 +4730,9 @@
               </a:rPr>
               <a:t>A folyamatos listanézethez (ún. RecyclerView) külön adapter alkalmazása</a:t>
             </a:r>
+            <a:r>
+              <a:t/>
+            </a:r>
             <a:br/>
             <a:r>
               <a:rPr lang="hu-HU" sz="3200" b="0" strike="noStrike" spc="-1">
@@ -4891,6 +4899,9 @@
               </a:rPr>
               <a:t>SELECT</a:t>
             </a:r>
+            <a:r>
+              <a:t/>
+            </a:r>
             <a:br/>
             <a:r>
               <a:rPr lang="hu-HU" sz="3200" b="0" strike="noStrike" spc="-1">
@@ -4901,6 +4912,9 @@
               </a:rPr>
               <a:t>profilePic,</a:t>
             </a:r>
+            <a:r>
+              <a:t/>
+            </a:r>
             <a:br/>
             <a:r>
               <a:rPr lang="hu-HU" sz="3200" b="0" strike="noStrike" spc="-1">
@@ -4911,6 +4925,9 @@
               </a:rPr>
               <a:t>username</a:t>
             </a:r>
+            <a:r>
+              <a:t/>
+            </a:r>
             <a:br/>
             <a:r>
               <a:rPr lang="hu-HU" sz="3200" b="0" strike="noStrike" spc="-1">
@@ -4921,6 +4938,9 @@
               </a:rPr>
               <a:t>FROM </a:t>
             </a:r>
+            <a:r>
+              <a:t/>
+            </a:r>
             <a:br/>
             <a:r>
               <a:rPr lang="hu-HU" sz="3200" b="0" strike="noStrike" spc="-1">
@@ -4931,6 +4951,9 @@
               </a:rPr>
               <a:t>users</a:t>
             </a:r>
+            <a:r>
+              <a:t/>
+            </a:r>
             <a:br/>
             <a:r>
               <a:rPr lang="hu-HU" sz="3200" b="0" strike="noStrike" spc="-1">
@@ -4940,6 +4963,9 @@
                 <a:latin typeface="Arial"/>
               </a:rPr>
               <a:t>WHERE</a:t>
+            </a:r>
+            <a:r>
+              <a:t/>
             </a:r>
             <a:br/>
             <a:r>
@@ -5161,14 +5187,38 @@
               <a:buChar char=""/>
             </a:pPr>
             <a:r>
-              <a:rPr lang="hu-HU" sz="3200" b="0" strike="noStrike" spc="-1" dirty="0">
+              <a:rPr lang="hu-HU" sz="3200" b="0" strike="noStrike" spc="-1" dirty="0" smtClean="0">
                 <a:solidFill>
                   <a:srgbClr val="0066CC"/>
                 </a:solidFill>
                 <a:latin typeface="Arial"/>
               </a:rPr>
-              <a:t>Alex:</a:t>
-            </a:r>
+              <a:t>Alex: Idő beosztása</a:t>
+            </a:r>
+            <a:r>
+              <a:rPr lang="hu-HU" sz="3200" b="0" strike="noStrike" spc="-1" smtClean="0">
+                <a:solidFill>
+                  <a:srgbClr val="0066CC"/>
+                </a:solidFill>
+                <a:latin typeface="Arial"/>
+              </a:rPr>
+              <a:t>, határidők pontos  </a:t>
+            </a:r>
+            <a:r>
+              <a:rPr lang="hu-HU" sz="3200" b="0" strike="noStrike" spc="-1" dirty="0" smtClean="0">
+                <a:solidFill>
+                  <a:srgbClr val="0066CC"/>
+                </a:solidFill>
+                <a:latin typeface="Arial"/>
+              </a:rPr>
+              <a:t>betartása</a:t>
+            </a:r>
+            <a:endParaRPr lang="hu-HU" sz="3200" b="0" strike="noStrike" spc="-1" dirty="0">
+              <a:solidFill>
+                <a:srgbClr val="0066CC"/>
+              </a:solidFill>
+              <a:latin typeface="Arial"/>
+            </a:endParaRPr>
           </a:p>
           <a:p>
             <a:pPr marL="432000" indent="-324000">

--- a/Doc/End-Term Presentation.pptx
+++ b/Doc/End-Term Presentation.pptx
@@ -4730,9 +4730,6 @@
               </a:rPr>
               <a:t>A folyamatos listanézethez (ún. RecyclerView) külön adapter alkalmazása</a:t>
             </a:r>
-            <a:r>
-              <a:t/>
-            </a:r>
             <a:br/>
             <a:r>
               <a:rPr lang="hu-HU" sz="3200" b="0" strike="noStrike" spc="-1">
@@ -4899,9 +4896,6 @@
               </a:rPr>
               <a:t>SELECT</a:t>
             </a:r>
-            <a:r>
-              <a:t/>
-            </a:r>
             <a:br/>
             <a:r>
               <a:rPr lang="hu-HU" sz="3200" b="0" strike="noStrike" spc="-1">
@@ -4912,9 +4906,6 @@
               </a:rPr>
               <a:t>profilePic,</a:t>
             </a:r>
-            <a:r>
-              <a:t/>
-            </a:r>
             <a:br/>
             <a:r>
               <a:rPr lang="hu-HU" sz="3200" b="0" strike="noStrike" spc="-1">
@@ -4925,9 +4916,6 @@
               </a:rPr>
               <a:t>username</a:t>
             </a:r>
-            <a:r>
-              <a:t/>
-            </a:r>
             <a:br/>
             <a:r>
               <a:rPr lang="hu-HU" sz="3200" b="0" strike="noStrike" spc="-1">
@@ -4938,9 +4926,6 @@
               </a:rPr>
               <a:t>FROM </a:t>
             </a:r>
-            <a:r>
-              <a:t/>
-            </a:r>
             <a:br/>
             <a:r>
               <a:rPr lang="hu-HU" sz="3200" b="0" strike="noStrike" spc="-1">
@@ -4951,9 +4936,6 @@
               </a:rPr>
               <a:t>users</a:t>
             </a:r>
-            <a:r>
-              <a:t/>
-            </a:r>
             <a:br/>
             <a:r>
               <a:rPr lang="hu-HU" sz="3200" b="0" strike="noStrike" spc="-1">
@@ -4963,9 +4945,6 @@
                 <a:latin typeface="Arial"/>
               </a:rPr>
               <a:t>WHERE</a:t>
-            </a:r>
-            <a:r>
-              <a:t/>
             </a:r>
             <a:br/>
             <a:r>
@@ -5096,7 +5075,7 @@
         </p:nvSpPr>
         <p:spPr>
           <a:xfrm>
-            <a:off x="504000" y="1769040"/>
+            <a:off x="504000" y="1587617"/>
             <a:ext cx="9072000" cy="4384440"/>
           </a:xfrm>
           <a:prstGeom prst="rect">
@@ -5165,14 +5144,52 @@
               <a:buChar char=""/>
             </a:pPr>
             <a:r>
-              <a:rPr lang="hu-HU" sz="3200" b="0" strike="noStrike" spc="-1" dirty="0">
+              <a:rPr lang="hu-HU" sz="3200" b="0" strike="noStrike" spc="-1" dirty="0" err="1">
                 <a:solidFill>
                   <a:srgbClr val="0066CC"/>
                 </a:solidFill>
                 <a:latin typeface="Arial"/>
               </a:rPr>
-              <a:t>Máté:</a:t>
-            </a:r>
+              <a:t>Máté</a:t>
+            </a:r>
+            <a:r>
+              <a:rPr lang="hu-HU" sz="3200" spc="-1" dirty="0" err="1">
+                <a:solidFill>
+                  <a:srgbClr val="0066CC"/>
+                </a:solidFill>
+              </a:rPr>
+              <a:t>:Firebase</a:t>
+            </a:r>
+            <a:r>
+              <a:rPr lang="hu-HU" sz="3200" spc="-1" dirty="0">
+                <a:solidFill>
+                  <a:srgbClr val="0066CC"/>
+                </a:solidFill>
+              </a:rPr>
+              <a:t> </a:t>
+            </a:r>
+            <a:r>
+              <a:rPr lang="hu-HU" sz="3200" spc="-1" dirty="0" err="1">
+                <a:solidFill>
+                  <a:srgbClr val="0066CC"/>
+                </a:solidFill>
+              </a:rPr>
+              <a:t>query</a:t>
+            </a:r>
+            <a:r>
+              <a:rPr lang="hu-HU" sz="3200" spc="-1" dirty="0">
+                <a:solidFill>
+                  <a:srgbClr val="0066CC"/>
+                </a:solidFill>
+              </a:rPr>
+              <a:t>-k megértése (még mindig nem sikerült), időt találni a munkára a többi beadandó miatt</a:t>
+            </a:r>
+            <a:endParaRPr lang="hu-HU" sz="3200" b="0" strike="noStrike" spc="-1" dirty="0">
+              <a:solidFill>
+                <a:srgbClr val="0066CC"/>
+              </a:solidFill>
+              <a:latin typeface="Arial"/>
+            </a:endParaRPr>
           </a:p>
           <a:p>
             <a:pPr marL="432000" indent="-324000">
@@ -5187,38 +5204,14 @@
               <a:buChar char=""/>
             </a:pPr>
             <a:r>
-              <a:rPr lang="hu-HU" sz="3200" b="0" strike="noStrike" spc="-1" dirty="0" smtClean="0">
+              <a:rPr lang="hu-HU" sz="3200" b="0" strike="noStrike" spc="-1" dirty="0">
                 <a:solidFill>
                   <a:srgbClr val="0066CC"/>
                 </a:solidFill>
                 <a:latin typeface="Arial"/>
               </a:rPr>
-              <a:t>Alex: Idő beosztása</a:t>
-            </a:r>
-            <a:r>
-              <a:rPr lang="hu-HU" sz="3200" b="0" strike="noStrike" spc="-1" smtClean="0">
-                <a:solidFill>
-                  <a:srgbClr val="0066CC"/>
-                </a:solidFill>
-                <a:latin typeface="Arial"/>
-              </a:rPr>
-              <a:t>, határidők pontos  </a:t>
-            </a:r>
-            <a:r>
-              <a:rPr lang="hu-HU" sz="3200" b="0" strike="noStrike" spc="-1" dirty="0" smtClean="0">
-                <a:solidFill>
-                  <a:srgbClr val="0066CC"/>
-                </a:solidFill>
-                <a:latin typeface="Arial"/>
-              </a:rPr>
-              <a:t>betartása</a:t>
-            </a:r>
-            <a:endParaRPr lang="hu-HU" sz="3200" b="0" strike="noStrike" spc="-1" dirty="0">
-              <a:solidFill>
-                <a:srgbClr val="0066CC"/>
-              </a:solidFill>
-              <a:latin typeface="Arial"/>
-            </a:endParaRPr>
+              <a:t>Alex: Idő beosztása, határidők pontos  betartása</a:t>
+            </a:r>
           </a:p>
           <a:p>
             <a:pPr marL="432000" indent="-324000">
